--- a/Chapitre_02_Hyperstatisme/QCM/QCM.pptx
+++ b/Chapitre_02_Hyperstatisme/QCM/QCM.pptx
@@ -14,6 +14,9 @@
     <p:sldId id="265" r:id="rId8"/>
     <p:sldId id="266" r:id="rId9"/>
     <p:sldId id="267" r:id="rId10"/>
+    <p:sldId id="268" r:id="rId11"/>
+    <p:sldId id="270" r:id="rId12"/>
+    <p:sldId id="269" r:id="rId13"/>
   </p:sldIdLst>
   <p:sldSz cx="9144000" cy="6858000" type="screen4x3"/>
   <p:notesSz cx="6858000" cy="9144000"/>
@@ -3093,8 +3096,8 @@
           </a:p>
         </p:txBody>
       </p:sp>
-      <mc:AlternateContent xmlns:mc="http://schemas.openxmlformats.org/markup-compatibility/2006">
-        <mc:Choice xmlns:a14="http://schemas.microsoft.com/office/drawing/2010/main" Requires="a14">
+      <mc:AlternateContent xmlns:mc="http://schemas.openxmlformats.org/markup-compatibility/2006" xmlns:a14="http://schemas.microsoft.com/office/drawing/2010/main">
+        <mc:Choice Requires="a14">
           <p:sp>
             <p:nvSpPr>
               <p:cNvPr id="3" name="Espace réservé du contenu 2"/>
@@ -3232,13 +3235,7 @@
                       <a:rPr lang="fr-FR" b="0" i="1" smtClean="0">
                         <a:latin typeface="Cambria Math"/>
                       </a:rPr>
-                      <m:t>=</m:t>
-                    </m:r>
-                    <m:r>
-                      <a:rPr lang="fr-FR" b="0" i="1" smtClean="0">
-                        <a:latin typeface="Cambria Math"/>
-                      </a:rPr>
-                      <m:t>5+5+3+3=16</m:t>
+                      <m:t>=5+5+3+3=16</m:t>
                     </m:r>
                   </m:oMath>
                 </a14:m>
@@ -3277,13 +3274,7 @@
                       <a:rPr lang="fr-FR" b="0" i="1" smtClean="0">
                         <a:latin typeface="Cambria Math"/>
                       </a:rPr>
-                      <m:t>=</m:t>
-                    </m:r>
-                    <m:r>
-                      <a:rPr lang="fr-FR" b="0" i="1" smtClean="0">
-                        <a:latin typeface="Cambria Math"/>
-                      </a:rPr>
-                      <m:t>3⋅6=18</m:t>
+                      <m:t>=3⋅6=18</m:t>
                     </m:r>
                   </m:oMath>
                 </a14:m>
@@ -3303,13 +3294,7 @@
                       <a:rPr lang="fr-FR" b="0" i="1" smtClean="0">
                         <a:latin typeface="Cambria Math"/>
                       </a:rPr>
-                      <m:t>=2−</m:t>
-                    </m:r>
-                    <m:r>
-                      <a:rPr lang="fr-FR" b="0" i="1" smtClean="0">
-                        <a:latin typeface="Cambria Math"/>
-                      </a:rPr>
-                      <m:t>18+16=0</m:t>
+                      <m:t>=2−18+16=0</m:t>
                     </m:r>
                   </m:oMath>
                 </a14:m>
@@ -3431,7 +3416,7 @@
                         </a:solidFill>
                         <a:latin typeface="Cambria Math"/>
                       </a:rPr>
-                      <m:t>=0−</m:t>
+                      <m:t>=0−9+</m:t>
                     </m:r>
                     <m:r>
                       <a:rPr lang="fr-FR" b="0" i="1" smtClean="0">
@@ -3440,7 +3425,7 @@
                         </a:solidFill>
                         <a:latin typeface="Cambria Math"/>
                       </a:rPr>
-                      <m:t>9+9=0</m:t>
+                      <m:t>9=0</m:t>
                     </m:r>
                   </m:oMath>
                 </a14:m>
@@ -3456,7 +3441,7 @@
             </p:txBody>
           </p:sp>
         </mc:Choice>
-        <mc:Fallback>
+        <mc:Fallback xmlns="">
           <p:sp>
             <p:nvSpPr>
               <p:cNvPr id="3" name="Espace réservé du contenu 2"/>
@@ -4209,7 +4194,7 @@
 </p:sld>
 </file>
 
-<file path=ppt/slides/slide2.xml><?xml version="1.0" encoding="utf-8"?>
+<file path=ppt/slides/slide10.xml><?xml version="1.0" encoding="utf-8"?>
 <p:sld xmlns:a="http://schemas.openxmlformats.org/drawingml/2006/main" xmlns:r="http://schemas.openxmlformats.org/officeDocument/2006/relationships" xmlns:p="http://schemas.openxmlformats.org/presentationml/2006/main">
   <p:cSld>
     <p:spTree>
@@ -4226,6 +4211,93 @@
           <a:chExt cx="0" cy="0"/>
         </a:xfrm>
       </p:grpSpPr>
+      <p:cxnSp>
+        <p:nvCxnSpPr>
+          <p:cNvPr id="12" name="Connecteur droit 11"/>
+          <p:cNvCxnSpPr/>
+          <p:nvPr/>
+        </p:nvCxnSpPr>
+        <p:spPr>
+          <a:xfrm flipH="1" flipV="1">
+            <a:off x="977985" y="1916833"/>
+            <a:ext cx="251019" cy="533445"/>
+          </a:xfrm>
+          <a:prstGeom prst="line">
+            <a:avLst/>
+          </a:prstGeom>
+          <a:noFill/>
+          <a:ln w="19050">
+            <a:solidFill>
+              <a:srgbClr val="00B050"/>
+            </a:solidFill>
+          </a:ln>
+        </p:spPr>
+        <p:style>
+          <a:lnRef idx="2">
+            <a:schemeClr val="accent1">
+              <a:shade val="50000"/>
+            </a:schemeClr>
+          </a:lnRef>
+          <a:fillRef idx="1">
+            <a:schemeClr val="accent1"/>
+          </a:fillRef>
+          <a:effectRef idx="0">
+            <a:schemeClr val="accent1"/>
+          </a:effectRef>
+          <a:fontRef idx="minor">
+            <a:schemeClr val="lt1"/>
+          </a:fontRef>
+        </p:style>
+      </p:cxnSp>
+      <p:sp>
+        <p:nvSpPr>
+          <p:cNvPr id="5" name="Arc 4"/>
+          <p:cNvSpPr/>
+          <p:nvPr/>
+        </p:nvSpPr>
+        <p:spPr>
+          <a:xfrm>
+            <a:off x="868971" y="1814197"/>
+            <a:ext cx="205272" cy="205272"/>
+          </a:xfrm>
+          <a:prstGeom prst="arc">
+            <a:avLst>
+              <a:gd name="adj1" fmla="val 20342386"/>
+              <a:gd name="adj2" fmla="val 13481147"/>
+            </a:avLst>
+          </a:prstGeom>
+          <a:solidFill>
+            <a:schemeClr val="bg1"/>
+          </a:solidFill>
+          <a:ln w="19050">
+            <a:solidFill>
+              <a:srgbClr val="00B050"/>
+            </a:solidFill>
+          </a:ln>
+        </p:spPr>
+        <p:style>
+          <a:lnRef idx="1">
+            <a:schemeClr val="accent1"/>
+          </a:lnRef>
+          <a:fillRef idx="0">
+            <a:schemeClr val="accent1"/>
+          </a:fillRef>
+          <a:effectRef idx="0">
+            <a:schemeClr val="accent1"/>
+          </a:effectRef>
+          <a:fontRef idx="minor">
+            <a:schemeClr val="tx1"/>
+          </a:fontRef>
+        </p:style>
+        <p:txBody>
+          <a:bodyPr rtlCol="0" anchor="ctr"/>
+          <a:lstStyle/>
+          <a:p>
+            <a:pPr algn="ctr"/>
+            <a:endParaRPr lang="fr-FR"/>
+          </a:p>
+        </p:txBody>
+      </p:sp>
       <p:sp>
         <p:nvSpPr>
           <p:cNvPr id="4" name="Rectangle 3"/>
@@ -4331,7 +4403,7 @@
                       <a:rPr lang="fr-FR" b="0" i="1" smtClean="0">
                         <a:latin typeface="Cambria Math"/>
                       </a:rPr>
-                      <m:t>=0</m:t>
+                      <m:t>=1</m:t>
                     </m:r>
                   </m:oMath>
                 </a14:m>
@@ -4369,7 +4441,13 @@
                       <a:rPr lang="fr-FR" b="0" i="1" smtClean="0">
                         <a:latin typeface="Cambria Math"/>
                       </a:rPr>
-                      <m:t>=1</m:t>
+                      <m:t>=</m:t>
+                    </m:r>
+                    <m:r>
+                      <a:rPr lang="fr-FR" b="0" i="1" smtClean="0">
+                        <a:latin typeface="Cambria Math"/>
+                      </a:rPr>
+                      <m:t>2</m:t>
                     </m:r>
                   </m:oMath>
                 </a14:m>
@@ -4415,13 +4493,37 @@
                       <a:rPr lang="fr-FR" b="0" i="1" smtClean="0">
                         <a:latin typeface="Cambria Math"/>
                       </a:rPr>
-                      <m:t>=</m:t>
-                    </m:r>
-                    <m:r>
-                      <a:rPr lang="fr-FR" b="0" i="0" smtClean="0">
-                        <a:latin typeface="Cambria Math"/>
-                      </a:rPr>
-                      <m:t>5+5+5+5=20</m:t>
+                      <m:t>=4+</m:t>
+                    </m:r>
+                    <m:r>
+                      <a:rPr lang="fr-FR" b="0" i="1" smtClean="0">
+                        <a:latin typeface="Cambria Math"/>
+                      </a:rPr>
+                      <m:t>3</m:t>
+                    </m:r>
+                    <m:r>
+                      <a:rPr lang="fr-FR" b="0" i="1" smtClean="0">
+                        <a:latin typeface="Cambria Math"/>
+                      </a:rPr>
+                      <m:t>+</m:t>
+                    </m:r>
+                    <m:r>
+                      <a:rPr lang="fr-FR" b="0" i="1" smtClean="0">
+                        <a:latin typeface="Cambria Math"/>
+                      </a:rPr>
+                      <m:t>5</m:t>
+                    </m:r>
+                    <m:r>
+                      <a:rPr lang="fr-FR" b="0" i="1" smtClean="0">
+                        <a:latin typeface="Cambria Math"/>
+                      </a:rPr>
+                      <m:t>+3</m:t>
+                    </m:r>
+                    <m:r>
+                      <a:rPr lang="fr-FR" b="0" i="1" smtClean="0">
+                        <a:latin typeface="Cambria Math"/>
+                      </a:rPr>
+                      <m:t>=15</m:t>
                     </m:r>
                   </m:oMath>
                 </a14:m>
@@ -4460,13 +4562,7 @@
                       <a:rPr lang="fr-FR" b="0" i="1" smtClean="0">
                         <a:latin typeface="Cambria Math"/>
                       </a:rPr>
-                      <m:t>=</m:t>
-                    </m:r>
-                    <m:r>
-                      <a:rPr lang="fr-FR" b="0" i="1" smtClean="0">
-                        <a:latin typeface="Cambria Math"/>
-                      </a:rPr>
-                      <m:t>6⋅3</m:t>
+                      <m:t>=6⋅3=18</m:t>
                     </m:r>
                   </m:oMath>
                 </a14:m>
@@ -4486,13 +4582,19 @@
                       <a:rPr lang="fr-FR" b="0" i="1" smtClean="0">
                         <a:latin typeface="Cambria Math"/>
                       </a:rPr>
-                      <m:t>=1−</m:t>
+                      <m:t>=3−</m:t>
                     </m:r>
                     <m:r>
                       <a:rPr lang="fr-FR" b="0" i="1" smtClean="0">
                         <a:latin typeface="Cambria Math"/>
                       </a:rPr>
-                      <m:t>18+20=3</m:t>
+                      <m:t>18+15=</m:t>
+                    </m:r>
+                    <m:r>
+                      <a:rPr lang="fr-FR" b="0" i="0" smtClean="0">
+                        <a:latin typeface="Cambria Math"/>
+                      </a:rPr>
+                      <m:t>0</m:t>
                     </m:r>
                   </m:oMath>
                 </a14:m>
@@ -4543,7 +4645,7 @@
                       <a:rPr lang="fr-FR" b="0" i="1" smtClean="0">
                         <a:latin typeface="Cambria Math"/>
                       </a:rPr>
-                      <m:t>3+2+2+2=9</m:t>
+                      <m:t>2+2+2+2=8</m:t>
                     </m:r>
                   </m:oMath>
                 </a14:m>
@@ -4614,7 +4716,7 @@
                         </a:solidFill>
                         <a:latin typeface="Cambria Math"/>
                       </a:rPr>
-                      <m:t>=0−</m:t>
+                      <m:t>=1−</m:t>
                     </m:r>
                     <m:r>
                       <a:rPr lang="fr-FR" b="0" i="1" smtClean="0">
@@ -4623,7 +4725,7 @@
                         </a:solidFill>
                         <a:latin typeface="Cambria Math"/>
                       </a:rPr>
-                      <m:t>9+9=</m:t>
+                      <m:t>9+8=</m:t>
                     </m:r>
                     <m:r>
                       <a:rPr lang="fr-FR" b="0" i="0" smtClean="0">
@@ -4704,44 +4806,6 @@
           <a:ln w="19050">
             <a:solidFill>
               <a:srgbClr val="C00000"/>
-            </a:solidFill>
-          </a:ln>
-        </p:spPr>
-        <p:style>
-          <a:lnRef idx="2">
-            <a:schemeClr val="accent1">
-              <a:shade val="50000"/>
-            </a:schemeClr>
-          </a:lnRef>
-          <a:fillRef idx="1">
-            <a:schemeClr val="accent1"/>
-          </a:fillRef>
-          <a:effectRef idx="0">
-            <a:schemeClr val="accent1"/>
-          </a:effectRef>
-          <a:fontRef idx="minor">
-            <a:schemeClr val="lt1"/>
-          </a:fontRef>
-        </p:style>
-      </p:cxnSp>
-      <p:cxnSp>
-        <p:nvCxnSpPr>
-          <p:cNvPr id="12" name="Connecteur droit 11"/>
-          <p:cNvCxnSpPr/>
-          <p:nvPr/>
-        </p:nvCxnSpPr>
-        <p:spPr>
-          <a:xfrm flipH="1" flipV="1">
-            <a:off x="977985" y="1916833"/>
-            <a:ext cx="251019" cy="533445"/>
-          </a:xfrm>
-          <a:prstGeom prst="line">
-            <a:avLst/>
-          </a:prstGeom>
-          <a:noFill/>
-          <a:ln w="19050">
-            <a:solidFill>
-              <a:srgbClr val="00B050"/>
             </a:solidFill>
           </a:ln>
         </p:spPr>
@@ -5116,24 +5180,26 @@
           </a:fontRef>
         </p:style>
       </p:cxnSp>
-      <p:cxnSp>
-        <p:nvCxnSpPr>
-          <p:cNvPr id="17" name="Connecteur droit 16"/>
-          <p:cNvCxnSpPr/>
-          <p:nvPr/>
-        </p:nvCxnSpPr>
-        <p:spPr>
-          <a:xfrm flipH="1">
-            <a:off x="899584" y="1590126"/>
-            <a:ext cx="144000" cy="0"/>
-          </a:xfrm>
-          <a:prstGeom prst="line">
+      <p:sp>
+        <p:nvSpPr>
+          <p:cNvPr id="11" name="Ellipse 10"/>
+          <p:cNvSpPr/>
+          <p:nvPr/>
+        </p:nvSpPr>
+        <p:spPr>
+          <a:xfrm>
+            <a:off x="1156996" y="2378270"/>
+            <a:ext cx="144016" cy="144016"/>
+          </a:xfrm>
+          <a:prstGeom prst="ellipse">
             <a:avLst/>
           </a:prstGeom>
-          <a:noFill/>
+          <a:solidFill>
+            <a:schemeClr val="bg1"/>
+          </a:solidFill>
           <a:ln w="19050">
             <a:solidFill>
-              <a:srgbClr val="C00000"/>
+              <a:srgbClr val="00B050"/>
             </a:solidFill>
           </a:ln>
         </p:spPr>
@@ -5153,82 +5219,53 @@
             <a:schemeClr val="lt1"/>
           </a:fontRef>
         </p:style>
-      </p:cxnSp>
-      <p:cxnSp>
-        <p:nvCxnSpPr>
-          <p:cNvPr id="18" name="Connecteur droit 17"/>
-          <p:cNvCxnSpPr/>
-          <p:nvPr/>
-        </p:nvCxnSpPr>
-        <p:spPr>
-          <a:xfrm flipH="1">
-            <a:off x="901230" y="1235426"/>
-            <a:ext cx="144000" cy="0"/>
-          </a:xfrm>
-          <a:prstGeom prst="line">
-            <a:avLst/>
-          </a:prstGeom>
-          <a:noFill/>
-          <a:ln w="19050">
-            <a:solidFill>
-              <a:srgbClr val="C00000"/>
-            </a:solidFill>
-          </a:ln>
-        </p:spPr>
-        <p:style>
-          <a:lnRef idx="2">
-            <a:schemeClr val="accent1">
-              <a:shade val="50000"/>
-            </a:schemeClr>
-          </a:lnRef>
-          <a:fillRef idx="1">
-            <a:schemeClr val="accent1"/>
-          </a:fillRef>
-          <a:effectRef idx="0">
-            <a:schemeClr val="accent1"/>
-          </a:effectRef>
-          <a:fontRef idx="minor">
-            <a:schemeClr val="lt1"/>
-          </a:fontRef>
-        </p:style>
-      </p:cxnSp>
+        <p:txBody>
+          <a:bodyPr rtlCol="0" anchor="ctr"/>
+          <a:lstStyle/>
+          <a:p>
+            <a:pPr algn="ctr"/>
+            <a:endParaRPr lang="fr-FR"/>
+          </a:p>
+        </p:txBody>
+      </p:sp>
       <p:sp>
         <p:nvSpPr>
-          <p:cNvPr id="11" name="Ellipse 10"/>
+          <p:cNvPr id="22" name="Arc 21"/>
           <p:cNvSpPr/>
           <p:nvPr/>
         </p:nvSpPr>
         <p:spPr>
-          <a:xfrm>
-            <a:off x="1156996" y="2378270"/>
-            <a:ext cx="144016" cy="144016"/>
-          </a:xfrm>
-          <a:prstGeom prst="ellipse">
-            <a:avLst/>
+          <a:xfrm rot="11700000">
+            <a:off x="875350" y="2589844"/>
+            <a:ext cx="205272" cy="205272"/>
+          </a:xfrm>
+          <a:prstGeom prst="arc">
+            <a:avLst>
+              <a:gd name="adj1" fmla="val 20342386"/>
+              <a:gd name="adj2" fmla="val 13481147"/>
+            </a:avLst>
           </a:prstGeom>
           <a:solidFill>
             <a:schemeClr val="bg1"/>
           </a:solidFill>
           <a:ln w="19050">
             <a:solidFill>
-              <a:srgbClr val="00B050"/>
+              <a:srgbClr val="7030A0"/>
             </a:solidFill>
           </a:ln>
         </p:spPr>
         <p:style>
-          <a:lnRef idx="2">
-            <a:schemeClr val="accent1">
-              <a:shade val="50000"/>
-            </a:schemeClr>
+          <a:lnRef idx="1">
+            <a:schemeClr val="accent1"/>
           </a:lnRef>
-          <a:fillRef idx="1">
+          <a:fillRef idx="0">
             <a:schemeClr val="accent1"/>
           </a:fillRef>
           <a:effectRef idx="0">
             <a:schemeClr val="accent1"/>
           </a:effectRef>
           <a:fontRef idx="minor">
-            <a:schemeClr val="lt1"/>
+            <a:schemeClr val="tx1"/>
           </a:fontRef>
         </p:style>
         <p:txBody>
@@ -5293,7 +5330,7 @@
     </p:spTree>
     <p:extLst>
       <p:ext uri="{BB962C8B-B14F-4D97-AF65-F5344CB8AC3E}">
-        <p14:creationId xmlns:p14="http://schemas.microsoft.com/office/powerpoint/2010/main" val="114505002"/>
+        <p14:creationId xmlns:p14="http://schemas.microsoft.com/office/powerpoint/2010/main" val="2392123156"/>
       </p:ext>
     </p:extLst>
   </p:cSld>
@@ -5303,7 +5340,7 @@
 </p:sld>
 </file>
 
-<file path=ppt/slides/slide3.xml><?xml version="1.0" encoding="utf-8"?>
+<file path=ppt/slides/slide11.xml><?xml version="1.0" encoding="utf-8"?>
 <p:sld xmlns:a="http://schemas.openxmlformats.org/drawingml/2006/main" xmlns:r="http://schemas.openxmlformats.org/officeDocument/2006/relationships" xmlns:p="http://schemas.openxmlformats.org/presentationml/2006/main">
   <p:cSld>
     <p:spTree>
@@ -5320,6 +5357,93 @@
           <a:chExt cx="0" cy="0"/>
         </a:xfrm>
       </p:grpSpPr>
+      <p:cxnSp>
+        <p:nvCxnSpPr>
+          <p:cNvPr id="12" name="Connecteur droit 11"/>
+          <p:cNvCxnSpPr/>
+          <p:nvPr/>
+        </p:nvCxnSpPr>
+        <p:spPr>
+          <a:xfrm flipH="1" flipV="1">
+            <a:off x="977985" y="1916833"/>
+            <a:ext cx="251019" cy="533445"/>
+          </a:xfrm>
+          <a:prstGeom prst="line">
+            <a:avLst/>
+          </a:prstGeom>
+          <a:noFill/>
+          <a:ln w="19050">
+            <a:solidFill>
+              <a:srgbClr val="00B050"/>
+            </a:solidFill>
+          </a:ln>
+        </p:spPr>
+        <p:style>
+          <a:lnRef idx="2">
+            <a:schemeClr val="accent1">
+              <a:shade val="50000"/>
+            </a:schemeClr>
+          </a:lnRef>
+          <a:fillRef idx="1">
+            <a:schemeClr val="accent1"/>
+          </a:fillRef>
+          <a:effectRef idx="0">
+            <a:schemeClr val="accent1"/>
+          </a:effectRef>
+          <a:fontRef idx="minor">
+            <a:schemeClr val="lt1"/>
+          </a:fontRef>
+        </p:style>
+      </p:cxnSp>
+      <p:sp>
+        <p:nvSpPr>
+          <p:cNvPr id="5" name="Arc 4"/>
+          <p:cNvSpPr/>
+          <p:nvPr/>
+        </p:nvSpPr>
+        <p:spPr>
+          <a:xfrm>
+            <a:off x="868971" y="1814197"/>
+            <a:ext cx="205272" cy="205272"/>
+          </a:xfrm>
+          <a:prstGeom prst="arc">
+            <a:avLst>
+              <a:gd name="adj1" fmla="val 20342386"/>
+              <a:gd name="adj2" fmla="val 13481147"/>
+            </a:avLst>
+          </a:prstGeom>
+          <a:solidFill>
+            <a:schemeClr val="bg1"/>
+          </a:solidFill>
+          <a:ln w="19050">
+            <a:solidFill>
+              <a:srgbClr val="00B050"/>
+            </a:solidFill>
+          </a:ln>
+        </p:spPr>
+        <p:style>
+          <a:lnRef idx="1">
+            <a:schemeClr val="accent1"/>
+          </a:lnRef>
+          <a:fillRef idx="0">
+            <a:schemeClr val="accent1"/>
+          </a:fillRef>
+          <a:effectRef idx="0">
+            <a:schemeClr val="accent1"/>
+          </a:effectRef>
+          <a:fontRef idx="minor">
+            <a:schemeClr val="tx1"/>
+          </a:fontRef>
+        </p:style>
+        <p:txBody>
+          <a:bodyPr rtlCol="0" anchor="ctr"/>
+          <a:lstStyle/>
+          <a:p>
+            <a:pPr algn="ctr"/>
+            <a:endParaRPr lang="fr-FR"/>
+          </a:p>
+        </p:txBody>
+      </p:sp>
       <p:sp>
         <p:nvSpPr>
           <p:cNvPr id="4" name="Rectangle 3"/>
@@ -5390,7 +5514,7 @@
             </p:spPr>
             <p:txBody>
               <a:bodyPr>
-                <a:normAutofit fontScale="92500"/>
+                <a:normAutofit lnSpcReduction="10000"/>
               </a:bodyPr>
               <a:lstStyle/>
               <a:p>
@@ -5422,10 +5546,16 @@
                       </m:sub>
                     </m:sSub>
                     <m:r>
-                      <a:rPr lang="fr-FR" b="0" i="0" smtClean="0">
-                        <a:latin typeface="Cambria Math"/>
-                      </a:rPr>
-                      <m:t>=0</m:t>
+                      <a:rPr lang="fr-FR" b="0" i="1" smtClean="0">
+                        <a:latin typeface="Cambria Math"/>
+                      </a:rPr>
+                      <m:t>=</m:t>
+                    </m:r>
+                    <m:r>
+                      <a:rPr lang="fr-FR" b="0" i="1" smtClean="0">
+                        <a:latin typeface="Cambria Math"/>
+                      </a:rPr>
+                      <m:t>0</m:t>
                     </m:r>
                   </m:oMath>
                 </a14:m>
@@ -5463,7 +5593,13 @@
                       <a:rPr lang="fr-FR" b="0" i="1" smtClean="0">
                         <a:latin typeface="Cambria Math"/>
                       </a:rPr>
-                      <m:t>=0</m:t>
+                      <m:t>=</m:t>
+                    </m:r>
+                    <m:r>
+                      <a:rPr lang="fr-FR" b="0" i="1" smtClean="0">
+                        <a:latin typeface="Cambria Math"/>
+                      </a:rPr>
+                      <m:t>1</m:t>
                     </m:r>
                   </m:oMath>
                 </a14:m>
@@ -5515,10 +5651,50 @@
                       <a:rPr lang="fr-FR" b="0" i="1" smtClean="0">
                         <a:latin typeface="Cambria Math"/>
                       </a:rPr>
-                      <m:t>5+5+5+3=18</m:t>
+                      <m:t>5</m:t>
+                    </m:r>
+                    <m:r>
+                      <a:rPr lang="fr-FR" b="0" i="1" smtClean="0">
+                        <a:latin typeface="Cambria Math"/>
+                      </a:rPr>
+                      <m:t>+</m:t>
+                    </m:r>
+                    <m:r>
+                      <a:rPr lang="fr-FR" b="0" i="1" smtClean="0">
+                        <a:latin typeface="Cambria Math"/>
+                      </a:rPr>
+                      <m:t>3</m:t>
+                    </m:r>
+                    <m:r>
+                      <a:rPr lang="fr-FR" b="0" i="1" smtClean="0">
+                        <a:latin typeface="Cambria Math"/>
+                      </a:rPr>
+                      <m:t>+</m:t>
+                    </m:r>
+                    <m:r>
+                      <a:rPr lang="fr-FR" b="0" i="1" smtClean="0">
+                        <a:latin typeface="Cambria Math"/>
+                      </a:rPr>
+                      <m:t>5</m:t>
+                    </m:r>
+                    <m:r>
+                      <a:rPr lang="fr-FR" b="0" i="1" smtClean="0">
+                        <a:latin typeface="Cambria Math"/>
+                      </a:rPr>
+                      <m:t>+3</m:t>
+                    </m:r>
+                    <m:r>
+                      <a:rPr lang="fr-FR" b="0" i="1" smtClean="0">
+                        <a:latin typeface="Cambria Math"/>
+                      </a:rPr>
+                      <m:t>=1</m:t>
                     </m:r>
                   </m:oMath>
                 </a14:m>
+                <a:r>
+                  <a:rPr lang="fr-FR" b="0" dirty="0" smtClean="0"/>
+                  <a:t>6</a:t>
+                </a:r>
                 <a:endParaRPr lang="fr-FR" b="0" dirty="0" smtClean="0"/>
               </a:p>
               <a:p>
@@ -5554,13 +5730,7 @@
                       <a:rPr lang="fr-FR" b="0" i="1" smtClean="0">
                         <a:latin typeface="Cambria Math"/>
                       </a:rPr>
-                      <m:t>=</m:t>
-                    </m:r>
-                    <m:r>
-                      <a:rPr lang="fr-FR" b="0" i="1" smtClean="0">
-                        <a:latin typeface="Cambria Math"/>
-                      </a:rPr>
-                      <m:t>6⋅3=18</m:t>
+                      <m:t>=6⋅3=18</m:t>
                     </m:r>
                   </m:oMath>
                 </a14:m>
@@ -5580,13 +5750,19 @@
                       <a:rPr lang="fr-FR" b="0" i="1" smtClean="0">
                         <a:latin typeface="Cambria Math"/>
                       </a:rPr>
-                      <m:t>=0−</m:t>
+                      <m:t>=3−</m:t>
                     </m:r>
                     <m:r>
                       <a:rPr lang="fr-FR" b="0" i="1" smtClean="0">
                         <a:latin typeface="Cambria Math"/>
                       </a:rPr>
-                      <m:t>18+18=0</m:t>
+                      <m:t>18+16=</m:t>
+                    </m:r>
+                    <m:r>
+                      <a:rPr lang="fr-FR" b="0" i="0" smtClean="0">
+                        <a:latin typeface="Cambria Math"/>
+                      </a:rPr>
+                      <m:t>1</m:t>
                     </m:r>
                   </m:oMath>
                 </a14:m>
@@ -5637,7 +5813,19 @@
                       <a:rPr lang="fr-FR" b="0" i="1" smtClean="0">
                         <a:latin typeface="Cambria Math"/>
                       </a:rPr>
-                      <m:t>3+2+2+2=9</m:t>
+                      <m:t>3</m:t>
+                    </m:r>
+                    <m:r>
+                      <a:rPr lang="fr-FR" b="0" i="1" smtClean="0">
+                        <a:latin typeface="Cambria Math"/>
+                      </a:rPr>
+                      <m:t>+2+2+2=</m:t>
+                    </m:r>
+                    <m:r>
+                      <a:rPr lang="fr-FR" b="0" i="0" smtClean="0">
+                        <a:latin typeface="Cambria Math"/>
+                      </a:rPr>
+                      <m:t>9</m:t>
                     </m:r>
                   </m:oMath>
                 </a14:m>
@@ -5693,32 +5881,48 @@
                 <a14:m>
                   <m:oMath xmlns:m="http://schemas.openxmlformats.org/officeDocument/2006/math">
                     <m:r>
-                      <a:rPr lang="fr-FR" i="1">
+                      <a:rPr lang="fr-FR" i="1" smtClean="0">
+                        <a:solidFill>
+                          <a:schemeClr val="tx1"/>
+                        </a:solidFill>
                         <a:latin typeface="Cambria Math"/>
                       </a:rPr>
                       <m:t>h</m:t>
                     </m:r>
                     <m:r>
-                      <a:rPr lang="fr-FR" i="1">
+                      <a:rPr lang="fr-FR" i="1" smtClean="0">
+                        <a:solidFill>
+                          <a:schemeClr val="tx1"/>
+                        </a:solidFill>
                         <a:latin typeface="Cambria Math"/>
                       </a:rPr>
                       <m:t>=0−</m:t>
                     </m:r>
                     <m:r>
                       <a:rPr lang="fr-FR" b="0" i="1" smtClean="0">
+                        <a:solidFill>
+                          <a:schemeClr val="tx1"/>
+                        </a:solidFill>
                         <a:latin typeface="Cambria Math"/>
                       </a:rPr>
                       <m:t>9+9=</m:t>
                     </m:r>
                     <m:r>
                       <a:rPr lang="fr-FR" b="0" i="0" smtClean="0">
+                        <a:solidFill>
+                          <a:schemeClr val="tx1"/>
+                        </a:solidFill>
                         <a:latin typeface="Cambria Math"/>
                       </a:rPr>
                       <m:t>0</m:t>
                     </m:r>
                   </m:oMath>
                 </a14:m>
-                <a:endParaRPr lang="fr-FR" dirty="0"/>
+                <a:endParaRPr lang="fr-FR" dirty="0">
+                  <a:solidFill>
+                    <a:schemeClr val="tx1"/>
+                  </a:solidFill>
+                </a:endParaRPr>
               </a:p>
               <a:p>
                 <a:endParaRPr lang="fr-FR" dirty="0" smtClean="0"/>
@@ -5745,7 +5949,7 @@
               <a:blipFill rotWithShape="1">
                 <a:blip r:embed="rId2"/>
                 <a:stretch>
-                  <a:fillRect l="-3185"/>
+                  <a:fillRect l="-3503"/>
                 </a:stretch>
               </a:blipFill>
             </p:spPr>
@@ -5782,44 +5986,6 @@
           <a:ln w="19050">
             <a:solidFill>
               <a:srgbClr val="C00000"/>
-            </a:solidFill>
-          </a:ln>
-        </p:spPr>
-        <p:style>
-          <a:lnRef idx="2">
-            <a:schemeClr val="accent1">
-              <a:shade val="50000"/>
-            </a:schemeClr>
-          </a:lnRef>
-          <a:fillRef idx="1">
-            <a:schemeClr val="accent1"/>
-          </a:fillRef>
-          <a:effectRef idx="0">
-            <a:schemeClr val="accent1"/>
-          </a:effectRef>
-          <a:fontRef idx="minor">
-            <a:schemeClr val="lt1"/>
-          </a:fontRef>
-        </p:style>
-      </p:cxnSp>
-      <p:cxnSp>
-        <p:nvCxnSpPr>
-          <p:cNvPr id="12" name="Connecteur droit 11"/>
-          <p:cNvCxnSpPr/>
-          <p:nvPr/>
-        </p:nvCxnSpPr>
-        <p:spPr>
-          <a:xfrm flipH="1" flipV="1">
-            <a:off x="977985" y="1916833"/>
-            <a:ext cx="251019" cy="533445"/>
-          </a:xfrm>
-          <a:prstGeom prst="line">
-            <a:avLst/>
-          </a:prstGeom>
-          <a:noFill/>
-          <a:ln w="19050">
-            <a:solidFill>
-              <a:srgbClr val="00B050"/>
             </a:solidFill>
           </a:ln>
         </p:spPr>
@@ -6194,82 +6360,6 @@
           </a:fontRef>
         </p:style>
       </p:cxnSp>
-      <p:cxnSp>
-        <p:nvCxnSpPr>
-          <p:cNvPr id="17" name="Connecteur droit 16"/>
-          <p:cNvCxnSpPr/>
-          <p:nvPr/>
-        </p:nvCxnSpPr>
-        <p:spPr>
-          <a:xfrm flipH="1">
-            <a:off x="899584" y="1590126"/>
-            <a:ext cx="144000" cy="0"/>
-          </a:xfrm>
-          <a:prstGeom prst="line">
-            <a:avLst/>
-          </a:prstGeom>
-          <a:noFill/>
-          <a:ln w="19050">
-            <a:solidFill>
-              <a:srgbClr val="C00000"/>
-            </a:solidFill>
-          </a:ln>
-        </p:spPr>
-        <p:style>
-          <a:lnRef idx="2">
-            <a:schemeClr val="accent1">
-              <a:shade val="50000"/>
-            </a:schemeClr>
-          </a:lnRef>
-          <a:fillRef idx="1">
-            <a:schemeClr val="accent1"/>
-          </a:fillRef>
-          <a:effectRef idx="0">
-            <a:schemeClr val="accent1"/>
-          </a:effectRef>
-          <a:fontRef idx="minor">
-            <a:schemeClr val="lt1"/>
-          </a:fontRef>
-        </p:style>
-      </p:cxnSp>
-      <p:cxnSp>
-        <p:nvCxnSpPr>
-          <p:cNvPr id="18" name="Connecteur droit 17"/>
-          <p:cNvCxnSpPr/>
-          <p:nvPr/>
-        </p:nvCxnSpPr>
-        <p:spPr>
-          <a:xfrm flipH="1">
-            <a:off x="901230" y="1235426"/>
-            <a:ext cx="144000" cy="0"/>
-          </a:xfrm>
-          <a:prstGeom prst="line">
-            <a:avLst/>
-          </a:prstGeom>
-          <a:noFill/>
-          <a:ln w="19050">
-            <a:solidFill>
-              <a:srgbClr val="C00000"/>
-            </a:solidFill>
-          </a:ln>
-        </p:spPr>
-        <p:style>
-          <a:lnRef idx="2">
-            <a:schemeClr val="accent1">
-              <a:shade val="50000"/>
-            </a:schemeClr>
-          </a:lnRef>
-          <a:fillRef idx="1">
-            <a:schemeClr val="accent1"/>
-          </a:fillRef>
-          <a:effectRef idx="0">
-            <a:schemeClr val="accent1"/>
-          </a:effectRef>
-          <a:fontRef idx="minor">
-            <a:schemeClr val="lt1"/>
-          </a:fontRef>
-        </p:style>
-      </p:cxnSp>
       <p:sp>
         <p:nvSpPr>
           <p:cNvPr id="11" name="Ellipse 10"/>
@@ -6417,10 +6507,90 @@
           </a:p>
         </p:txBody>
       </p:sp>
+      <p:cxnSp>
+        <p:nvCxnSpPr>
+          <p:cNvPr id="20" name="Connecteur droit 19"/>
+          <p:cNvCxnSpPr/>
+          <p:nvPr/>
+        </p:nvCxnSpPr>
+        <p:spPr>
+          <a:xfrm flipH="1">
+            <a:off x="901213" y="1238496"/>
+            <a:ext cx="144000" cy="0"/>
+          </a:xfrm>
+          <a:prstGeom prst="line">
+            <a:avLst/>
+          </a:prstGeom>
+          <a:noFill/>
+          <a:ln w="19050">
+            <a:solidFill>
+              <a:schemeClr val="accent5">
+                <a:lumMod val="50000"/>
+              </a:schemeClr>
+            </a:solidFill>
+          </a:ln>
+        </p:spPr>
+        <p:style>
+          <a:lnRef idx="2">
+            <a:schemeClr val="accent1">
+              <a:shade val="50000"/>
+            </a:schemeClr>
+          </a:lnRef>
+          <a:fillRef idx="1">
+            <a:schemeClr val="accent1"/>
+          </a:fillRef>
+          <a:effectRef idx="0">
+            <a:schemeClr val="accent1"/>
+          </a:effectRef>
+          <a:fontRef idx="minor">
+            <a:schemeClr val="lt1"/>
+          </a:fontRef>
+        </p:style>
+      </p:cxnSp>
+      <p:cxnSp>
+        <p:nvCxnSpPr>
+          <p:cNvPr id="21" name="Connecteur droit 20"/>
+          <p:cNvCxnSpPr/>
+          <p:nvPr/>
+        </p:nvCxnSpPr>
+        <p:spPr>
+          <a:xfrm flipH="1">
+            <a:off x="901213" y="1587745"/>
+            <a:ext cx="144000" cy="0"/>
+          </a:xfrm>
+          <a:prstGeom prst="line">
+            <a:avLst/>
+          </a:prstGeom>
+          <a:noFill/>
+          <a:ln w="19050">
+            <a:solidFill>
+              <a:schemeClr val="accent5">
+                <a:lumMod val="50000"/>
+              </a:schemeClr>
+            </a:solidFill>
+          </a:ln>
+        </p:spPr>
+        <p:style>
+          <a:lnRef idx="2">
+            <a:schemeClr val="accent1">
+              <a:shade val="50000"/>
+            </a:schemeClr>
+          </a:lnRef>
+          <a:fillRef idx="1">
+            <a:schemeClr val="accent1"/>
+          </a:fillRef>
+          <a:effectRef idx="0">
+            <a:schemeClr val="accent1"/>
+          </a:effectRef>
+          <a:fontRef idx="minor">
+            <a:schemeClr val="lt1"/>
+          </a:fontRef>
+        </p:style>
+      </p:cxnSp>
     </p:spTree>
     <p:extLst>
       <p:ext uri="{BB962C8B-B14F-4D97-AF65-F5344CB8AC3E}">
-        <p14:creationId xmlns:p14="http://schemas.microsoft.com/office/powerpoint/2010/main" val="114505002"/>
+        <p14:creationId xmlns:p14="http://schemas.microsoft.com/office/powerpoint/2010/main" val="3189918240"/>
       </p:ext>
     </p:extLst>
   </p:cSld>
@@ -6430,7 +6600,7 @@
 </p:sld>
 </file>
 
-<file path=ppt/slides/slide4.xml><?xml version="1.0" encoding="utf-8"?>
+<file path=ppt/slides/slide12.xml><?xml version="1.0" encoding="utf-8"?>
 <p:sld xmlns:a="http://schemas.openxmlformats.org/drawingml/2006/main" xmlns:r="http://schemas.openxmlformats.org/officeDocument/2006/relationships" xmlns:p="http://schemas.openxmlformats.org/presentationml/2006/main">
   <p:cSld>
     <p:spTree>
@@ -6447,28 +6617,24 @@
           <a:chExt cx="0" cy="0"/>
         </a:xfrm>
       </p:grpSpPr>
-      <p:sp>
-        <p:nvSpPr>
-          <p:cNvPr id="4" name="Rectangle 3"/>
-          <p:cNvSpPr/>
-          <p:nvPr/>
-        </p:nvSpPr>
-        <p:spPr>
-          <a:xfrm>
-            <a:off x="899600" y="1268760"/>
-            <a:ext cx="144000" cy="288032"/>
-          </a:xfrm>
-          <a:prstGeom prst="rect">
+      <p:cxnSp>
+        <p:nvCxnSpPr>
+          <p:cNvPr id="12" name="Connecteur droit 11"/>
+          <p:cNvCxnSpPr/>
+          <p:nvPr/>
+        </p:nvCxnSpPr>
+        <p:spPr>
+          <a:xfrm flipH="1" flipV="1">
+            <a:off x="977985" y="1916833"/>
+            <a:ext cx="251019" cy="533445"/>
+          </a:xfrm>
+          <a:prstGeom prst="line">
             <a:avLst/>
           </a:prstGeom>
-          <a:solidFill>
-            <a:schemeClr val="bg1"/>
-          </a:solidFill>
+          <a:noFill/>
           <a:ln w="19050">
             <a:solidFill>
-              <a:schemeClr val="accent5">
-                <a:lumMod val="50000"/>
-              </a:schemeClr>
+              <a:srgbClr val="00B050"/>
             </a:solidFill>
           </a:ln>
         </p:spPr>
@@ -6486,6 +6652,47 @@
           </a:effectRef>
           <a:fontRef idx="minor">
             <a:schemeClr val="lt1"/>
+          </a:fontRef>
+        </p:style>
+      </p:cxnSp>
+      <p:sp>
+        <p:nvSpPr>
+          <p:cNvPr id="5" name="Arc 4"/>
+          <p:cNvSpPr/>
+          <p:nvPr/>
+        </p:nvSpPr>
+        <p:spPr>
+          <a:xfrm>
+            <a:off x="868971" y="1814197"/>
+            <a:ext cx="205272" cy="205272"/>
+          </a:xfrm>
+          <a:prstGeom prst="arc">
+            <a:avLst>
+              <a:gd name="adj1" fmla="val 20342386"/>
+              <a:gd name="adj2" fmla="val 13481147"/>
+            </a:avLst>
+          </a:prstGeom>
+          <a:solidFill>
+            <a:schemeClr val="bg1"/>
+          </a:solidFill>
+          <a:ln w="19050">
+            <a:solidFill>
+              <a:srgbClr val="00B050"/>
+            </a:solidFill>
+          </a:ln>
+        </p:spPr>
+        <p:style>
+          <a:lnRef idx="1">
+            <a:schemeClr val="accent1"/>
+          </a:lnRef>
+          <a:fillRef idx="0">
+            <a:schemeClr val="accent1"/>
+          </a:fillRef>
+          <a:effectRef idx="0">
+            <a:schemeClr val="accent1"/>
+          </a:effectRef>
+          <a:fontRef idx="minor">
+            <a:schemeClr val="tx1"/>
           </a:fontRef>
         </p:style>
         <p:txBody>
@@ -6517,7 +6724,7 @@
             </p:spPr>
             <p:txBody>
               <a:bodyPr>
-                <a:normAutofit/>
+                <a:normAutofit fontScale="92500"/>
               </a:bodyPr>
               <a:lstStyle/>
               <a:p>
@@ -6552,13 +6759,7 @@
                       <a:rPr lang="fr-FR" b="0" i="1" smtClean="0">
                         <a:latin typeface="Cambria Math"/>
                       </a:rPr>
-                      <m:t>=</m:t>
-                    </m:r>
-                    <m:r>
-                      <a:rPr lang="fr-FR" b="0" i="1" smtClean="0">
-                        <a:latin typeface="Cambria Math"/>
-                      </a:rPr>
-                      <m:t>1</m:t>
+                      <m:t>=1</m:t>
                     </m:r>
                   </m:oMath>
                 </a14:m>
@@ -6654,7 +6855,7 @@
                       <a:rPr lang="fr-FR" b="0" i="1" smtClean="0">
                         <a:latin typeface="Cambria Math"/>
                       </a:rPr>
-                      <m:t>4</m:t>
+                      <m:t>5</m:t>
                     </m:r>
                     <m:r>
                       <a:rPr lang="fr-FR" b="0" i="1" smtClean="0">
@@ -6666,31 +6867,31 @@
                       <a:rPr lang="fr-FR" b="0" i="1" smtClean="0">
                         <a:latin typeface="Cambria Math"/>
                       </a:rPr>
+                      <m:t>3</m:t>
+                    </m:r>
+                    <m:r>
+                      <a:rPr lang="fr-FR" b="0" i="1" smtClean="0">
+                        <a:latin typeface="Cambria Math"/>
+                      </a:rPr>
+                      <m:t>+</m:t>
+                    </m:r>
+                    <m:r>
+                      <a:rPr lang="fr-FR" b="0" i="1" smtClean="0">
+                        <a:latin typeface="Cambria Math"/>
+                      </a:rPr>
                       <m:t>5</m:t>
                     </m:r>
                     <m:r>
                       <a:rPr lang="fr-FR" b="0" i="1" smtClean="0">
                         <a:latin typeface="Cambria Math"/>
                       </a:rPr>
-                      <m:t>+</m:t>
+                      <m:t>+3</m:t>
                     </m:r>
                     <m:r>
                       <a:rPr lang="fr-FR" b="0" i="1" smtClean="0">
                         <a:latin typeface="Cambria Math"/>
                       </a:rPr>
-                      <m:t>3</m:t>
-                    </m:r>
-                    <m:r>
-                      <a:rPr lang="fr-FR" b="0" i="1" smtClean="0">
-                        <a:latin typeface="Cambria Math"/>
-                      </a:rPr>
-                      <m:t>+</m:t>
-                    </m:r>
-                    <m:r>
-                      <a:rPr lang="fr-FR" b="0" i="1" smtClean="0">
-                        <a:latin typeface="Cambria Math"/>
-                      </a:rPr>
-                      <m:t>3</m:t>
+                      <m:t>=16</m:t>
                     </m:r>
                   </m:oMath>
                 </a14:m>
@@ -6729,37 +6930,7 @@
                       <a:rPr lang="fr-FR" b="0" i="1" smtClean="0">
                         <a:latin typeface="Cambria Math"/>
                       </a:rPr>
-                      <m:t>=</m:t>
-                    </m:r>
-                    <m:r>
-                      <a:rPr lang="fr-FR" b="0" i="1" smtClean="0">
-                        <a:latin typeface="Cambria Math"/>
-                      </a:rPr>
-                      <m:t>6</m:t>
-                    </m:r>
-                    <m:r>
-                      <a:rPr lang="fr-FR" b="0" i="1" smtClean="0">
-                        <a:latin typeface="Cambria Math"/>
-                      </a:rPr>
-                      <m:t>⋅</m:t>
-                    </m:r>
-                    <m:r>
-                      <a:rPr lang="fr-FR" b="0" i="1" smtClean="0">
-                        <a:latin typeface="Cambria Math"/>
-                      </a:rPr>
-                      <m:t>3</m:t>
-                    </m:r>
-                    <m:r>
-                      <a:rPr lang="fr-FR" b="0" i="1" smtClean="0">
-                        <a:latin typeface="Cambria Math"/>
-                      </a:rPr>
-                      <m:t>=</m:t>
-                    </m:r>
-                    <m:r>
-                      <a:rPr lang="fr-FR" b="0" i="1" smtClean="0">
-                        <a:latin typeface="Cambria Math"/>
-                      </a:rPr>
-                      <m:t>18</m:t>
+                      <m:t>=6⋅3=18</m:t>
                     </m:r>
                   </m:oMath>
                 </a14:m>
@@ -6779,49 +6950,19 @@
                       <a:rPr lang="fr-FR" b="0" i="1" smtClean="0">
                         <a:latin typeface="Cambria Math"/>
                       </a:rPr>
-                      <m:t>=</m:t>
+                      <m:t>=2−</m:t>
                     </m:r>
                     <m:r>
                       <a:rPr lang="fr-FR" b="0" i="1" smtClean="0">
                         <a:latin typeface="Cambria Math"/>
                       </a:rPr>
-                      <m:t>2</m:t>
-                    </m:r>
-                    <m:r>
-                      <a:rPr lang="fr-FR" b="0" i="1" smtClean="0">
-                        <a:latin typeface="Cambria Math"/>
-                      </a:rPr>
-                      <m:t>−</m:t>
-                    </m:r>
-                    <m:r>
-                      <a:rPr lang="fr-FR" b="0" i="1" smtClean="0">
-                        <a:latin typeface="Cambria Math"/>
-                      </a:rPr>
-                      <m:t>18</m:t>
-                    </m:r>
-                    <m:r>
-                      <a:rPr lang="fr-FR" b="0" i="1" smtClean="0">
-                        <a:latin typeface="Cambria Math"/>
-                      </a:rPr>
-                      <m:t>+</m:t>
-                    </m:r>
-                    <m:r>
-                      <a:rPr lang="fr-FR" b="0" i="1" smtClean="0">
-                        <a:latin typeface="Cambria Math"/>
-                      </a:rPr>
-                      <m:t>15</m:t>
-                    </m:r>
-                    <m:r>
-                      <a:rPr lang="fr-FR" b="0" i="1" smtClean="0">
-                        <a:latin typeface="Cambria Math"/>
-                      </a:rPr>
-                      <m:t>=</m:t>
-                    </m:r>
-                    <m:r>
-                      <a:rPr lang="fr-FR" b="0" i="1" smtClean="0">
-                        <a:latin typeface="Cambria Math"/>
-                      </a:rPr>
-                      <m:t>1</m:t>
+                      <m:t>18+16=</m:t>
+                    </m:r>
+                    <m:r>
+                      <a:rPr lang="fr-FR" b="0" i="0" smtClean="0">
+                        <a:latin typeface="Cambria Math"/>
+                      </a:rPr>
+                      <m:t>0</m:t>
                     </m:r>
                   </m:oMath>
                 </a14:m>
@@ -6872,55 +7013,7 @@
                       <a:rPr lang="fr-FR" b="0" i="1" smtClean="0">
                         <a:latin typeface="Cambria Math"/>
                       </a:rPr>
-                      <m:t>2</m:t>
-                    </m:r>
-                    <m:r>
-                      <a:rPr lang="fr-FR" b="0" i="1" smtClean="0">
-                        <a:latin typeface="Cambria Math"/>
-                      </a:rPr>
-                      <m:t>+</m:t>
-                    </m:r>
-                    <m:r>
-                      <a:rPr lang="fr-FR" b="0" i="1" smtClean="0">
-                        <a:latin typeface="Cambria Math"/>
-                      </a:rPr>
-                      <m:t>2</m:t>
-                    </m:r>
-                    <m:r>
-                      <a:rPr lang="fr-FR" b="0" i="1" smtClean="0">
-                        <a:latin typeface="Cambria Math"/>
-                      </a:rPr>
-                      <m:t>+</m:t>
-                    </m:r>
-                    <m:r>
-                      <a:rPr lang="fr-FR" b="0" i="1" smtClean="0">
-                        <a:latin typeface="Cambria Math"/>
-                      </a:rPr>
-                      <m:t>2</m:t>
-                    </m:r>
-                    <m:r>
-                      <a:rPr lang="fr-FR" b="0" i="1" smtClean="0">
-                        <a:latin typeface="Cambria Math"/>
-                      </a:rPr>
-                      <m:t>+</m:t>
-                    </m:r>
-                    <m:r>
-                      <a:rPr lang="fr-FR" b="0" i="1" smtClean="0">
-                        <a:latin typeface="Cambria Math"/>
-                      </a:rPr>
-                      <m:t>2</m:t>
-                    </m:r>
-                    <m:r>
-                      <a:rPr lang="fr-FR" b="0" i="1" smtClean="0">
-                        <a:latin typeface="Cambria Math"/>
-                      </a:rPr>
-                      <m:t>=</m:t>
-                    </m:r>
-                    <m:r>
-                      <a:rPr lang="fr-FR" b="0" i="1" smtClean="0">
-                        <a:latin typeface="Cambria Math"/>
-                      </a:rPr>
-                      <m:t>8</m:t>
+                      <m:t>2+2+2+2=8</m:t>
                     </m:r>
                   </m:oMath>
                 </a14:m>
@@ -6965,31 +7058,7 @@
                       <a:rPr lang="fr-FR" b="0" i="1" smtClean="0">
                         <a:latin typeface="Cambria Math"/>
                       </a:rPr>
-                      <m:t>3</m:t>
-                    </m:r>
-                    <m:r>
-                      <a:rPr lang="fr-FR" b="0" i="1" smtClean="0">
-                        <a:latin typeface="Cambria Math"/>
-                      </a:rPr>
-                      <m:t>⋅</m:t>
-                    </m:r>
-                    <m:r>
-                      <a:rPr lang="fr-FR" b="0" i="1" smtClean="0">
-                        <a:latin typeface="Cambria Math"/>
-                      </a:rPr>
-                      <m:t>3</m:t>
-                    </m:r>
-                    <m:r>
-                      <a:rPr lang="fr-FR" b="0" i="1" smtClean="0">
-                        <a:latin typeface="Cambria Math"/>
-                      </a:rPr>
-                      <m:t>=</m:t>
-                    </m:r>
-                    <m:r>
-                      <a:rPr lang="fr-FR" b="0" i="1" smtClean="0">
-                        <a:latin typeface="Cambria Math"/>
-                      </a:rPr>
-                      <m:t>9</m:t>
+                      <m:t>3⋅3=9</m:t>
                     </m:r>
                   </m:oMath>
                 </a14:m>
@@ -7015,7 +7084,7 @@
                         </a:solidFill>
                         <a:latin typeface="Cambria Math"/>
                       </a:rPr>
-                      <m:t>=</m:t>
+                      <m:t>=1−</m:t>
                     </m:r>
                     <m:r>
                       <a:rPr lang="fr-FR" b="0" i="1" smtClean="0">
@@ -7024,52 +7093,7 @@
                         </a:solidFill>
                         <a:latin typeface="Cambria Math"/>
                       </a:rPr>
-                      <m:t>1</m:t>
-                    </m:r>
-                    <m:r>
-                      <a:rPr lang="fr-FR" b="0" i="1" smtClean="0">
-                        <a:solidFill>
-                          <a:schemeClr val="tx1"/>
-                        </a:solidFill>
-                        <a:latin typeface="Cambria Math"/>
-                      </a:rPr>
-                      <m:t>−</m:t>
-                    </m:r>
-                    <m:r>
-                      <a:rPr lang="fr-FR" b="0" i="1" smtClean="0">
-                        <a:solidFill>
-                          <a:schemeClr val="tx1"/>
-                        </a:solidFill>
-                        <a:latin typeface="Cambria Math"/>
-                      </a:rPr>
-                      <m:t>9</m:t>
-                    </m:r>
-                    <m:r>
-                      <a:rPr lang="fr-FR" b="0" i="1" smtClean="0">
-                        <a:solidFill>
-                          <a:schemeClr val="tx1"/>
-                        </a:solidFill>
-                        <a:latin typeface="Cambria Math"/>
-                      </a:rPr>
-                      <m:t>+</m:t>
-                    </m:r>
-                    <m:r>
-                      <a:rPr lang="fr-FR" b="0" i="1" smtClean="0">
-                        <a:solidFill>
-                          <a:schemeClr val="tx1"/>
-                        </a:solidFill>
-                        <a:latin typeface="Cambria Math"/>
-                      </a:rPr>
-                      <m:t>8</m:t>
-                    </m:r>
-                    <m:r>
-                      <a:rPr lang="fr-FR" b="0" i="1" smtClean="0">
-                        <a:solidFill>
-                          <a:schemeClr val="tx1"/>
-                        </a:solidFill>
-                        <a:latin typeface="Cambria Math"/>
-                      </a:rPr>
-                      <m:t>=</m:t>
+                      <m:t>9+8=</m:t>
                     </m:r>
                     <m:r>
                       <a:rPr lang="fr-FR" b="0" i="0" smtClean="0">
@@ -7113,7 +7137,7 @@
               <a:blipFill rotWithShape="1">
                 <a:blip r:embed="rId2"/>
                 <a:stretch>
-                  <a:fillRect l="-3503"/>
+                  <a:fillRect l="-3185"/>
                 </a:stretch>
               </a:blipFill>
             </p:spPr>
@@ -7150,44 +7174,6 @@
           <a:ln w="19050">
             <a:solidFill>
               <a:srgbClr val="C00000"/>
-            </a:solidFill>
-          </a:ln>
-        </p:spPr>
-        <p:style>
-          <a:lnRef idx="2">
-            <a:schemeClr val="accent1">
-              <a:shade val="50000"/>
-            </a:schemeClr>
-          </a:lnRef>
-          <a:fillRef idx="1">
-            <a:schemeClr val="accent1"/>
-          </a:fillRef>
-          <a:effectRef idx="0">
-            <a:schemeClr val="accent1"/>
-          </a:effectRef>
-          <a:fontRef idx="minor">
-            <a:schemeClr val="lt1"/>
-          </a:fontRef>
-        </p:style>
-      </p:cxnSp>
-      <p:cxnSp>
-        <p:nvCxnSpPr>
-          <p:cNvPr id="12" name="Connecteur droit 11"/>
-          <p:cNvCxnSpPr/>
-          <p:nvPr/>
-        </p:nvCxnSpPr>
-        <p:spPr>
-          <a:xfrm flipH="1" flipV="1">
-            <a:off x="977985" y="1916833"/>
-            <a:ext cx="251019" cy="533445"/>
-          </a:xfrm>
-          <a:prstGeom prst="line">
-            <a:avLst/>
-          </a:prstGeom>
-          <a:noFill/>
-          <a:ln w="19050">
-            <a:solidFill>
-              <a:srgbClr val="00B050"/>
             </a:solidFill>
           </a:ln>
         </p:spPr>
@@ -7564,55 +7550,6 @@
       </p:cxnSp>
       <p:sp>
         <p:nvSpPr>
-          <p:cNvPr id="5" name="Arc 4"/>
-          <p:cNvSpPr/>
-          <p:nvPr/>
-        </p:nvSpPr>
-        <p:spPr>
-          <a:xfrm>
-            <a:off x="1126368" y="2347642"/>
-            <a:ext cx="205272" cy="205272"/>
-          </a:xfrm>
-          <a:prstGeom prst="arc">
-            <a:avLst>
-              <a:gd name="adj1" fmla="val 20342386"/>
-              <a:gd name="adj2" fmla="val 13481147"/>
-            </a:avLst>
-          </a:prstGeom>
-          <a:solidFill>
-            <a:schemeClr val="bg1"/>
-          </a:solidFill>
-          <a:ln w="19050">
-            <a:solidFill>
-              <a:srgbClr val="7030A0"/>
-            </a:solidFill>
-          </a:ln>
-        </p:spPr>
-        <p:style>
-          <a:lnRef idx="1">
-            <a:schemeClr val="accent1"/>
-          </a:lnRef>
-          <a:fillRef idx="0">
-            <a:schemeClr val="accent1"/>
-          </a:fillRef>
-          <a:effectRef idx="0">
-            <a:schemeClr val="accent1"/>
-          </a:effectRef>
-          <a:fontRef idx="minor">
-            <a:schemeClr val="tx1"/>
-          </a:fontRef>
-        </p:style>
-        <p:txBody>
-          <a:bodyPr rtlCol="0" anchor="ctr"/>
-          <a:lstStyle/>
-          <a:p>
-            <a:pPr algn="ctr"/>
-            <a:endParaRPr lang="fr-FR"/>
-          </a:p>
-        </p:txBody>
-      </p:sp>
-      <p:sp>
-        <p:nvSpPr>
           <p:cNvPr id="11" name="Ellipse 10"/>
           <p:cNvSpPr/>
           <p:nvPr/>
@@ -7758,10 +7695,60 @@
           </a:p>
         </p:txBody>
       </p:sp>
+      <p:sp>
+        <p:nvSpPr>
+          <p:cNvPr id="4" name="Rectangle 3"/>
+          <p:cNvSpPr/>
+          <p:nvPr/>
+        </p:nvSpPr>
+        <p:spPr>
+          <a:xfrm>
+            <a:off x="899600" y="1268760"/>
+            <a:ext cx="144000" cy="288032"/>
+          </a:xfrm>
+          <a:prstGeom prst="rect">
+            <a:avLst/>
+          </a:prstGeom>
+          <a:solidFill>
+            <a:schemeClr val="bg1"/>
+          </a:solidFill>
+          <a:ln w="19050">
+            <a:solidFill>
+              <a:schemeClr val="accent5">
+                <a:lumMod val="50000"/>
+              </a:schemeClr>
+            </a:solidFill>
+          </a:ln>
+        </p:spPr>
+        <p:style>
+          <a:lnRef idx="2">
+            <a:schemeClr val="accent1">
+              <a:shade val="50000"/>
+            </a:schemeClr>
+          </a:lnRef>
+          <a:fillRef idx="1">
+            <a:schemeClr val="accent1"/>
+          </a:fillRef>
+          <a:effectRef idx="0">
+            <a:schemeClr val="accent1"/>
+          </a:effectRef>
+          <a:fontRef idx="minor">
+            <a:schemeClr val="lt1"/>
+          </a:fontRef>
+        </p:style>
+        <p:txBody>
+          <a:bodyPr rtlCol="0" anchor="ctr"/>
+          <a:lstStyle/>
+          <a:p>
+            <a:pPr algn="ctr"/>
+            <a:endParaRPr lang="fr-FR"/>
+          </a:p>
+        </p:txBody>
+      </p:sp>
     </p:spTree>
     <p:extLst>
       <p:ext uri="{BB962C8B-B14F-4D97-AF65-F5344CB8AC3E}">
-        <p14:creationId xmlns:p14="http://schemas.microsoft.com/office/powerpoint/2010/main" val="291199366"/>
+        <p14:creationId xmlns:p14="http://schemas.microsoft.com/office/powerpoint/2010/main" val="1996545031"/>
       </p:ext>
     </p:extLst>
   </p:cSld>
@@ -7771,7 +7758,7 @@
 </p:sld>
 </file>
 
-<file path=ppt/slides/slide5.xml><?xml version="1.0" encoding="utf-8"?>
+<file path=ppt/slides/slide2.xml><?xml version="1.0" encoding="utf-8"?>
 <p:sld xmlns:a="http://schemas.openxmlformats.org/drawingml/2006/main" xmlns:r="http://schemas.openxmlformats.org/officeDocument/2006/relationships" xmlns:p="http://schemas.openxmlformats.org/presentationml/2006/main">
   <p:cSld>
     <p:spTree>
@@ -7890,10 +7877,10 @@
                       </m:sub>
                     </m:sSub>
                     <m:r>
-                      <a:rPr lang="fr-FR" b="0" i="0" smtClean="0">
-                        <a:latin typeface="Cambria Math"/>
-                      </a:rPr>
-                      <m:t>=1</m:t>
+                      <a:rPr lang="fr-FR" b="0" i="1" smtClean="0">
+                        <a:latin typeface="Cambria Math"/>
+                      </a:rPr>
+                      <m:t>=0</m:t>
                     </m:r>
                   </m:oMath>
                 </a14:m>
@@ -7931,7 +7918,7 @@
                       <a:rPr lang="fr-FR" b="0" i="1" smtClean="0">
                         <a:latin typeface="Cambria Math"/>
                       </a:rPr>
-                      <m:t>=0</m:t>
+                      <m:t>=1</m:t>
                     </m:r>
                   </m:oMath>
                 </a14:m>
@@ -7980,10 +7967,10 @@
                       <m:t>=</m:t>
                     </m:r>
                     <m:r>
-                      <a:rPr lang="fr-FR" b="0" i="1" smtClean="0">
-                        <a:latin typeface="Cambria Math"/>
-                      </a:rPr>
-                      <m:t>4+5+3+5=17</m:t>
+                      <a:rPr lang="fr-FR" b="0" i="0" smtClean="0">
+                        <a:latin typeface="Cambria Math"/>
+                      </a:rPr>
+                      <m:t>5+5+5+5=20</m:t>
                     </m:r>
                   </m:oMath>
                 </a14:m>
@@ -8022,13 +8009,13 @@
                       <a:rPr lang="fr-FR" b="0" i="1" smtClean="0">
                         <a:latin typeface="Cambria Math"/>
                       </a:rPr>
-                      <m:t>=</m:t>
+                      <m:t>=6⋅3</m:t>
                     </m:r>
                     <m:r>
                       <a:rPr lang="fr-FR" b="0" i="1" smtClean="0">
                         <a:latin typeface="Cambria Math"/>
                       </a:rPr>
-                      <m:t>6⋅3</m:t>
+                      <m:t>=18</m:t>
                     </m:r>
                   </m:oMath>
                 </a14:m>
@@ -8048,13 +8035,7 @@
                       <a:rPr lang="fr-FR" b="0" i="1" smtClean="0">
                         <a:latin typeface="Cambria Math"/>
                       </a:rPr>
-                      <m:t>=1−</m:t>
-                    </m:r>
-                    <m:r>
-                      <a:rPr lang="fr-FR" b="0" i="1" smtClean="0">
-                        <a:latin typeface="Cambria Math"/>
-                      </a:rPr>
-                      <m:t>18+17=0</m:t>
+                      <m:t>=1−18+20=3</m:t>
                     </m:r>
                   </m:oMath>
                 </a14:m>
@@ -8105,7 +8086,7 @@
                       <a:rPr lang="fr-FR" b="0" i="1" smtClean="0">
                         <a:latin typeface="Cambria Math"/>
                       </a:rPr>
-                      <m:t>2+2+2+2=8</m:t>
+                      <m:t>3+2+2+2=9</m:t>
                     </m:r>
                   </m:oMath>
                 </a14:m>
@@ -8150,7 +8131,7 @@
                       <a:rPr lang="fr-FR" b="0" i="1" smtClean="0">
                         <a:latin typeface="Cambria Math"/>
                       </a:rPr>
-                      <m:t>3⋅3</m:t>
+                      <m:t>3⋅3=9</m:t>
                     </m:r>
                   </m:oMath>
                 </a14:m>
@@ -8176,7 +8157,7 @@
                         </a:solidFill>
                         <a:latin typeface="Cambria Math"/>
                       </a:rPr>
-                      <m:t>=1−</m:t>
+                      <m:t>=0−9+</m:t>
                     </m:r>
                     <m:r>
                       <a:rPr lang="fr-FR" b="0" i="1" smtClean="0">
@@ -8185,7 +8166,7 @@
                         </a:solidFill>
                         <a:latin typeface="Cambria Math"/>
                       </a:rPr>
-                      <m:t>9+8=</m:t>
+                      <m:t>9=</m:t>
                     </m:r>
                     <m:r>
                       <a:rPr lang="fr-FR" b="0" i="0" smtClean="0">
@@ -8678,55 +8659,82 @@
           </a:fontRef>
         </p:style>
       </p:cxnSp>
-      <p:sp>
-        <p:nvSpPr>
-          <p:cNvPr id="5" name="Arc 4"/>
-          <p:cNvSpPr/>
-          <p:nvPr/>
-        </p:nvSpPr>
-        <p:spPr>
-          <a:xfrm>
-            <a:off x="1126368" y="2347642"/>
-            <a:ext cx="205272" cy="205272"/>
-          </a:xfrm>
-          <a:prstGeom prst="arc">
-            <a:avLst>
-              <a:gd name="adj1" fmla="val 20342386"/>
-              <a:gd name="adj2" fmla="val 13481147"/>
-            </a:avLst>
+      <p:cxnSp>
+        <p:nvCxnSpPr>
+          <p:cNvPr id="17" name="Connecteur droit 16"/>
+          <p:cNvCxnSpPr/>
+          <p:nvPr/>
+        </p:nvCxnSpPr>
+        <p:spPr>
+          <a:xfrm flipH="1">
+            <a:off x="899584" y="1590126"/>
+            <a:ext cx="144000" cy="0"/>
+          </a:xfrm>
+          <a:prstGeom prst="line">
+            <a:avLst/>
           </a:prstGeom>
-          <a:solidFill>
-            <a:schemeClr val="bg1"/>
-          </a:solidFill>
+          <a:noFill/>
           <a:ln w="19050">
             <a:solidFill>
-              <a:srgbClr val="7030A0"/>
+              <a:srgbClr val="C00000"/>
             </a:solidFill>
           </a:ln>
         </p:spPr>
         <p:style>
-          <a:lnRef idx="1">
-            <a:schemeClr val="accent1"/>
+          <a:lnRef idx="2">
+            <a:schemeClr val="accent1">
+              <a:shade val="50000"/>
+            </a:schemeClr>
           </a:lnRef>
-          <a:fillRef idx="0">
+          <a:fillRef idx="1">
             <a:schemeClr val="accent1"/>
           </a:fillRef>
           <a:effectRef idx="0">
             <a:schemeClr val="accent1"/>
           </a:effectRef>
           <a:fontRef idx="minor">
-            <a:schemeClr val="tx1"/>
+            <a:schemeClr val="lt1"/>
           </a:fontRef>
         </p:style>
-        <p:txBody>
-          <a:bodyPr rtlCol="0" anchor="ctr"/>
-          <a:lstStyle/>
-          <a:p>
-            <a:pPr algn="ctr"/>
-            <a:endParaRPr lang="fr-FR"/>
-          </a:p>
-        </p:txBody>
-      </p:sp>
+      </p:cxnSp>
+      <p:cxnSp>
+        <p:nvCxnSpPr>
+          <p:cNvPr id="18" name="Connecteur droit 17"/>
+          <p:cNvCxnSpPr/>
+          <p:nvPr/>
+        </p:nvCxnSpPr>
+        <p:spPr>
+          <a:xfrm flipH="1">
+            <a:off x="901230" y="1235426"/>
+            <a:ext cx="144000" cy="0"/>
+          </a:xfrm>
+          <a:prstGeom prst="line">
+            <a:avLst/>
+          </a:prstGeom>
+          <a:noFill/>
+          <a:ln w="19050">
+            <a:solidFill>
+              <a:srgbClr val="C00000"/>
+            </a:solidFill>
+          </a:ln>
+        </p:spPr>
+        <p:style>
+          <a:lnRef idx="2">
+            <a:schemeClr val="accent1">
+              <a:shade val="50000"/>
+            </a:schemeClr>
+          </a:lnRef>
+          <a:fillRef idx="1">
+            <a:schemeClr val="accent1"/>
+          </a:fillRef>
+          <a:effectRef idx="0">
+            <a:schemeClr val="accent1"/>
+          </a:effectRef>
+          <a:fontRef idx="minor">
+            <a:schemeClr val="lt1"/>
+          </a:fontRef>
+        </p:style>
+      </p:cxnSp>
       <p:sp>
         <p:nvSpPr>
           <p:cNvPr id="11" name="Ellipse 10"/>
@@ -8828,7 +8836,7 @@
     </p:spTree>
     <p:extLst>
       <p:ext uri="{BB962C8B-B14F-4D97-AF65-F5344CB8AC3E}">
-        <p14:creationId xmlns:p14="http://schemas.microsoft.com/office/powerpoint/2010/main" val="3083534707"/>
+        <p14:creationId xmlns:p14="http://schemas.microsoft.com/office/powerpoint/2010/main" val="114505002"/>
       </p:ext>
     </p:extLst>
   </p:cSld>
@@ -8838,7 +8846,7 @@
 </p:sld>
 </file>
 
-<file path=ppt/slides/slide6.xml><?xml version="1.0" encoding="utf-8"?>
+<file path=ppt/slides/slide3.xml><?xml version="1.0" encoding="utf-8"?>
 <p:sld xmlns:a="http://schemas.openxmlformats.org/drawingml/2006/main" xmlns:r="http://schemas.openxmlformats.org/officeDocument/2006/relationships" xmlns:p="http://schemas.openxmlformats.org/presentationml/2006/main">
   <p:cSld>
     <p:spTree>
@@ -8905,8 +8913,8 @@
           </a:p>
         </p:txBody>
       </p:sp>
-      <mc:AlternateContent xmlns:mc="http://schemas.openxmlformats.org/markup-compatibility/2006">
-        <mc:Choice xmlns:a14="http://schemas.microsoft.com/office/drawing/2010/main" Requires="a14">
+      <mc:AlternateContent xmlns:mc="http://schemas.openxmlformats.org/markup-compatibility/2006" xmlns:a14="http://schemas.microsoft.com/office/drawing/2010/main">
+        <mc:Choice Requires="a14">
           <p:sp>
             <p:nvSpPr>
               <p:cNvPr id="3" name="Espace réservé du contenu 2"/>
@@ -8957,10 +8965,10 @@
                       </m:sub>
                     </m:sSub>
                     <m:r>
-                      <a:rPr lang="fr-FR" b="0" i="1" smtClean="0">
-                        <a:latin typeface="Cambria Math"/>
-                      </a:rPr>
-                      <m:t>=1</m:t>
+                      <a:rPr lang="fr-FR" b="0" i="0" smtClean="0">
+                        <a:latin typeface="Cambria Math"/>
+                      </a:rPr>
+                      <m:t>=0</m:t>
                     </m:r>
                   </m:oMath>
                 </a14:m>
@@ -8995,7 +9003,7 @@
                       </m:sub>
                     </m:sSub>
                     <m:r>
-                      <a:rPr lang="fr-FR" b="0" i="0" smtClean="0">
+                      <a:rPr lang="fr-FR" b="0" i="1" smtClean="0">
                         <a:latin typeface="Cambria Math"/>
                       </a:rPr>
                       <m:t>=0</m:t>
@@ -9044,13 +9052,7 @@
                       <a:rPr lang="fr-FR" b="0" i="1" smtClean="0">
                         <a:latin typeface="Cambria Math"/>
                       </a:rPr>
-                      <m:t>=</m:t>
-                    </m:r>
-                    <m:r>
-                      <a:rPr lang="fr-FR" b="0" i="1" smtClean="0">
-                        <a:latin typeface="Cambria Math"/>
-                      </a:rPr>
-                      <m:t>4+5+5+5=19</m:t>
+                      <m:t>=5+5+5+3=18</m:t>
                     </m:r>
                   </m:oMath>
                 </a14:m>
@@ -9089,13 +9091,7 @@
                       <a:rPr lang="fr-FR" b="0" i="1" smtClean="0">
                         <a:latin typeface="Cambria Math"/>
                       </a:rPr>
-                      <m:t>=</m:t>
-                    </m:r>
-                    <m:r>
-                      <a:rPr lang="fr-FR" b="0" i="1" smtClean="0">
-                        <a:latin typeface="Cambria Math"/>
-                      </a:rPr>
-                      <m:t>6⋅3=18</m:t>
+                      <m:t>=6⋅3=18</m:t>
                     </m:r>
                   </m:oMath>
                 </a14:m>
@@ -9115,19 +9111,7 @@
                       <a:rPr lang="fr-FR" b="0" i="1" smtClean="0">
                         <a:latin typeface="Cambria Math"/>
                       </a:rPr>
-                      <m:t>=1−</m:t>
-                    </m:r>
-                    <m:r>
-                      <a:rPr lang="fr-FR" b="0" i="1" smtClean="0">
-                        <a:latin typeface="Cambria Math"/>
-                      </a:rPr>
-                      <m:t>18+19=</m:t>
-                    </m:r>
-                    <m:r>
-                      <a:rPr lang="fr-FR" b="0" i="0" smtClean="0">
-                        <a:latin typeface="Cambria Math"/>
-                      </a:rPr>
-                      <m:t>2</m:t>
+                      <m:t>=0−18+18=0</m:t>
                     </m:r>
                   </m:oMath>
                 </a14:m>
@@ -9178,7 +9162,7 @@
                       <a:rPr lang="fr-FR" b="0" i="1" smtClean="0">
                         <a:latin typeface="Cambria Math"/>
                       </a:rPr>
-                      <m:t>2+2+2+2=8</m:t>
+                      <m:t>3+2+2+2=9</m:t>
                     </m:r>
                   </m:oMath>
                 </a14:m>
@@ -9243,13 +9227,19 @@
                       <a:rPr lang="fr-FR" i="1">
                         <a:latin typeface="Cambria Math"/>
                       </a:rPr>
-                      <m:t>=1−</m:t>
+                      <m:t>=0−9+</m:t>
                     </m:r>
                     <m:r>
                       <a:rPr lang="fr-FR" b="0" i="1" smtClean="0">
                         <a:latin typeface="Cambria Math"/>
                       </a:rPr>
-                      <m:t>9+8=0</m:t>
+                      <m:t>9=</m:t>
+                    </m:r>
+                    <m:r>
+                      <a:rPr lang="fr-FR" b="0" i="0" smtClean="0">
+                        <a:latin typeface="Cambria Math"/>
+                      </a:rPr>
+                      <m:t>0</m:t>
                     </m:r>
                   </m:oMath>
                 </a14:m>
@@ -9261,7 +9251,7 @@
             </p:txBody>
           </p:sp>
         </mc:Choice>
-        <mc:Fallback>
+        <mc:Fallback xmlns="">
           <p:sp>
             <p:nvSpPr>
               <p:cNvPr id="3" name="Espace réservé du contenu 2"/>
@@ -9729,6 +9719,3274 @@
           </a:fontRef>
         </p:style>
       </p:cxnSp>
+      <p:cxnSp>
+        <p:nvCxnSpPr>
+          <p:cNvPr id="17" name="Connecteur droit 16"/>
+          <p:cNvCxnSpPr/>
+          <p:nvPr/>
+        </p:nvCxnSpPr>
+        <p:spPr>
+          <a:xfrm flipH="1">
+            <a:off x="899584" y="1590126"/>
+            <a:ext cx="144000" cy="0"/>
+          </a:xfrm>
+          <a:prstGeom prst="line">
+            <a:avLst/>
+          </a:prstGeom>
+          <a:noFill/>
+          <a:ln w="19050">
+            <a:solidFill>
+              <a:srgbClr val="C00000"/>
+            </a:solidFill>
+          </a:ln>
+        </p:spPr>
+        <p:style>
+          <a:lnRef idx="2">
+            <a:schemeClr val="accent1">
+              <a:shade val="50000"/>
+            </a:schemeClr>
+          </a:lnRef>
+          <a:fillRef idx="1">
+            <a:schemeClr val="accent1"/>
+          </a:fillRef>
+          <a:effectRef idx="0">
+            <a:schemeClr val="accent1"/>
+          </a:effectRef>
+          <a:fontRef idx="minor">
+            <a:schemeClr val="lt1"/>
+          </a:fontRef>
+        </p:style>
+      </p:cxnSp>
+      <p:cxnSp>
+        <p:nvCxnSpPr>
+          <p:cNvPr id="18" name="Connecteur droit 17"/>
+          <p:cNvCxnSpPr/>
+          <p:nvPr/>
+        </p:nvCxnSpPr>
+        <p:spPr>
+          <a:xfrm flipH="1">
+            <a:off x="901230" y="1235426"/>
+            <a:ext cx="144000" cy="0"/>
+          </a:xfrm>
+          <a:prstGeom prst="line">
+            <a:avLst/>
+          </a:prstGeom>
+          <a:noFill/>
+          <a:ln w="19050">
+            <a:solidFill>
+              <a:srgbClr val="C00000"/>
+            </a:solidFill>
+          </a:ln>
+        </p:spPr>
+        <p:style>
+          <a:lnRef idx="2">
+            <a:schemeClr val="accent1">
+              <a:shade val="50000"/>
+            </a:schemeClr>
+          </a:lnRef>
+          <a:fillRef idx="1">
+            <a:schemeClr val="accent1"/>
+          </a:fillRef>
+          <a:effectRef idx="0">
+            <a:schemeClr val="accent1"/>
+          </a:effectRef>
+          <a:fontRef idx="minor">
+            <a:schemeClr val="lt1"/>
+          </a:fontRef>
+        </p:style>
+      </p:cxnSp>
+      <p:sp>
+        <p:nvSpPr>
+          <p:cNvPr id="11" name="Ellipse 10"/>
+          <p:cNvSpPr/>
+          <p:nvPr/>
+        </p:nvSpPr>
+        <p:spPr>
+          <a:xfrm>
+            <a:off x="1156996" y="2378270"/>
+            <a:ext cx="144016" cy="144016"/>
+          </a:xfrm>
+          <a:prstGeom prst="ellipse">
+            <a:avLst/>
+          </a:prstGeom>
+          <a:solidFill>
+            <a:schemeClr val="bg1"/>
+          </a:solidFill>
+          <a:ln w="19050">
+            <a:solidFill>
+              <a:srgbClr val="00B050"/>
+            </a:solidFill>
+          </a:ln>
+        </p:spPr>
+        <p:style>
+          <a:lnRef idx="2">
+            <a:schemeClr val="accent1">
+              <a:shade val="50000"/>
+            </a:schemeClr>
+          </a:lnRef>
+          <a:fillRef idx="1">
+            <a:schemeClr val="accent1"/>
+          </a:fillRef>
+          <a:effectRef idx="0">
+            <a:schemeClr val="accent1"/>
+          </a:effectRef>
+          <a:fontRef idx="minor">
+            <a:schemeClr val="lt1"/>
+          </a:fontRef>
+        </p:style>
+        <p:txBody>
+          <a:bodyPr rtlCol="0" anchor="ctr"/>
+          <a:lstStyle/>
+          <a:p>
+            <a:pPr algn="ctr"/>
+            <a:endParaRPr lang="fr-FR"/>
+          </a:p>
+        </p:txBody>
+      </p:sp>
+      <p:sp>
+        <p:nvSpPr>
+          <p:cNvPr id="22" name="Arc 21"/>
+          <p:cNvSpPr/>
+          <p:nvPr/>
+        </p:nvSpPr>
+        <p:spPr>
+          <a:xfrm rot="11700000">
+            <a:off x="875350" y="2589844"/>
+            <a:ext cx="205272" cy="205272"/>
+          </a:xfrm>
+          <a:prstGeom prst="arc">
+            <a:avLst>
+              <a:gd name="adj1" fmla="val 20342386"/>
+              <a:gd name="adj2" fmla="val 13481147"/>
+            </a:avLst>
+          </a:prstGeom>
+          <a:solidFill>
+            <a:schemeClr val="bg1"/>
+          </a:solidFill>
+          <a:ln w="19050">
+            <a:solidFill>
+              <a:srgbClr val="7030A0"/>
+            </a:solidFill>
+          </a:ln>
+        </p:spPr>
+        <p:style>
+          <a:lnRef idx="1">
+            <a:schemeClr val="accent1"/>
+          </a:lnRef>
+          <a:fillRef idx="0">
+            <a:schemeClr val="accent1"/>
+          </a:fillRef>
+          <a:effectRef idx="0">
+            <a:schemeClr val="accent1"/>
+          </a:effectRef>
+          <a:fontRef idx="minor">
+            <a:schemeClr val="tx1"/>
+          </a:fontRef>
+        </p:style>
+        <p:txBody>
+          <a:bodyPr rtlCol="0" anchor="ctr"/>
+          <a:lstStyle/>
+          <a:p>
+            <a:pPr algn="ctr"/>
+            <a:endParaRPr lang="fr-FR"/>
+          </a:p>
+        </p:txBody>
+      </p:sp>
+      <p:sp>
+        <p:nvSpPr>
+          <p:cNvPr id="10" name="Ellipse 9"/>
+          <p:cNvSpPr/>
+          <p:nvPr/>
+        </p:nvSpPr>
+        <p:spPr>
+          <a:xfrm>
+            <a:off x="905976" y="2620470"/>
+            <a:ext cx="144016" cy="144016"/>
+          </a:xfrm>
+          <a:prstGeom prst="ellipse">
+            <a:avLst/>
+          </a:prstGeom>
+          <a:solidFill>
+            <a:schemeClr val="bg1"/>
+          </a:solidFill>
+          <a:ln w="19050">
+            <a:solidFill>
+              <a:schemeClr val="accent5">
+                <a:lumMod val="50000"/>
+              </a:schemeClr>
+            </a:solidFill>
+          </a:ln>
+        </p:spPr>
+        <p:style>
+          <a:lnRef idx="2">
+            <a:schemeClr val="accent1">
+              <a:shade val="50000"/>
+            </a:schemeClr>
+          </a:lnRef>
+          <a:fillRef idx="1">
+            <a:schemeClr val="accent1"/>
+          </a:fillRef>
+          <a:effectRef idx="0">
+            <a:schemeClr val="accent1"/>
+          </a:effectRef>
+          <a:fontRef idx="minor">
+            <a:schemeClr val="lt1"/>
+          </a:fontRef>
+        </p:style>
+        <p:txBody>
+          <a:bodyPr rtlCol="0" anchor="ctr"/>
+          <a:lstStyle/>
+          <a:p>
+            <a:pPr algn="ctr"/>
+            <a:endParaRPr lang="fr-FR"/>
+          </a:p>
+        </p:txBody>
+      </p:sp>
+    </p:spTree>
+    <p:extLst>
+      <p:ext uri="{BB962C8B-B14F-4D97-AF65-F5344CB8AC3E}">
+        <p14:creationId xmlns:p14="http://schemas.microsoft.com/office/powerpoint/2010/main" val="114505002"/>
+      </p:ext>
+    </p:extLst>
+  </p:cSld>
+  <p:clrMapOvr>
+    <a:masterClrMapping/>
+  </p:clrMapOvr>
+</p:sld>
+</file>
+
+<file path=ppt/slides/slide4.xml><?xml version="1.0" encoding="utf-8"?>
+<p:sld xmlns:a="http://schemas.openxmlformats.org/drawingml/2006/main" xmlns:r="http://schemas.openxmlformats.org/officeDocument/2006/relationships" xmlns:p="http://schemas.openxmlformats.org/presentationml/2006/main">
+  <p:cSld>
+    <p:spTree>
+      <p:nvGrpSpPr>
+        <p:cNvPr id="1" name=""/>
+        <p:cNvGrpSpPr/>
+        <p:nvPr/>
+      </p:nvGrpSpPr>
+      <p:grpSpPr>
+        <a:xfrm>
+          <a:off x="0" y="0"/>
+          <a:ext cx="0" cy="0"/>
+          <a:chOff x="0" y="0"/>
+          <a:chExt cx="0" cy="0"/>
+        </a:xfrm>
+      </p:grpSpPr>
+      <p:sp>
+        <p:nvSpPr>
+          <p:cNvPr id="4" name="Rectangle 3"/>
+          <p:cNvSpPr/>
+          <p:nvPr/>
+        </p:nvSpPr>
+        <p:spPr>
+          <a:xfrm>
+            <a:off x="899600" y="1268760"/>
+            <a:ext cx="144000" cy="288032"/>
+          </a:xfrm>
+          <a:prstGeom prst="rect">
+            <a:avLst/>
+          </a:prstGeom>
+          <a:solidFill>
+            <a:schemeClr val="bg1"/>
+          </a:solidFill>
+          <a:ln w="19050">
+            <a:solidFill>
+              <a:schemeClr val="accent5">
+                <a:lumMod val="50000"/>
+              </a:schemeClr>
+            </a:solidFill>
+          </a:ln>
+        </p:spPr>
+        <p:style>
+          <a:lnRef idx="2">
+            <a:schemeClr val="accent1">
+              <a:shade val="50000"/>
+            </a:schemeClr>
+          </a:lnRef>
+          <a:fillRef idx="1">
+            <a:schemeClr val="accent1"/>
+          </a:fillRef>
+          <a:effectRef idx="0">
+            <a:schemeClr val="accent1"/>
+          </a:effectRef>
+          <a:fontRef idx="minor">
+            <a:schemeClr val="lt1"/>
+          </a:fontRef>
+        </p:style>
+        <p:txBody>
+          <a:bodyPr rtlCol="0" anchor="ctr"/>
+          <a:lstStyle/>
+          <a:p>
+            <a:pPr algn="ctr"/>
+            <a:endParaRPr lang="fr-FR"/>
+          </a:p>
+        </p:txBody>
+      </p:sp>
+      <mc:AlternateContent xmlns:mc="http://schemas.openxmlformats.org/markup-compatibility/2006" xmlns:a14="http://schemas.microsoft.com/office/drawing/2010/main">
+        <mc:Choice Requires="a14">
+          <p:sp>
+            <p:nvSpPr>
+              <p:cNvPr id="3" name="Espace réservé du contenu 2"/>
+              <p:cNvSpPr>
+                <a:spLocks noGrp="1"/>
+              </p:cNvSpPr>
+              <p:nvPr>
+                <p:ph idx="1"/>
+              </p:nvPr>
+            </p:nvSpPr>
+            <p:spPr>
+              <a:xfrm>
+                <a:off x="4860032" y="188640"/>
+                <a:ext cx="3826768" cy="6480720"/>
+              </a:xfrm>
+            </p:spPr>
+            <p:txBody>
+              <a:bodyPr>
+                <a:normAutofit/>
+              </a:bodyPr>
+              <a:lstStyle/>
+              <a:p>
+                <a14:m>
+                  <m:oMath xmlns:m="http://schemas.openxmlformats.org/officeDocument/2006/math">
+                    <m:sSub>
+                      <m:sSubPr>
+                        <m:ctrlPr>
+                          <a:rPr lang="fr-FR" b="0" i="1" smtClean="0">
+                            <a:latin typeface="Cambria Math"/>
+                          </a:rPr>
+                        </m:ctrlPr>
+                      </m:sSubPr>
+                      <m:e>
+                        <m:r>
+                          <a:rPr lang="fr-FR" b="0" i="1" smtClean="0">
+                            <a:latin typeface="Cambria Math"/>
+                          </a:rPr>
+                          <m:t>𝑚</m:t>
+                        </m:r>
+                      </m:e>
+                      <m:sub>
+                        <m:r>
+                          <a:rPr lang="fr-FR" b="0" i="1" smtClean="0">
+                            <a:latin typeface="Cambria Math"/>
+                          </a:rPr>
+                          <m:t>𝑢</m:t>
+                        </m:r>
+                      </m:sub>
+                    </m:sSub>
+                    <m:r>
+                      <a:rPr lang="fr-FR" b="0" i="1" smtClean="0">
+                        <a:latin typeface="Cambria Math"/>
+                      </a:rPr>
+                      <m:t>=1</m:t>
+                    </m:r>
+                  </m:oMath>
+                </a14:m>
+                <a:endParaRPr lang="fr-FR" b="0" dirty="0" smtClean="0"/>
+              </a:p>
+              <a:p>
+                <a14:m>
+                  <m:oMath xmlns:m="http://schemas.openxmlformats.org/officeDocument/2006/math">
+                    <m:sSub>
+                      <m:sSubPr>
+                        <m:ctrlPr>
+                          <a:rPr lang="fr-FR" i="1">
+                            <a:latin typeface="Cambria Math"/>
+                          </a:rPr>
+                        </m:ctrlPr>
+                      </m:sSubPr>
+                      <m:e>
+                        <m:r>
+                          <a:rPr lang="fr-FR" i="1">
+                            <a:latin typeface="Cambria Math"/>
+                          </a:rPr>
+                          <m:t>𝑚</m:t>
+                        </m:r>
+                      </m:e>
+                      <m:sub>
+                        <m:r>
+                          <a:rPr lang="fr-FR" b="0" i="1" smtClean="0">
+                            <a:latin typeface="Cambria Math"/>
+                          </a:rPr>
+                          <m:t>𝑖</m:t>
+                        </m:r>
+                      </m:sub>
+                    </m:sSub>
+                    <m:r>
+                      <a:rPr lang="fr-FR" b="0" i="1" smtClean="0">
+                        <a:latin typeface="Cambria Math"/>
+                      </a:rPr>
+                      <m:t>=1</m:t>
+                    </m:r>
+                  </m:oMath>
+                </a14:m>
+                <a:endParaRPr lang="fr-FR" dirty="0" smtClean="0"/>
+              </a:p>
+              <a:p>
+                <a:r>
+                  <a:rPr lang="fr-FR" dirty="0" smtClean="0"/>
+                  <a:t>En 3D :</a:t>
+                </a:r>
+                <a:endParaRPr lang="fr-FR" dirty="0"/>
+              </a:p>
+              <a:p>
+                <a:pPr lvl="1"/>
+                <a14:m>
+                  <m:oMath xmlns:m="http://schemas.openxmlformats.org/officeDocument/2006/math">
+                    <m:sSub>
+                      <m:sSubPr>
+                        <m:ctrlPr>
+                          <a:rPr lang="fr-FR" b="0" i="1" smtClean="0">
+                            <a:latin typeface="Cambria Math"/>
+                          </a:rPr>
+                        </m:ctrlPr>
+                      </m:sSubPr>
+                      <m:e>
+                        <m:r>
+                          <a:rPr lang="fr-FR" b="0" i="1" smtClean="0">
+                            <a:latin typeface="Cambria Math"/>
+                          </a:rPr>
+                          <m:t>𝐼</m:t>
+                        </m:r>
+                      </m:e>
+                      <m:sub>
+                        <m:r>
+                          <a:rPr lang="fr-FR" b="0" i="1" smtClean="0">
+                            <a:latin typeface="Cambria Math"/>
+                          </a:rPr>
+                          <m:t>𝑠</m:t>
+                        </m:r>
+                      </m:sub>
+                    </m:sSub>
+                    <m:r>
+                      <a:rPr lang="fr-FR" b="0" i="1" smtClean="0">
+                        <a:latin typeface="Cambria Math"/>
+                      </a:rPr>
+                      <m:t>=4+5+3+3</m:t>
+                    </m:r>
+                  </m:oMath>
+                </a14:m>
+                <a:endParaRPr lang="fr-FR" b="0" dirty="0" smtClean="0"/>
+              </a:p>
+              <a:p>
+                <a:pPr lvl="1"/>
+                <a14:m>
+                  <m:oMath xmlns:m="http://schemas.openxmlformats.org/officeDocument/2006/math">
+                    <m:sSub>
+                      <m:sSubPr>
+                        <m:ctrlPr>
+                          <a:rPr lang="fr-FR" b="0" i="1" smtClean="0">
+                            <a:latin typeface="Cambria Math"/>
+                          </a:rPr>
+                        </m:ctrlPr>
+                      </m:sSubPr>
+                      <m:e>
+                        <m:r>
+                          <a:rPr lang="fr-FR" b="0" i="1" smtClean="0">
+                            <a:latin typeface="Cambria Math"/>
+                          </a:rPr>
+                          <m:t>𝐸</m:t>
+                        </m:r>
+                      </m:e>
+                      <m:sub>
+                        <m:r>
+                          <a:rPr lang="fr-FR" b="0" i="1" smtClean="0">
+                            <a:latin typeface="Cambria Math"/>
+                          </a:rPr>
+                          <m:t>𝑠</m:t>
+                        </m:r>
+                      </m:sub>
+                    </m:sSub>
+                    <m:r>
+                      <a:rPr lang="fr-FR" b="0" i="1" smtClean="0">
+                        <a:latin typeface="Cambria Math"/>
+                      </a:rPr>
+                      <m:t>=6⋅3=18</m:t>
+                    </m:r>
+                  </m:oMath>
+                </a14:m>
+                <a:endParaRPr lang="fr-FR" dirty="0" smtClean="0"/>
+              </a:p>
+              <a:p>
+                <a:pPr lvl="1"/>
+                <a14:m>
+                  <m:oMath xmlns:m="http://schemas.openxmlformats.org/officeDocument/2006/math">
+                    <m:r>
+                      <a:rPr lang="fr-FR" b="0" i="1" smtClean="0">
+                        <a:latin typeface="Cambria Math"/>
+                      </a:rPr>
+                      <m:t>h</m:t>
+                    </m:r>
+                    <m:r>
+                      <a:rPr lang="fr-FR" b="0" i="1" smtClean="0">
+                        <a:latin typeface="Cambria Math"/>
+                      </a:rPr>
+                      <m:t>=2−18+15=1</m:t>
+                    </m:r>
+                  </m:oMath>
+                </a14:m>
+                <a:endParaRPr lang="fr-FR" dirty="0" smtClean="0"/>
+              </a:p>
+              <a:p>
+                <a:r>
+                  <a:rPr lang="fr-FR" dirty="0" smtClean="0"/>
+                  <a:t>En 2D :</a:t>
+                </a:r>
+              </a:p>
+              <a:p>
+                <a:pPr lvl="1"/>
+                <a14:m>
+                  <m:oMath xmlns:m="http://schemas.openxmlformats.org/officeDocument/2006/math">
+                    <m:sSub>
+                      <m:sSubPr>
+                        <m:ctrlPr>
+                          <a:rPr lang="fr-FR" i="1">
+                            <a:latin typeface="Cambria Math"/>
+                          </a:rPr>
+                        </m:ctrlPr>
+                      </m:sSubPr>
+                      <m:e>
+                        <m:r>
+                          <a:rPr lang="fr-FR" i="1">
+                            <a:latin typeface="Cambria Math"/>
+                          </a:rPr>
+                          <m:t>𝐼</m:t>
+                        </m:r>
+                      </m:e>
+                      <m:sub>
+                        <m:r>
+                          <a:rPr lang="fr-FR" i="1">
+                            <a:latin typeface="Cambria Math"/>
+                          </a:rPr>
+                          <m:t>𝑠</m:t>
+                        </m:r>
+                      </m:sub>
+                    </m:sSub>
+                    <m:r>
+                      <a:rPr lang="fr-FR" i="1">
+                        <a:latin typeface="Cambria Math"/>
+                      </a:rPr>
+                      <m:t>=</m:t>
+                    </m:r>
+                    <m:r>
+                      <a:rPr lang="fr-FR" b="0" i="1" smtClean="0">
+                        <a:latin typeface="Cambria Math"/>
+                      </a:rPr>
+                      <m:t>2+2+2+2=8</m:t>
+                    </m:r>
+                  </m:oMath>
+                </a14:m>
+                <a:endParaRPr lang="fr-FR" dirty="0"/>
+              </a:p>
+              <a:p>
+                <a:pPr lvl="1"/>
+                <a14:m>
+                  <m:oMath xmlns:m="http://schemas.openxmlformats.org/officeDocument/2006/math">
+                    <m:sSub>
+                      <m:sSubPr>
+                        <m:ctrlPr>
+                          <a:rPr lang="fr-FR" i="1">
+                            <a:latin typeface="Cambria Math"/>
+                          </a:rPr>
+                        </m:ctrlPr>
+                      </m:sSubPr>
+                      <m:e>
+                        <m:r>
+                          <a:rPr lang="fr-FR" i="1">
+                            <a:latin typeface="Cambria Math"/>
+                          </a:rPr>
+                          <m:t>𝐸</m:t>
+                        </m:r>
+                      </m:e>
+                      <m:sub>
+                        <m:r>
+                          <a:rPr lang="fr-FR" i="1">
+                            <a:latin typeface="Cambria Math"/>
+                          </a:rPr>
+                          <m:t>𝑠</m:t>
+                        </m:r>
+                      </m:sub>
+                    </m:sSub>
+                    <m:r>
+                      <a:rPr lang="fr-FR" i="1">
+                        <a:latin typeface="Cambria Math"/>
+                      </a:rPr>
+                      <m:t>=</m:t>
+                    </m:r>
+                    <m:r>
+                      <a:rPr lang="fr-FR" b="0" i="1" smtClean="0">
+                        <a:latin typeface="Cambria Math"/>
+                      </a:rPr>
+                      <m:t>3⋅3=9</m:t>
+                    </m:r>
+                  </m:oMath>
+                </a14:m>
+                <a:endParaRPr lang="fr-FR" dirty="0"/>
+              </a:p>
+              <a:p>
+                <a:pPr lvl="1"/>
+                <a14:m>
+                  <m:oMath xmlns:m="http://schemas.openxmlformats.org/officeDocument/2006/math">
+                    <m:r>
+                      <a:rPr lang="fr-FR" i="1" smtClean="0">
+                        <a:solidFill>
+                          <a:schemeClr val="tx1"/>
+                        </a:solidFill>
+                        <a:latin typeface="Cambria Math"/>
+                      </a:rPr>
+                      <m:t>h</m:t>
+                    </m:r>
+                    <m:r>
+                      <a:rPr lang="fr-FR" i="1" smtClean="0">
+                        <a:solidFill>
+                          <a:schemeClr val="tx1"/>
+                        </a:solidFill>
+                        <a:latin typeface="Cambria Math"/>
+                      </a:rPr>
+                      <m:t>=1−</m:t>
+                    </m:r>
+                    <m:r>
+                      <a:rPr lang="fr-FR" b="0" i="1" smtClean="0">
+                        <a:solidFill>
+                          <a:schemeClr val="tx1"/>
+                        </a:solidFill>
+                        <a:latin typeface="Cambria Math"/>
+                      </a:rPr>
+                      <m:t>9+8=</m:t>
+                    </m:r>
+                    <m:r>
+                      <a:rPr lang="fr-FR" b="0" i="0" smtClean="0">
+                        <a:solidFill>
+                          <a:schemeClr val="tx1"/>
+                        </a:solidFill>
+                        <a:latin typeface="Cambria Math"/>
+                      </a:rPr>
+                      <m:t>0</m:t>
+                    </m:r>
+                  </m:oMath>
+                </a14:m>
+                <a:endParaRPr lang="fr-FR" dirty="0">
+                  <a:solidFill>
+                    <a:schemeClr val="tx1"/>
+                  </a:solidFill>
+                </a:endParaRPr>
+              </a:p>
+              <a:p>
+                <a:endParaRPr lang="fr-FR" dirty="0" smtClean="0"/>
+              </a:p>
+            </p:txBody>
+          </p:sp>
+        </mc:Choice>
+        <mc:Fallback xmlns="">
+          <p:sp>
+            <p:nvSpPr>
+              <p:cNvPr id="3" name="Espace réservé du contenu 2"/>
+              <p:cNvSpPr>
+                <a:spLocks noGrp="1" noRot="1" noChangeAspect="1" noMove="1" noResize="1" noEditPoints="1" noAdjustHandles="1" noChangeArrowheads="1" noChangeShapeType="1" noTextEdit="1"/>
+              </p:cNvSpPr>
+              <p:nvPr>
+                <p:ph idx="1"/>
+              </p:nvPr>
+            </p:nvSpPr>
+            <p:spPr>
+              <a:xfrm>
+                <a:off x="4860032" y="188640"/>
+                <a:ext cx="3826768" cy="6480720"/>
+              </a:xfrm>
+              <a:blipFill rotWithShape="1">
+                <a:blip r:embed="rId2"/>
+                <a:stretch>
+                  <a:fillRect l="-3503"/>
+                </a:stretch>
+              </a:blipFill>
+            </p:spPr>
+            <p:txBody>
+              <a:bodyPr/>
+              <a:lstStyle/>
+              <a:p>
+                <a:r>
+                  <a:rPr lang="fr-FR">
+                    <a:noFill/>
+                  </a:rPr>
+                  <a:t> </a:t>
+                </a:r>
+              </a:p>
+            </p:txBody>
+          </p:sp>
+        </mc:Fallback>
+      </mc:AlternateContent>
+      <p:cxnSp>
+        <p:nvCxnSpPr>
+          <p:cNvPr id="6" name="Connecteur droit 5"/>
+          <p:cNvCxnSpPr/>
+          <p:nvPr/>
+        </p:nvCxnSpPr>
+        <p:spPr>
+          <a:xfrm>
+            <a:off x="971600" y="1124744"/>
+            <a:ext cx="0" cy="720080"/>
+          </a:xfrm>
+          <a:prstGeom prst="line">
+            <a:avLst/>
+          </a:prstGeom>
+          <a:noFill/>
+          <a:ln w="19050">
+            <a:solidFill>
+              <a:srgbClr val="C00000"/>
+            </a:solidFill>
+          </a:ln>
+        </p:spPr>
+        <p:style>
+          <a:lnRef idx="2">
+            <a:schemeClr val="accent1">
+              <a:shade val="50000"/>
+            </a:schemeClr>
+          </a:lnRef>
+          <a:fillRef idx="1">
+            <a:schemeClr val="accent1"/>
+          </a:fillRef>
+          <a:effectRef idx="0">
+            <a:schemeClr val="accent1"/>
+          </a:effectRef>
+          <a:fontRef idx="minor">
+            <a:schemeClr val="lt1"/>
+          </a:fontRef>
+        </p:style>
+      </p:cxnSp>
+      <p:cxnSp>
+        <p:nvCxnSpPr>
+          <p:cNvPr id="12" name="Connecteur droit 11"/>
+          <p:cNvCxnSpPr/>
+          <p:nvPr/>
+        </p:nvCxnSpPr>
+        <p:spPr>
+          <a:xfrm flipH="1" flipV="1">
+            <a:off x="977985" y="1916833"/>
+            <a:ext cx="251019" cy="533445"/>
+          </a:xfrm>
+          <a:prstGeom prst="line">
+            <a:avLst/>
+          </a:prstGeom>
+          <a:noFill/>
+          <a:ln w="19050">
+            <a:solidFill>
+              <a:srgbClr val="00B050"/>
+            </a:solidFill>
+          </a:ln>
+        </p:spPr>
+        <p:style>
+          <a:lnRef idx="2">
+            <a:schemeClr val="accent1">
+              <a:shade val="50000"/>
+            </a:schemeClr>
+          </a:lnRef>
+          <a:fillRef idx="1">
+            <a:schemeClr val="accent1"/>
+          </a:fillRef>
+          <a:effectRef idx="0">
+            <a:schemeClr val="accent1"/>
+          </a:effectRef>
+          <a:fontRef idx="minor">
+            <a:schemeClr val="lt1"/>
+          </a:fontRef>
+        </p:style>
+      </p:cxnSp>
+      <p:cxnSp>
+        <p:nvCxnSpPr>
+          <p:cNvPr id="19" name="Connecteur droit 18"/>
+          <p:cNvCxnSpPr/>
+          <p:nvPr/>
+        </p:nvCxnSpPr>
+        <p:spPr>
+          <a:xfrm flipV="1">
+            <a:off x="977985" y="2450278"/>
+            <a:ext cx="251019" cy="242201"/>
+          </a:xfrm>
+          <a:prstGeom prst="line">
+            <a:avLst/>
+          </a:prstGeom>
+          <a:noFill/>
+          <a:ln w="19050">
+            <a:solidFill>
+              <a:srgbClr val="7030A0"/>
+            </a:solidFill>
+          </a:ln>
+        </p:spPr>
+        <p:style>
+          <a:lnRef idx="2">
+            <a:schemeClr val="accent1">
+              <a:shade val="50000"/>
+            </a:schemeClr>
+          </a:lnRef>
+          <a:fillRef idx="1">
+            <a:schemeClr val="accent1"/>
+          </a:fillRef>
+          <a:effectRef idx="0">
+            <a:schemeClr val="accent1"/>
+          </a:effectRef>
+          <a:fontRef idx="minor">
+            <a:schemeClr val="lt1"/>
+          </a:fontRef>
+        </p:style>
+      </p:cxnSp>
+      <p:sp>
+        <p:nvSpPr>
+          <p:cNvPr id="9" name="Ellipse 8"/>
+          <p:cNvSpPr/>
+          <p:nvPr/>
+        </p:nvSpPr>
+        <p:spPr>
+          <a:xfrm>
+            <a:off x="899584" y="1844824"/>
+            <a:ext cx="144016" cy="144016"/>
+          </a:xfrm>
+          <a:prstGeom prst="ellipse">
+            <a:avLst/>
+          </a:prstGeom>
+          <a:solidFill>
+            <a:schemeClr val="bg1"/>
+          </a:solidFill>
+          <a:ln w="19050">
+            <a:solidFill>
+              <a:srgbClr val="C00000"/>
+            </a:solidFill>
+          </a:ln>
+        </p:spPr>
+        <p:style>
+          <a:lnRef idx="2">
+            <a:schemeClr val="accent1">
+              <a:shade val="50000"/>
+            </a:schemeClr>
+          </a:lnRef>
+          <a:fillRef idx="1">
+            <a:schemeClr val="accent1"/>
+          </a:fillRef>
+          <a:effectRef idx="0">
+            <a:schemeClr val="accent1"/>
+          </a:effectRef>
+          <a:fontRef idx="minor">
+            <a:schemeClr val="lt1"/>
+          </a:fontRef>
+        </p:style>
+        <p:txBody>
+          <a:bodyPr rtlCol="0" anchor="ctr"/>
+          <a:lstStyle/>
+          <a:p>
+            <a:pPr algn="ctr"/>
+            <a:endParaRPr lang="fr-FR"/>
+          </a:p>
+        </p:txBody>
+      </p:sp>
+      <p:cxnSp>
+        <p:nvCxnSpPr>
+          <p:cNvPr id="30" name="Connecteur droit 29"/>
+          <p:cNvCxnSpPr>
+            <a:stCxn id="10" idx="4"/>
+          </p:cNvCxnSpPr>
+          <p:nvPr/>
+        </p:nvCxnSpPr>
+        <p:spPr>
+          <a:xfrm>
+            <a:off x="977984" y="2764486"/>
+            <a:ext cx="0" cy="152400"/>
+          </a:xfrm>
+          <a:prstGeom prst="line">
+            <a:avLst/>
+          </a:prstGeom>
+          <a:noFill/>
+          <a:ln w="19050">
+            <a:solidFill>
+              <a:schemeClr val="accent5">
+                <a:lumMod val="50000"/>
+              </a:schemeClr>
+            </a:solidFill>
+          </a:ln>
+        </p:spPr>
+        <p:style>
+          <a:lnRef idx="2">
+            <a:schemeClr val="accent1">
+              <a:shade val="50000"/>
+            </a:schemeClr>
+          </a:lnRef>
+          <a:fillRef idx="1">
+            <a:schemeClr val="accent1"/>
+          </a:fillRef>
+          <a:effectRef idx="0">
+            <a:schemeClr val="accent1"/>
+          </a:effectRef>
+          <a:fontRef idx="minor">
+            <a:schemeClr val="lt1"/>
+          </a:fontRef>
+        </p:style>
+      </p:cxnSp>
+      <p:grpSp>
+        <p:nvGrpSpPr>
+          <p:cNvPr id="37" name="Groupe 36"/>
+          <p:cNvGrpSpPr/>
+          <p:nvPr/>
+        </p:nvGrpSpPr>
+        <p:grpSpPr>
+          <a:xfrm>
+            <a:off x="827576" y="2916886"/>
+            <a:ext cx="288032" cy="144002"/>
+            <a:chOff x="959462" y="3564487"/>
+            <a:chExt cx="288032" cy="144002"/>
+          </a:xfrm>
+        </p:grpSpPr>
+        <p:sp>
+          <p:nvSpPr>
+            <p:cNvPr id="36" name="Rectangle 35"/>
+            <p:cNvSpPr/>
+            <p:nvPr/>
+          </p:nvSpPr>
+          <p:spPr>
+            <a:xfrm rot="5400000">
+              <a:off x="1031478" y="3492473"/>
+              <a:ext cx="144000" cy="288032"/>
+            </a:xfrm>
+            <a:prstGeom prst="rect">
+              <a:avLst/>
+            </a:prstGeom>
+            <a:solidFill>
+              <a:schemeClr val="accent5">
+                <a:lumMod val="20000"/>
+                <a:lumOff val="80000"/>
+              </a:schemeClr>
+            </a:solidFill>
+            <a:ln w="19050">
+              <a:noFill/>
+            </a:ln>
+          </p:spPr>
+          <p:style>
+            <a:lnRef idx="2">
+              <a:schemeClr val="accent1">
+                <a:shade val="50000"/>
+              </a:schemeClr>
+            </a:lnRef>
+            <a:fillRef idx="1">
+              <a:schemeClr val="accent1"/>
+            </a:fillRef>
+            <a:effectRef idx="0">
+              <a:schemeClr val="accent1"/>
+            </a:effectRef>
+            <a:fontRef idx="minor">
+              <a:schemeClr val="lt1"/>
+            </a:fontRef>
+          </p:style>
+          <p:txBody>
+            <a:bodyPr rtlCol="0" anchor="ctr"/>
+            <a:lstStyle/>
+            <a:p>
+              <a:pPr algn="ctr"/>
+              <a:endParaRPr lang="fr-FR"/>
+            </a:p>
+          </p:txBody>
+        </p:sp>
+        <p:cxnSp>
+          <p:nvCxnSpPr>
+            <p:cNvPr id="34" name="Connecteur droit 33"/>
+            <p:cNvCxnSpPr/>
+            <p:nvPr/>
+          </p:nvCxnSpPr>
+          <p:spPr>
+            <a:xfrm rot="5400000">
+              <a:off x="1103493" y="3420488"/>
+              <a:ext cx="1" cy="288000"/>
+            </a:xfrm>
+            <a:prstGeom prst="line">
+              <a:avLst/>
+            </a:prstGeom>
+            <a:noFill/>
+            <a:ln w="19050">
+              <a:solidFill>
+                <a:schemeClr val="accent5">
+                  <a:lumMod val="50000"/>
+                </a:schemeClr>
+              </a:solidFill>
+            </a:ln>
+          </p:spPr>
+          <p:style>
+            <a:lnRef idx="2">
+              <a:schemeClr val="accent1">
+                <a:shade val="50000"/>
+              </a:schemeClr>
+            </a:lnRef>
+            <a:fillRef idx="1">
+              <a:schemeClr val="accent1"/>
+            </a:fillRef>
+            <a:effectRef idx="0">
+              <a:schemeClr val="accent1"/>
+            </a:effectRef>
+            <a:fontRef idx="minor">
+              <a:schemeClr val="lt1"/>
+            </a:fontRef>
+          </p:style>
+        </p:cxnSp>
+      </p:grpSp>
+      <p:cxnSp>
+        <p:nvCxnSpPr>
+          <p:cNvPr id="38" name="Connecteur droit 37"/>
+          <p:cNvCxnSpPr/>
+          <p:nvPr/>
+        </p:nvCxnSpPr>
+        <p:spPr>
+          <a:xfrm flipH="1">
+            <a:off x="717980" y="2840686"/>
+            <a:ext cx="260006" cy="0"/>
+          </a:xfrm>
+          <a:prstGeom prst="line">
+            <a:avLst/>
+          </a:prstGeom>
+          <a:noFill/>
+          <a:ln w="19050">
+            <a:solidFill>
+              <a:schemeClr val="accent5">
+                <a:lumMod val="50000"/>
+              </a:schemeClr>
+            </a:solidFill>
+          </a:ln>
+        </p:spPr>
+        <p:style>
+          <a:lnRef idx="2">
+            <a:schemeClr val="accent1">
+              <a:shade val="50000"/>
+            </a:schemeClr>
+          </a:lnRef>
+          <a:fillRef idx="1">
+            <a:schemeClr val="accent1"/>
+          </a:fillRef>
+          <a:effectRef idx="0">
+            <a:schemeClr val="accent1"/>
+          </a:effectRef>
+          <a:fontRef idx="minor">
+            <a:schemeClr val="lt1"/>
+          </a:fontRef>
+        </p:style>
+      </p:cxnSp>
+      <p:cxnSp>
+        <p:nvCxnSpPr>
+          <p:cNvPr id="41" name="Connecteur droit 40"/>
+          <p:cNvCxnSpPr>
+            <a:stCxn id="4" idx="1"/>
+          </p:cNvCxnSpPr>
+          <p:nvPr/>
+        </p:nvCxnSpPr>
+        <p:spPr>
+          <a:xfrm flipH="1">
+            <a:off x="717980" y="1412776"/>
+            <a:ext cx="181620" cy="0"/>
+          </a:xfrm>
+          <a:prstGeom prst="line">
+            <a:avLst/>
+          </a:prstGeom>
+          <a:noFill/>
+          <a:ln w="19050">
+            <a:solidFill>
+              <a:schemeClr val="accent5">
+                <a:lumMod val="50000"/>
+              </a:schemeClr>
+            </a:solidFill>
+          </a:ln>
+        </p:spPr>
+        <p:style>
+          <a:lnRef idx="2">
+            <a:schemeClr val="accent1">
+              <a:shade val="50000"/>
+            </a:schemeClr>
+          </a:lnRef>
+          <a:fillRef idx="1">
+            <a:schemeClr val="accent1"/>
+          </a:fillRef>
+          <a:effectRef idx="0">
+            <a:schemeClr val="accent1"/>
+          </a:effectRef>
+          <a:fontRef idx="minor">
+            <a:schemeClr val="lt1"/>
+          </a:fontRef>
+        </p:style>
+      </p:cxnSp>
+      <p:cxnSp>
+        <p:nvCxnSpPr>
+          <p:cNvPr id="44" name="Connecteur droit 43"/>
+          <p:cNvCxnSpPr/>
+          <p:nvPr/>
+        </p:nvCxnSpPr>
+        <p:spPr>
+          <a:xfrm>
+            <a:off x="717980" y="1412776"/>
+            <a:ext cx="0" cy="1427910"/>
+          </a:xfrm>
+          <a:prstGeom prst="line">
+            <a:avLst/>
+          </a:prstGeom>
+          <a:noFill/>
+          <a:ln w="19050">
+            <a:solidFill>
+              <a:schemeClr val="accent5">
+                <a:lumMod val="50000"/>
+              </a:schemeClr>
+            </a:solidFill>
+          </a:ln>
+        </p:spPr>
+        <p:style>
+          <a:lnRef idx="2">
+            <a:schemeClr val="accent1">
+              <a:shade val="50000"/>
+            </a:schemeClr>
+          </a:lnRef>
+          <a:fillRef idx="1">
+            <a:schemeClr val="accent1"/>
+          </a:fillRef>
+          <a:effectRef idx="0">
+            <a:schemeClr val="accent1"/>
+          </a:effectRef>
+          <a:fontRef idx="minor">
+            <a:schemeClr val="lt1"/>
+          </a:fontRef>
+        </p:style>
+      </p:cxnSp>
+      <p:sp>
+        <p:nvSpPr>
+          <p:cNvPr id="5" name="Arc 4"/>
+          <p:cNvSpPr/>
+          <p:nvPr/>
+        </p:nvSpPr>
+        <p:spPr>
+          <a:xfrm>
+            <a:off x="1126368" y="2347642"/>
+            <a:ext cx="205272" cy="205272"/>
+          </a:xfrm>
+          <a:prstGeom prst="arc">
+            <a:avLst>
+              <a:gd name="adj1" fmla="val 20342386"/>
+              <a:gd name="adj2" fmla="val 13481147"/>
+            </a:avLst>
+          </a:prstGeom>
+          <a:solidFill>
+            <a:schemeClr val="bg1"/>
+          </a:solidFill>
+          <a:ln w="19050">
+            <a:solidFill>
+              <a:srgbClr val="7030A0"/>
+            </a:solidFill>
+          </a:ln>
+        </p:spPr>
+        <p:style>
+          <a:lnRef idx="1">
+            <a:schemeClr val="accent1"/>
+          </a:lnRef>
+          <a:fillRef idx="0">
+            <a:schemeClr val="accent1"/>
+          </a:fillRef>
+          <a:effectRef idx="0">
+            <a:schemeClr val="accent1"/>
+          </a:effectRef>
+          <a:fontRef idx="minor">
+            <a:schemeClr val="tx1"/>
+          </a:fontRef>
+        </p:style>
+        <p:txBody>
+          <a:bodyPr rtlCol="0" anchor="ctr"/>
+          <a:lstStyle/>
+          <a:p>
+            <a:pPr algn="ctr"/>
+            <a:endParaRPr lang="fr-FR"/>
+          </a:p>
+        </p:txBody>
+      </p:sp>
+      <p:sp>
+        <p:nvSpPr>
+          <p:cNvPr id="11" name="Ellipse 10"/>
+          <p:cNvSpPr/>
+          <p:nvPr/>
+        </p:nvSpPr>
+        <p:spPr>
+          <a:xfrm>
+            <a:off x="1156996" y="2378270"/>
+            <a:ext cx="144016" cy="144016"/>
+          </a:xfrm>
+          <a:prstGeom prst="ellipse">
+            <a:avLst/>
+          </a:prstGeom>
+          <a:solidFill>
+            <a:schemeClr val="bg1"/>
+          </a:solidFill>
+          <a:ln w="19050">
+            <a:solidFill>
+              <a:srgbClr val="00B050"/>
+            </a:solidFill>
+          </a:ln>
+        </p:spPr>
+        <p:style>
+          <a:lnRef idx="2">
+            <a:schemeClr val="accent1">
+              <a:shade val="50000"/>
+            </a:schemeClr>
+          </a:lnRef>
+          <a:fillRef idx="1">
+            <a:schemeClr val="accent1"/>
+          </a:fillRef>
+          <a:effectRef idx="0">
+            <a:schemeClr val="accent1"/>
+          </a:effectRef>
+          <a:fontRef idx="minor">
+            <a:schemeClr val="lt1"/>
+          </a:fontRef>
+        </p:style>
+        <p:txBody>
+          <a:bodyPr rtlCol="0" anchor="ctr"/>
+          <a:lstStyle/>
+          <a:p>
+            <a:pPr algn="ctr"/>
+            <a:endParaRPr lang="fr-FR"/>
+          </a:p>
+        </p:txBody>
+      </p:sp>
+      <p:sp>
+        <p:nvSpPr>
+          <p:cNvPr id="22" name="Arc 21"/>
+          <p:cNvSpPr/>
+          <p:nvPr/>
+        </p:nvSpPr>
+        <p:spPr>
+          <a:xfrm rot="11700000">
+            <a:off x="875350" y="2589844"/>
+            <a:ext cx="205272" cy="205272"/>
+          </a:xfrm>
+          <a:prstGeom prst="arc">
+            <a:avLst>
+              <a:gd name="adj1" fmla="val 20342386"/>
+              <a:gd name="adj2" fmla="val 13481147"/>
+            </a:avLst>
+          </a:prstGeom>
+          <a:solidFill>
+            <a:schemeClr val="bg1"/>
+          </a:solidFill>
+          <a:ln w="19050">
+            <a:solidFill>
+              <a:srgbClr val="7030A0"/>
+            </a:solidFill>
+          </a:ln>
+        </p:spPr>
+        <p:style>
+          <a:lnRef idx="1">
+            <a:schemeClr val="accent1"/>
+          </a:lnRef>
+          <a:fillRef idx="0">
+            <a:schemeClr val="accent1"/>
+          </a:fillRef>
+          <a:effectRef idx="0">
+            <a:schemeClr val="accent1"/>
+          </a:effectRef>
+          <a:fontRef idx="minor">
+            <a:schemeClr val="tx1"/>
+          </a:fontRef>
+        </p:style>
+        <p:txBody>
+          <a:bodyPr rtlCol="0" anchor="ctr"/>
+          <a:lstStyle/>
+          <a:p>
+            <a:pPr algn="ctr"/>
+            <a:endParaRPr lang="fr-FR"/>
+          </a:p>
+        </p:txBody>
+      </p:sp>
+      <p:sp>
+        <p:nvSpPr>
+          <p:cNvPr id="10" name="Ellipse 9"/>
+          <p:cNvSpPr/>
+          <p:nvPr/>
+        </p:nvSpPr>
+        <p:spPr>
+          <a:xfrm>
+            <a:off x="905976" y="2620470"/>
+            <a:ext cx="144016" cy="144016"/>
+          </a:xfrm>
+          <a:prstGeom prst="ellipse">
+            <a:avLst/>
+          </a:prstGeom>
+          <a:solidFill>
+            <a:schemeClr val="bg1"/>
+          </a:solidFill>
+          <a:ln w="19050">
+            <a:solidFill>
+              <a:schemeClr val="accent5">
+                <a:lumMod val="50000"/>
+              </a:schemeClr>
+            </a:solidFill>
+          </a:ln>
+        </p:spPr>
+        <p:style>
+          <a:lnRef idx="2">
+            <a:schemeClr val="accent1">
+              <a:shade val="50000"/>
+            </a:schemeClr>
+          </a:lnRef>
+          <a:fillRef idx="1">
+            <a:schemeClr val="accent1"/>
+          </a:fillRef>
+          <a:effectRef idx="0">
+            <a:schemeClr val="accent1"/>
+          </a:effectRef>
+          <a:fontRef idx="minor">
+            <a:schemeClr val="lt1"/>
+          </a:fontRef>
+        </p:style>
+        <p:txBody>
+          <a:bodyPr rtlCol="0" anchor="ctr"/>
+          <a:lstStyle/>
+          <a:p>
+            <a:pPr algn="ctr"/>
+            <a:endParaRPr lang="fr-FR"/>
+          </a:p>
+        </p:txBody>
+      </p:sp>
+    </p:spTree>
+    <p:extLst>
+      <p:ext uri="{BB962C8B-B14F-4D97-AF65-F5344CB8AC3E}">
+        <p14:creationId xmlns:p14="http://schemas.microsoft.com/office/powerpoint/2010/main" val="291199366"/>
+      </p:ext>
+    </p:extLst>
+  </p:cSld>
+  <p:clrMapOvr>
+    <a:masterClrMapping/>
+  </p:clrMapOvr>
+</p:sld>
+</file>
+
+<file path=ppt/slides/slide5.xml><?xml version="1.0" encoding="utf-8"?>
+<p:sld xmlns:a="http://schemas.openxmlformats.org/drawingml/2006/main" xmlns:r="http://schemas.openxmlformats.org/officeDocument/2006/relationships" xmlns:p="http://schemas.openxmlformats.org/presentationml/2006/main">
+  <p:cSld>
+    <p:spTree>
+      <p:nvGrpSpPr>
+        <p:cNvPr id="1" name=""/>
+        <p:cNvGrpSpPr/>
+        <p:nvPr/>
+      </p:nvGrpSpPr>
+      <p:grpSpPr>
+        <a:xfrm>
+          <a:off x="0" y="0"/>
+          <a:ext cx="0" cy="0"/>
+          <a:chOff x="0" y="0"/>
+          <a:chExt cx="0" cy="0"/>
+        </a:xfrm>
+      </p:grpSpPr>
+      <p:sp>
+        <p:nvSpPr>
+          <p:cNvPr id="4" name="Rectangle 3"/>
+          <p:cNvSpPr/>
+          <p:nvPr/>
+        </p:nvSpPr>
+        <p:spPr>
+          <a:xfrm>
+            <a:off x="899600" y="1268760"/>
+            <a:ext cx="144000" cy="288032"/>
+          </a:xfrm>
+          <a:prstGeom prst="rect">
+            <a:avLst/>
+          </a:prstGeom>
+          <a:solidFill>
+            <a:schemeClr val="bg1"/>
+          </a:solidFill>
+          <a:ln w="19050">
+            <a:solidFill>
+              <a:schemeClr val="accent5">
+                <a:lumMod val="50000"/>
+              </a:schemeClr>
+            </a:solidFill>
+          </a:ln>
+        </p:spPr>
+        <p:style>
+          <a:lnRef idx="2">
+            <a:schemeClr val="accent1">
+              <a:shade val="50000"/>
+            </a:schemeClr>
+          </a:lnRef>
+          <a:fillRef idx="1">
+            <a:schemeClr val="accent1"/>
+          </a:fillRef>
+          <a:effectRef idx="0">
+            <a:schemeClr val="accent1"/>
+          </a:effectRef>
+          <a:fontRef idx="minor">
+            <a:schemeClr val="lt1"/>
+          </a:fontRef>
+        </p:style>
+        <p:txBody>
+          <a:bodyPr rtlCol="0" anchor="ctr"/>
+          <a:lstStyle/>
+          <a:p>
+            <a:pPr algn="ctr"/>
+            <a:endParaRPr lang="fr-FR"/>
+          </a:p>
+        </p:txBody>
+      </p:sp>
+      <mc:AlternateContent xmlns:mc="http://schemas.openxmlformats.org/markup-compatibility/2006">
+        <mc:Choice xmlns:a14="http://schemas.microsoft.com/office/drawing/2010/main" Requires="a14">
+          <p:sp>
+            <p:nvSpPr>
+              <p:cNvPr id="3" name="Espace réservé du contenu 2"/>
+              <p:cNvSpPr>
+                <a:spLocks noGrp="1"/>
+              </p:cNvSpPr>
+              <p:nvPr>
+                <p:ph idx="1"/>
+              </p:nvPr>
+            </p:nvSpPr>
+            <p:spPr>
+              <a:xfrm>
+                <a:off x="4860032" y="188640"/>
+                <a:ext cx="3826768" cy="6480720"/>
+              </a:xfrm>
+            </p:spPr>
+            <p:txBody>
+              <a:bodyPr>
+                <a:normAutofit fontScale="92500"/>
+              </a:bodyPr>
+              <a:lstStyle/>
+              <a:p>
+                <a14:m>
+                  <m:oMath xmlns:m="http://schemas.openxmlformats.org/officeDocument/2006/math">
+                    <m:sSub>
+                      <m:sSubPr>
+                        <m:ctrlPr>
+                          <a:rPr lang="fr-FR" b="0" i="1" smtClean="0">
+                            <a:latin typeface="Cambria Math"/>
+                          </a:rPr>
+                        </m:ctrlPr>
+                      </m:sSubPr>
+                      <m:e>
+                        <m:r>
+                          <a:rPr lang="fr-FR" b="0" i="1" smtClean="0">
+                            <a:latin typeface="Cambria Math"/>
+                          </a:rPr>
+                          <m:t>𝑚</m:t>
+                        </m:r>
+                      </m:e>
+                      <m:sub>
+                        <m:r>
+                          <a:rPr lang="fr-FR" b="0" i="1" smtClean="0">
+                            <a:latin typeface="Cambria Math"/>
+                          </a:rPr>
+                          <m:t>𝑢</m:t>
+                        </m:r>
+                      </m:sub>
+                    </m:sSub>
+                    <m:r>
+                      <a:rPr lang="fr-FR" b="0" i="0" smtClean="0">
+                        <a:latin typeface="Cambria Math"/>
+                      </a:rPr>
+                      <m:t>=1</m:t>
+                    </m:r>
+                  </m:oMath>
+                </a14:m>
+                <a:endParaRPr lang="fr-FR" b="0" dirty="0" smtClean="0"/>
+              </a:p>
+              <a:p>
+                <a14:m>
+                  <m:oMath xmlns:m="http://schemas.openxmlformats.org/officeDocument/2006/math">
+                    <m:sSub>
+                      <m:sSubPr>
+                        <m:ctrlPr>
+                          <a:rPr lang="fr-FR" i="1">
+                            <a:latin typeface="Cambria Math"/>
+                          </a:rPr>
+                        </m:ctrlPr>
+                      </m:sSubPr>
+                      <m:e>
+                        <m:r>
+                          <a:rPr lang="fr-FR" i="1">
+                            <a:latin typeface="Cambria Math"/>
+                          </a:rPr>
+                          <m:t>𝑚</m:t>
+                        </m:r>
+                      </m:e>
+                      <m:sub>
+                        <m:r>
+                          <a:rPr lang="fr-FR" b="0" i="1" smtClean="0">
+                            <a:latin typeface="Cambria Math"/>
+                          </a:rPr>
+                          <m:t>𝑖</m:t>
+                        </m:r>
+                      </m:sub>
+                    </m:sSub>
+                    <m:r>
+                      <a:rPr lang="fr-FR" b="0" i="1" smtClean="0">
+                        <a:latin typeface="Cambria Math"/>
+                      </a:rPr>
+                      <m:t>=0</m:t>
+                    </m:r>
+                  </m:oMath>
+                </a14:m>
+                <a:endParaRPr lang="fr-FR" dirty="0" smtClean="0"/>
+              </a:p>
+              <a:p>
+                <a:r>
+                  <a:rPr lang="fr-FR" dirty="0" smtClean="0"/>
+                  <a:t>En 3D :</a:t>
+                </a:r>
+                <a:endParaRPr lang="fr-FR" dirty="0"/>
+              </a:p>
+              <a:p>
+                <a:pPr lvl="1"/>
+                <a14:m>
+                  <m:oMath xmlns:m="http://schemas.openxmlformats.org/officeDocument/2006/math">
+                    <m:sSub>
+                      <m:sSubPr>
+                        <m:ctrlPr>
+                          <a:rPr lang="fr-FR" b="0" i="1" smtClean="0">
+                            <a:latin typeface="Cambria Math"/>
+                          </a:rPr>
+                        </m:ctrlPr>
+                      </m:sSubPr>
+                      <m:e>
+                        <m:r>
+                          <a:rPr lang="fr-FR" b="0" i="1" smtClean="0">
+                            <a:latin typeface="Cambria Math"/>
+                          </a:rPr>
+                          <m:t>𝐼</m:t>
+                        </m:r>
+                      </m:e>
+                      <m:sub>
+                        <m:r>
+                          <a:rPr lang="fr-FR" b="0" i="1" smtClean="0">
+                            <a:latin typeface="Cambria Math"/>
+                          </a:rPr>
+                          <m:t>𝑠</m:t>
+                        </m:r>
+                      </m:sub>
+                    </m:sSub>
+                    <m:r>
+                      <a:rPr lang="fr-FR" b="0" i="1" smtClean="0">
+                        <a:latin typeface="Cambria Math"/>
+                      </a:rPr>
+                      <m:t>=4+5+3+5=17</m:t>
+                    </m:r>
+                  </m:oMath>
+                </a14:m>
+                <a:endParaRPr lang="fr-FR" b="0" dirty="0" smtClean="0"/>
+              </a:p>
+              <a:p>
+                <a:pPr lvl="1"/>
+                <a14:m>
+                  <m:oMath xmlns:m="http://schemas.openxmlformats.org/officeDocument/2006/math">
+                    <m:sSub>
+                      <m:sSubPr>
+                        <m:ctrlPr>
+                          <a:rPr lang="fr-FR" b="0" i="1" smtClean="0">
+                            <a:latin typeface="Cambria Math"/>
+                          </a:rPr>
+                        </m:ctrlPr>
+                      </m:sSubPr>
+                      <m:e>
+                        <m:r>
+                          <a:rPr lang="fr-FR" b="0" i="1" smtClean="0">
+                            <a:latin typeface="Cambria Math"/>
+                          </a:rPr>
+                          <m:t>𝐸</m:t>
+                        </m:r>
+                      </m:e>
+                      <m:sub>
+                        <m:r>
+                          <a:rPr lang="fr-FR" b="0" i="1" smtClean="0">
+                            <a:latin typeface="Cambria Math"/>
+                          </a:rPr>
+                          <m:t>𝑠</m:t>
+                        </m:r>
+                      </m:sub>
+                    </m:sSub>
+                    <m:r>
+                      <a:rPr lang="fr-FR" b="0" i="1" smtClean="0">
+                        <a:latin typeface="Cambria Math"/>
+                      </a:rPr>
+                      <m:t>=6⋅3</m:t>
+                    </m:r>
+                    <m:r>
+                      <a:rPr lang="fr-FR" b="0" i="1" smtClean="0">
+                        <a:latin typeface="Cambria Math"/>
+                      </a:rPr>
+                      <m:t>=18</m:t>
+                    </m:r>
+                  </m:oMath>
+                </a14:m>
+                <a:endParaRPr lang="fr-FR" dirty="0" smtClean="0"/>
+              </a:p>
+              <a:p>
+                <a:pPr lvl="1"/>
+                <a14:m>
+                  <m:oMath xmlns:m="http://schemas.openxmlformats.org/officeDocument/2006/math">
+                    <m:r>
+                      <a:rPr lang="fr-FR" b="0" i="1" smtClean="0">
+                        <a:latin typeface="Cambria Math"/>
+                      </a:rPr>
+                      <m:t>h</m:t>
+                    </m:r>
+                    <m:r>
+                      <a:rPr lang="fr-FR" b="0" i="1" smtClean="0">
+                        <a:latin typeface="Cambria Math"/>
+                      </a:rPr>
+                      <m:t>=1−18+17=0</m:t>
+                    </m:r>
+                  </m:oMath>
+                </a14:m>
+                <a:endParaRPr lang="fr-FR" dirty="0" smtClean="0"/>
+              </a:p>
+              <a:p>
+                <a:r>
+                  <a:rPr lang="fr-FR" dirty="0" smtClean="0"/>
+                  <a:t>En 2D :</a:t>
+                </a:r>
+              </a:p>
+              <a:p>
+                <a:pPr lvl="1"/>
+                <a14:m>
+                  <m:oMath xmlns:m="http://schemas.openxmlformats.org/officeDocument/2006/math">
+                    <m:sSub>
+                      <m:sSubPr>
+                        <m:ctrlPr>
+                          <a:rPr lang="fr-FR" i="1">
+                            <a:latin typeface="Cambria Math"/>
+                          </a:rPr>
+                        </m:ctrlPr>
+                      </m:sSubPr>
+                      <m:e>
+                        <m:r>
+                          <a:rPr lang="fr-FR" i="1">
+                            <a:latin typeface="Cambria Math"/>
+                          </a:rPr>
+                          <m:t>𝐼</m:t>
+                        </m:r>
+                      </m:e>
+                      <m:sub>
+                        <m:r>
+                          <a:rPr lang="fr-FR" i="1">
+                            <a:latin typeface="Cambria Math"/>
+                          </a:rPr>
+                          <m:t>𝑠</m:t>
+                        </m:r>
+                      </m:sub>
+                    </m:sSub>
+                    <m:r>
+                      <a:rPr lang="fr-FR" i="1">
+                        <a:latin typeface="Cambria Math"/>
+                      </a:rPr>
+                      <m:t>=</m:t>
+                    </m:r>
+                    <m:r>
+                      <a:rPr lang="fr-FR" b="0" i="1" smtClean="0">
+                        <a:latin typeface="Cambria Math"/>
+                      </a:rPr>
+                      <m:t>2+2+2+2=8</m:t>
+                    </m:r>
+                  </m:oMath>
+                </a14:m>
+                <a:endParaRPr lang="fr-FR" dirty="0"/>
+              </a:p>
+              <a:p>
+                <a:pPr lvl="1"/>
+                <a14:m>
+                  <m:oMath xmlns:m="http://schemas.openxmlformats.org/officeDocument/2006/math">
+                    <m:sSub>
+                      <m:sSubPr>
+                        <m:ctrlPr>
+                          <a:rPr lang="fr-FR" i="1">
+                            <a:latin typeface="Cambria Math"/>
+                          </a:rPr>
+                        </m:ctrlPr>
+                      </m:sSubPr>
+                      <m:e>
+                        <m:r>
+                          <a:rPr lang="fr-FR" i="1">
+                            <a:latin typeface="Cambria Math"/>
+                          </a:rPr>
+                          <m:t>𝐸</m:t>
+                        </m:r>
+                      </m:e>
+                      <m:sub>
+                        <m:r>
+                          <a:rPr lang="fr-FR" i="1">
+                            <a:latin typeface="Cambria Math"/>
+                          </a:rPr>
+                          <m:t>𝑠</m:t>
+                        </m:r>
+                      </m:sub>
+                    </m:sSub>
+                    <m:r>
+                      <a:rPr lang="fr-FR" i="1">
+                        <a:latin typeface="Cambria Math"/>
+                      </a:rPr>
+                      <m:t>=</m:t>
+                    </m:r>
+                    <m:r>
+                      <a:rPr lang="fr-FR" b="0" i="1" smtClean="0">
+                        <a:latin typeface="Cambria Math"/>
+                      </a:rPr>
+                      <m:t>3⋅3</m:t>
+                    </m:r>
+                    <m:r>
+                      <a:rPr lang="fr-FR" b="0" i="1" smtClean="0">
+                        <a:latin typeface="Cambria Math"/>
+                      </a:rPr>
+                      <m:t>=9</m:t>
+                    </m:r>
+                  </m:oMath>
+                </a14:m>
+                <a:endParaRPr lang="fr-FR" dirty="0"/>
+              </a:p>
+              <a:p>
+                <a:pPr lvl="1"/>
+                <a14:m>
+                  <m:oMath xmlns:m="http://schemas.openxmlformats.org/officeDocument/2006/math">
+                    <m:r>
+                      <a:rPr lang="fr-FR" i="1" smtClean="0">
+                        <a:solidFill>
+                          <a:schemeClr val="tx1"/>
+                        </a:solidFill>
+                        <a:latin typeface="Cambria Math"/>
+                      </a:rPr>
+                      <m:t>h</m:t>
+                    </m:r>
+                    <m:r>
+                      <a:rPr lang="fr-FR" i="1" smtClean="0">
+                        <a:solidFill>
+                          <a:schemeClr val="tx1"/>
+                        </a:solidFill>
+                        <a:latin typeface="Cambria Math"/>
+                      </a:rPr>
+                      <m:t>=1−9+</m:t>
+                    </m:r>
+                    <m:r>
+                      <a:rPr lang="fr-FR" b="0" i="1" smtClean="0">
+                        <a:solidFill>
+                          <a:schemeClr val="tx1"/>
+                        </a:solidFill>
+                        <a:latin typeface="Cambria Math"/>
+                      </a:rPr>
+                      <m:t>8=</m:t>
+                    </m:r>
+                    <m:r>
+                      <a:rPr lang="fr-FR" b="0" i="0" smtClean="0">
+                        <a:solidFill>
+                          <a:schemeClr val="tx1"/>
+                        </a:solidFill>
+                        <a:latin typeface="Cambria Math"/>
+                      </a:rPr>
+                      <m:t>0</m:t>
+                    </m:r>
+                  </m:oMath>
+                </a14:m>
+                <a:endParaRPr lang="fr-FR" dirty="0">
+                  <a:solidFill>
+                    <a:schemeClr val="tx1"/>
+                  </a:solidFill>
+                </a:endParaRPr>
+              </a:p>
+              <a:p>
+                <a:endParaRPr lang="fr-FR" dirty="0" smtClean="0"/>
+              </a:p>
+            </p:txBody>
+          </p:sp>
+        </mc:Choice>
+        <mc:Fallback>
+          <p:sp>
+            <p:nvSpPr>
+              <p:cNvPr id="3" name="Espace réservé du contenu 2"/>
+              <p:cNvSpPr>
+                <a:spLocks noGrp="1" noRot="1" noChangeAspect="1" noMove="1" noResize="1" noEditPoints="1" noAdjustHandles="1" noChangeArrowheads="1" noChangeShapeType="1" noTextEdit="1"/>
+              </p:cNvSpPr>
+              <p:nvPr>
+                <p:ph idx="1"/>
+              </p:nvPr>
+            </p:nvSpPr>
+            <p:spPr>
+              <a:xfrm>
+                <a:off x="4860032" y="188640"/>
+                <a:ext cx="3826768" cy="6480720"/>
+              </a:xfrm>
+              <a:blipFill rotWithShape="1">
+                <a:blip r:embed="rId2"/>
+                <a:stretch>
+                  <a:fillRect l="-3185"/>
+                </a:stretch>
+              </a:blipFill>
+            </p:spPr>
+            <p:txBody>
+              <a:bodyPr/>
+              <a:lstStyle/>
+              <a:p>
+                <a:r>
+                  <a:rPr lang="fr-FR">
+                    <a:noFill/>
+                  </a:rPr>
+                  <a:t> </a:t>
+                </a:r>
+              </a:p>
+            </p:txBody>
+          </p:sp>
+        </mc:Fallback>
+      </mc:AlternateContent>
+      <p:cxnSp>
+        <p:nvCxnSpPr>
+          <p:cNvPr id="6" name="Connecteur droit 5"/>
+          <p:cNvCxnSpPr/>
+          <p:nvPr/>
+        </p:nvCxnSpPr>
+        <p:spPr>
+          <a:xfrm>
+            <a:off x="971600" y="1124744"/>
+            <a:ext cx="0" cy="720080"/>
+          </a:xfrm>
+          <a:prstGeom prst="line">
+            <a:avLst/>
+          </a:prstGeom>
+          <a:noFill/>
+          <a:ln w="19050">
+            <a:solidFill>
+              <a:srgbClr val="C00000"/>
+            </a:solidFill>
+          </a:ln>
+        </p:spPr>
+        <p:style>
+          <a:lnRef idx="2">
+            <a:schemeClr val="accent1">
+              <a:shade val="50000"/>
+            </a:schemeClr>
+          </a:lnRef>
+          <a:fillRef idx="1">
+            <a:schemeClr val="accent1"/>
+          </a:fillRef>
+          <a:effectRef idx="0">
+            <a:schemeClr val="accent1"/>
+          </a:effectRef>
+          <a:fontRef idx="minor">
+            <a:schemeClr val="lt1"/>
+          </a:fontRef>
+        </p:style>
+      </p:cxnSp>
+      <p:cxnSp>
+        <p:nvCxnSpPr>
+          <p:cNvPr id="12" name="Connecteur droit 11"/>
+          <p:cNvCxnSpPr/>
+          <p:nvPr/>
+        </p:nvCxnSpPr>
+        <p:spPr>
+          <a:xfrm flipH="1" flipV="1">
+            <a:off x="977985" y="1916833"/>
+            <a:ext cx="251019" cy="533445"/>
+          </a:xfrm>
+          <a:prstGeom prst="line">
+            <a:avLst/>
+          </a:prstGeom>
+          <a:noFill/>
+          <a:ln w="19050">
+            <a:solidFill>
+              <a:srgbClr val="00B050"/>
+            </a:solidFill>
+          </a:ln>
+        </p:spPr>
+        <p:style>
+          <a:lnRef idx="2">
+            <a:schemeClr val="accent1">
+              <a:shade val="50000"/>
+            </a:schemeClr>
+          </a:lnRef>
+          <a:fillRef idx="1">
+            <a:schemeClr val="accent1"/>
+          </a:fillRef>
+          <a:effectRef idx="0">
+            <a:schemeClr val="accent1"/>
+          </a:effectRef>
+          <a:fontRef idx="minor">
+            <a:schemeClr val="lt1"/>
+          </a:fontRef>
+        </p:style>
+      </p:cxnSp>
+      <p:cxnSp>
+        <p:nvCxnSpPr>
+          <p:cNvPr id="19" name="Connecteur droit 18"/>
+          <p:cNvCxnSpPr/>
+          <p:nvPr/>
+        </p:nvCxnSpPr>
+        <p:spPr>
+          <a:xfrm flipV="1">
+            <a:off x="977985" y="2450278"/>
+            <a:ext cx="251019" cy="242201"/>
+          </a:xfrm>
+          <a:prstGeom prst="line">
+            <a:avLst/>
+          </a:prstGeom>
+          <a:noFill/>
+          <a:ln w="19050">
+            <a:solidFill>
+              <a:srgbClr val="7030A0"/>
+            </a:solidFill>
+          </a:ln>
+        </p:spPr>
+        <p:style>
+          <a:lnRef idx="2">
+            <a:schemeClr val="accent1">
+              <a:shade val="50000"/>
+            </a:schemeClr>
+          </a:lnRef>
+          <a:fillRef idx="1">
+            <a:schemeClr val="accent1"/>
+          </a:fillRef>
+          <a:effectRef idx="0">
+            <a:schemeClr val="accent1"/>
+          </a:effectRef>
+          <a:fontRef idx="minor">
+            <a:schemeClr val="lt1"/>
+          </a:fontRef>
+        </p:style>
+      </p:cxnSp>
+      <p:sp>
+        <p:nvSpPr>
+          <p:cNvPr id="9" name="Ellipse 8"/>
+          <p:cNvSpPr/>
+          <p:nvPr/>
+        </p:nvSpPr>
+        <p:spPr>
+          <a:xfrm>
+            <a:off x="899584" y="1844824"/>
+            <a:ext cx="144016" cy="144016"/>
+          </a:xfrm>
+          <a:prstGeom prst="ellipse">
+            <a:avLst/>
+          </a:prstGeom>
+          <a:solidFill>
+            <a:schemeClr val="bg1"/>
+          </a:solidFill>
+          <a:ln w="19050">
+            <a:solidFill>
+              <a:srgbClr val="C00000"/>
+            </a:solidFill>
+          </a:ln>
+        </p:spPr>
+        <p:style>
+          <a:lnRef idx="2">
+            <a:schemeClr val="accent1">
+              <a:shade val="50000"/>
+            </a:schemeClr>
+          </a:lnRef>
+          <a:fillRef idx="1">
+            <a:schemeClr val="accent1"/>
+          </a:fillRef>
+          <a:effectRef idx="0">
+            <a:schemeClr val="accent1"/>
+          </a:effectRef>
+          <a:fontRef idx="minor">
+            <a:schemeClr val="lt1"/>
+          </a:fontRef>
+        </p:style>
+        <p:txBody>
+          <a:bodyPr rtlCol="0" anchor="ctr"/>
+          <a:lstStyle/>
+          <a:p>
+            <a:pPr algn="ctr"/>
+            <a:endParaRPr lang="fr-FR"/>
+          </a:p>
+        </p:txBody>
+      </p:sp>
+      <p:cxnSp>
+        <p:nvCxnSpPr>
+          <p:cNvPr id="30" name="Connecteur droit 29"/>
+          <p:cNvCxnSpPr>
+            <a:stCxn id="10" idx="4"/>
+          </p:cNvCxnSpPr>
+          <p:nvPr/>
+        </p:nvCxnSpPr>
+        <p:spPr>
+          <a:xfrm>
+            <a:off x="977984" y="2764486"/>
+            <a:ext cx="0" cy="152400"/>
+          </a:xfrm>
+          <a:prstGeom prst="line">
+            <a:avLst/>
+          </a:prstGeom>
+          <a:noFill/>
+          <a:ln w="19050">
+            <a:solidFill>
+              <a:schemeClr val="accent5">
+                <a:lumMod val="50000"/>
+              </a:schemeClr>
+            </a:solidFill>
+          </a:ln>
+        </p:spPr>
+        <p:style>
+          <a:lnRef idx="2">
+            <a:schemeClr val="accent1">
+              <a:shade val="50000"/>
+            </a:schemeClr>
+          </a:lnRef>
+          <a:fillRef idx="1">
+            <a:schemeClr val="accent1"/>
+          </a:fillRef>
+          <a:effectRef idx="0">
+            <a:schemeClr val="accent1"/>
+          </a:effectRef>
+          <a:fontRef idx="minor">
+            <a:schemeClr val="lt1"/>
+          </a:fontRef>
+        </p:style>
+      </p:cxnSp>
+      <p:grpSp>
+        <p:nvGrpSpPr>
+          <p:cNvPr id="37" name="Groupe 36"/>
+          <p:cNvGrpSpPr/>
+          <p:nvPr/>
+        </p:nvGrpSpPr>
+        <p:grpSpPr>
+          <a:xfrm>
+            <a:off x="827576" y="2916886"/>
+            <a:ext cx="288032" cy="144002"/>
+            <a:chOff x="959462" y="3564487"/>
+            <a:chExt cx="288032" cy="144002"/>
+          </a:xfrm>
+        </p:grpSpPr>
+        <p:sp>
+          <p:nvSpPr>
+            <p:cNvPr id="36" name="Rectangle 35"/>
+            <p:cNvSpPr/>
+            <p:nvPr/>
+          </p:nvSpPr>
+          <p:spPr>
+            <a:xfrm rot="5400000">
+              <a:off x="1031478" y="3492473"/>
+              <a:ext cx="144000" cy="288032"/>
+            </a:xfrm>
+            <a:prstGeom prst="rect">
+              <a:avLst/>
+            </a:prstGeom>
+            <a:solidFill>
+              <a:schemeClr val="accent5">
+                <a:lumMod val="20000"/>
+                <a:lumOff val="80000"/>
+              </a:schemeClr>
+            </a:solidFill>
+            <a:ln w="19050">
+              <a:noFill/>
+            </a:ln>
+          </p:spPr>
+          <p:style>
+            <a:lnRef idx="2">
+              <a:schemeClr val="accent1">
+                <a:shade val="50000"/>
+              </a:schemeClr>
+            </a:lnRef>
+            <a:fillRef idx="1">
+              <a:schemeClr val="accent1"/>
+            </a:fillRef>
+            <a:effectRef idx="0">
+              <a:schemeClr val="accent1"/>
+            </a:effectRef>
+            <a:fontRef idx="minor">
+              <a:schemeClr val="lt1"/>
+            </a:fontRef>
+          </p:style>
+          <p:txBody>
+            <a:bodyPr rtlCol="0" anchor="ctr"/>
+            <a:lstStyle/>
+            <a:p>
+              <a:pPr algn="ctr"/>
+              <a:endParaRPr lang="fr-FR"/>
+            </a:p>
+          </p:txBody>
+        </p:sp>
+        <p:cxnSp>
+          <p:nvCxnSpPr>
+            <p:cNvPr id="34" name="Connecteur droit 33"/>
+            <p:cNvCxnSpPr/>
+            <p:nvPr/>
+          </p:nvCxnSpPr>
+          <p:spPr>
+            <a:xfrm rot="5400000">
+              <a:off x="1103493" y="3420488"/>
+              <a:ext cx="1" cy="288000"/>
+            </a:xfrm>
+            <a:prstGeom prst="line">
+              <a:avLst/>
+            </a:prstGeom>
+            <a:noFill/>
+            <a:ln w="19050">
+              <a:solidFill>
+                <a:schemeClr val="accent5">
+                  <a:lumMod val="50000"/>
+                </a:schemeClr>
+              </a:solidFill>
+            </a:ln>
+          </p:spPr>
+          <p:style>
+            <a:lnRef idx="2">
+              <a:schemeClr val="accent1">
+                <a:shade val="50000"/>
+              </a:schemeClr>
+            </a:lnRef>
+            <a:fillRef idx="1">
+              <a:schemeClr val="accent1"/>
+            </a:fillRef>
+            <a:effectRef idx="0">
+              <a:schemeClr val="accent1"/>
+            </a:effectRef>
+            <a:fontRef idx="minor">
+              <a:schemeClr val="lt1"/>
+            </a:fontRef>
+          </p:style>
+        </p:cxnSp>
+      </p:grpSp>
+      <p:cxnSp>
+        <p:nvCxnSpPr>
+          <p:cNvPr id="38" name="Connecteur droit 37"/>
+          <p:cNvCxnSpPr/>
+          <p:nvPr/>
+        </p:nvCxnSpPr>
+        <p:spPr>
+          <a:xfrm flipH="1">
+            <a:off x="717980" y="2840686"/>
+            <a:ext cx="260006" cy="0"/>
+          </a:xfrm>
+          <a:prstGeom prst="line">
+            <a:avLst/>
+          </a:prstGeom>
+          <a:noFill/>
+          <a:ln w="19050">
+            <a:solidFill>
+              <a:schemeClr val="accent5">
+                <a:lumMod val="50000"/>
+              </a:schemeClr>
+            </a:solidFill>
+          </a:ln>
+        </p:spPr>
+        <p:style>
+          <a:lnRef idx="2">
+            <a:schemeClr val="accent1">
+              <a:shade val="50000"/>
+            </a:schemeClr>
+          </a:lnRef>
+          <a:fillRef idx="1">
+            <a:schemeClr val="accent1"/>
+          </a:fillRef>
+          <a:effectRef idx="0">
+            <a:schemeClr val="accent1"/>
+          </a:effectRef>
+          <a:fontRef idx="minor">
+            <a:schemeClr val="lt1"/>
+          </a:fontRef>
+        </p:style>
+      </p:cxnSp>
+      <p:cxnSp>
+        <p:nvCxnSpPr>
+          <p:cNvPr id="41" name="Connecteur droit 40"/>
+          <p:cNvCxnSpPr>
+            <a:stCxn id="4" idx="1"/>
+          </p:cNvCxnSpPr>
+          <p:nvPr/>
+        </p:nvCxnSpPr>
+        <p:spPr>
+          <a:xfrm flipH="1">
+            <a:off x="717980" y="1412776"/>
+            <a:ext cx="181620" cy="0"/>
+          </a:xfrm>
+          <a:prstGeom prst="line">
+            <a:avLst/>
+          </a:prstGeom>
+          <a:noFill/>
+          <a:ln w="19050">
+            <a:solidFill>
+              <a:schemeClr val="accent5">
+                <a:lumMod val="50000"/>
+              </a:schemeClr>
+            </a:solidFill>
+          </a:ln>
+        </p:spPr>
+        <p:style>
+          <a:lnRef idx="2">
+            <a:schemeClr val="accent1">
+              <a:shade val="50000"/>
+            </a:schemeClr>
+          </a:lnRef>
+          <a:fillRef idx="1">
+            <a:schemeClr val="accent1"/>
+          </a:fillRef>
+          <a:effectRef idx="0">
+            <a:schemeClr val="accent1"/>
+          </a:effectRef>
+          <a:fontRef idx="minor">
+            <a:schemeClr val="lt1"/>
+          </a:fontRef>
+        </p:style>
+      </p:cxnSp>
+      <p:cxnSp>
+        <p:nvCxnSpPr>
+          <p:cNvPr id="44" name="Connecteur droit 43"/>
+          <p:cNvCxnSpPr/>
+          <p:nvPr/>
+        </p:nvCxnSpPr>
+        <p:spPr>
+          <a:xfrm>
+            <a:off x="717980" y="1412776"/>
+            <a:ext cx="0" cy="1427910"/>
+          </a:xfrm>
+          <a:prstGeom prst="line">
+            <a:avLst/>
+          </a:prstGeom>
+          <a:noFill/>
+          <a:ln w="19050">
+            <a:solidFill>
+              <a:schemeClr val="accent5">
+                <a:lumMod val="50000"/>
+              </a:schemeClr>
+            </a:solidFill>
+          </a:ln>
+        </p:spPr>
+        <p:style>
+          <a:lnRef idx="2">
+            <a:schemeClr val="accent1">
+              <a:shade val="50000"/>
+            </a:schemeClr>
+          </a:lnRef>
+          <a:fillRef idx="1">
+            <a:schemeClr val="accent1"/>
+          </a:fillRef>
+          <a:effectRef idx="0">
+            <a:schemeClr val="accent1"/>
+          </a:effectRef>
+          <a:fontRef idx="minor">
+            <a:schemeClr val="lt1"/>
+          </a:fontRef>
+        </p:style>
+      </p:cxnSp>
+      <p:sp>
+        <p:nvSpPr>
+          <p:cNvPr id="5" name="Arc 4"/>
+          <p:cNvSpPr/>
+          <p:nvPr/>
+        </p:nvSpPr>
+        <p:spPr>
+          <a:xfrm>
+            <a:off x="1126368" y="2347642"/>
+            <a:ext cx="205272" cy="205272"/>
+          </a:xfrm>
+          <a:prstGeom prst="arc">
+            <a:avLst>
+              <a:gd name="adj1" fmla="val 20342386"/>
+              <a:gd name="adj2" fmla="val 13481147"/>
+            </a:avLst>
+          </a:prstGeom>
+          <a:solidFill>
+            <a:schemeClr val="bg1"/>
+          </a:solidFill>
+          <a:ln w="19050">
+            <a:solidFill>
+              <a:srgbClr val="7030A0"/>
+            </a:solidFill>
+          </a:ln>
+        </p:spPr>
+        <p:style>
+          <a:lnRef idx="1">
+            <a:schemeClr val="accent1"/>
+          </a:lnRef>
+          <a:fillRef idx="0">
+            <a:schemeClr val="accent1"/>
+          </a:fillRef>
+          <a:effectRef idx="0">
+            <a:schemeClr val="accent1"/>
+          </a:effectRef>
+          <a:fontRef idx="minor">
+            <a:schemeClr val="tx1"/>
+          </a:fontRef>
+        </p:style>
+        <p:txBody>
+          <a:bodyPr rtlCol="0" anchor="ctr"/>
+          <a:lstStyle/>
+          <a:p>
+            <a:pPr algn="ctr"/>
+            <a:endParaRPr lang="fr-FR"/>
+          </a:p>
+        </p:txBody>
+      </p:sp>
+      <p:sp>
+        <p:nvSpPr>
+          <p:cNvPr id="11" name="Ellipse 10"/>
+          <p:cNvSpPr/>
+          <p:nvPr/>
+        </p:nvSpPr>
+        <p:spPr>
+          <a:xfrm>
+            <a:off x="1156996" y="2378270"/>
+            <a:ext cx="144016" cy="144016"/>
+          </a:xfrm>
+          <a:prstGeom prst="ellipse">
+            <a:avLst/>
+          </a:prstGeom>
+          <a:solidFill>
+            <a:schemeClr val="bg1"/>
+          </a:solidFill>
+          <a:ln w="19050">
+            <a:solidFill>
+              <a:srgbClr val="00B050"/>
+            </a:solidFill>
+          </a:ln>
+        </p:spPr>
+        <p:style>
+          <a:lnRef idx="2">
+            <a:schemeClr val="accent1">
+              <a:shade val="50000"/>
+            </a:schemeClr>
+          </a:lnRef>
+          <a:fillRef idx="1">
+            <a:schemeClr val="accent1"/>
+          </a:fillRef>
+          <a:effectRef idx="0">
+            <a:schemeClr val="accent1"/>
+          </a:effectRef>
+          <a:fontRef idx="minor">
+            <a:schemeClr val="lt1"/>
+          </a:fontRef>
+        </p:style>
+        <p:txBody>
+          <a:bodyPr rtlCol="0" anchor="ctr"/>
+          <a:lstStyle/>
+          <a:p>
+            <a:pPr algn="ctr"/>
+            <a:endParaRPr lang="fr-FR"/>
+          </a:p>
+        </p:txBody>
+      </p:sp>
+      <p:sp>
+        <p:nvSpPr>
+          <p:cNvPr id="10" name="Ellipse 9"/>
+          <p:cNvSpPr/>
+          <p:nvPr/>
+        </p:nvSpPr>
+        <p:spPr>
+          <a:xfrm>
+            <a:off x="905976" y="2620470"/>
+            <a:ext cx="144016" cy="144016"/>
+          </a:xfrm>
+          <a:prstGeom prst="ellipse">
+            <a:avLst/>
+          </a:prstGeom>
+          <a:solidFill>
+            <a:schemeClr val="bg1"/>
+          </a:solidFill>
+          <a:ln w="19050">
+            <a:solidFill>
+              <a:schemeClr val="accent5">
+                <a:lumMod val="50000"/>
+              </a:schemeClr>
+            </a:solidFill>
+          </a:ln>
+        </p:spPr>
+        <p:style>
+          <a:lnRef idx="2">
+            <a:schemeClr val="accent1">
+              <a:shade val="50000"/>
+            </a:schemeClr>
+          </a:lnRef>
+          <a:fillRef idx="1">
+            <a:schemeClr val="accent1"/>
+          </a:fillRef>
+          <a:effectRef idx="0">
+            <a:schemeClr val="accent1"/>
+          </a:effectRef>
+          <a:fontRef idx="minor">
+            <a:schemeClr val="lt1"/>
+          </a:fontRef>
+        </p:style>
+        <p:txBody>
+          <a:bodyPr rtlCol="0" anchor="ctr"/>
+          <a:lstStyle/>
+          <a:p>
+            <a:pPr algn="ctr"/>
+            <a:endParaRPr lang="fr-FR"/>
+          </a:p>
+        </p:txBody>
+      </p:sp>
+    </p:spTree>
+    <p:extLst>
+      <p:ext uri="{BB962C8B-B14F-4D97-AF65-F5344CB8AC3E}">
+        <p14:creationId xmlns:p14="http://schemas.microsoft.com/office/powerpoint/2010/main" val="3083534707"/>
+      </p:ext>
+    </p:extLst>
+  </p:cSld>
+  <p:clrMapOvr>
+    <a:masterClrMapping/>
+  </p:clrMapOvr>
+</p:sld>
+</file>
+
+<file path=ppt/slides/slide6.xml><?xml version="1.0" encoding="utf-8"?>
+<p:sld xmlns:a="http://schemas.openxmlformats.org/drawingml/2006/main" xmlns:r="http://schemas.openxmlformats.org/officeDocument/2006/relationships" xmlns:p="http://schemas.openxmlformats.org/presentationml/2006/main">
+  <p:cSld>
+    <p:spTree>
+      <p:nvGrpSpPr>
+        <p:cNvPr id="1" name=""/>
+        <p:cNvGrpSpPr/>
+        <p:nvPr/>
+      </p:nvGrpSpPr>
+      <p:grpSpPr>
+        <a:xfrm>
+          <a:off x="0" y="0"/>
+          <a:ext cx="0" cy="0"/>
+          <a:chOff x="0" y="0"/>
+          <a:chExt cx="0" cy="0"/>
+        </a:xfrm>
+      </p:grpSpPr>
+      <p:sp>
+        <p:nvSpPr>
+          <p:cNvPr id="4" name="Rectangle 3"/>
+          <p:cNvSpPr/>
+          <p:nvPr/>
+        </p:nvSpPr>
+        <p:spPr>
+          <a:xfrm>
+            <a:off x="899600" y="1268760"/>
+            <a:ext cx="144000" cy="288032"/>
+          </a:xfrm>
+          <a:prstGeom prst="rect">
+            <a:avLst/>
+          </a:prstGeom>
+          <a:solidFill>
+            <a:schemeClr val="bg1"/>
+          </a:solidFill>
+          <a:ln w="19050">
+            <a:solidFill>
+              <a:schemeClr val="accent5">
+                <a:lumMod val="50000"/>
+              </a:schemeClr>
+            </a:solidFill>
+          </a:ln>
+        </p:spPr>
+        <p:style>
+          <a:lnRef idx="2">
+            <a:schemeClr val="accent1">
+              <a:shade val="50000"/>
+            </a:schemeClr>
+          </a:lnRef>
+          <a:fillRef idx="1">
+            <a:schemeClr val="accent1"/>
+          </a:fillRef>
+          <a:effectRef idx="0">
+            <a:schemeClr val="accent1"/>
+          </a:effectRef>
+          <a:fontRef idx="minor">
+            <a:schemeClr val="lt1"/>
+          </a:fontRef>
+        </p:style>
+        <p:txBody>
+          <a:bodyPr rtlCol="0" anchor="ctr"/>
+          <a:lstStyle/>
+          <a:p>
+            <a:pPr algn="ctr"/>
+            <a:endParaRPr lang="fr-FR"/>
+          </a:p>
+        </p:txBody>
+      </p:sp>
+      <mc:AlternateContent xmlns:mc="http://schemas.openxmlformats.org/markup-compatibility/2006" xmlns:a14="http://schemas.microsoft.com/office/drawing/2010/main">
+        <mc:Choice Requires="a14">
+          <p:sp>
+            <p:nvSpPr>
+              <p:cNvPr id="3" name="Espace réservé du contenu 2"/>
+              <p:cNvSpPr>
+                <a:spLocks noGrp="1"/>
+              </p:cNvSpPr>
+              <p:nvPr>
+                <p:ph idx="1"/>
+              </p:nvPr>
+            </p:nvSpPr>
+            <p:spPr>
+              <a:xfrm>
+                <a:off x="4860032" y="188640"/>
+                <a:ext cx="3826768" cy="6480720"/>
+              </a:xfrm>
+            </p:spPr>
+            <p:txBody>
+              <a:bodyPr>
+                <a:normAutofit fontScale="92500"/>
+              </a:bodyPr>
+              <a:lstStyle/>
+              <a:p>
+                <a14:m>
+                  <m:oMath xmlns:m="http://schemas.openxmlformats.org/officeDocument/2006/math">
+                    <m:sSub>
+                      <m:sSubPr>
+                        <m:ctrlPr>
+                          <a:rPr lang="fr-FR" b="0" i="1" smtClean="0">
+                            <a:latin typeface="Cambria Math"/>
+                          </a:rPr>
+                        </m:ctrlPr>
+                      </m:sSubPr>
+                      <m:e>
+                        <m:r>
+                          <a:rPr lang="fr-FR" b="0" i="1" smtClean="0">
+                            <a:latin typeface="Cambria Math"/>
+                          </a:rPr>
+                          <m:t>𝑚</m:t>
+                        </m:r>
+                      </m:e>
+                      <m:sub>
+                        <m:r>
+                          <a:rPr lang="fr-FR" b="0" i="1" smtClean="0">
+                            <a:latin typeface="Cambria Math"/>
+                          </a:rPr>
+                          <m:t>𝑢</m:t>
+                        </m:r>
+                      </m:sub>
+                    </m:sSub>
+                    <m:r>
+                      <a:rPr lang="fr-FR" b="0" i="1" smtClean="0">
+                        <a:latin typeface="Cambria Math"/>
+                      </a:rPr>
+                      <m:t>=1</m:t>
+                    </m:r>
+                  </m:oMath>
+                </a14:m>
+                <a:endParaRPr lang="fr-FR" b="0" dirty="0" smtClean="0"/>
+              </a:p>
+              <a:p>
+                <a14:m>
+                  <m:oMath xmlns:m="http://schemas.openxmlformats.org/officeDocument/2006/math">
+                    <m:sSub>
+                      <m:sSubPr>
+                        <m:ctrlPr>
+                          <a:rPr lang="fr-FR" i="1">
+                            <a:latin typeface="Cambria Math"/>
+                          </a:rPr>
+                        </m:ctrlPr>
+                      </m:sSubPr>
+                      <m:e>
+                        <m:r>
+                          <a:rPr lang="fr-FR" i="1">
+                            <a:latin typeface="Cambria Math"/>
+                          </a:rPr>
+                          <m:t>𝑚</m:t>
+                        </m:r>
+                      </m:e>
+                      <m:sub>
+                        <m:r>
+                          <a:rPr lang="fr-FR" b="0" i="1" smtClean="0">
+                            <a:latin typeface="Cambria Math"/>
+                          </a:rPr>
+                          <m:t>𝑖</m:t>
+                        </m:r>
+                      </m:sub>
+                    </m:sSub>
+                    <m:r>
+                      <a:rPr lang="fr-FR" b="0" i="0" smtClean="0">
+                        <a:latin typeface="Cambria Math"/>
+                      </a:rPr>
+                      <m:t>=0</m:t>
+                    </m:r>
+                  </m:oMath>
+                </a14:m>
+                <a:endParaRPr lang="fr-FR" dirty="0" smtClean="0"/>
+              </a:p>
+              <a:p>
+                <a:r>
+                  <a:rPr lang="fr-FR" dirty="0" smtClean="0"/>
+                  <a:t>En 3D :</a:t>
+                </a:r>
+                <a:endParaRPr lang="fr-FR" dirty="0"/>
+              </a:p>
+              <a:p>
+                <a:pPr lvl="1"/>
+                <a14:m>
+                  <m:oMath xmlns:m="http://schemas.openxmlformats.org/officeDocument/2006/math">
+                    <m:sSub>
+                      <m:sSubPr>
+                        <m:ctrlPr>
+                          <a:rPr lang="fr-FR" b="0" i="1" smtClean="0">
+                            <a:latin typeface="Cambria Math"/>
+                          </a:rPr>
+                        </m:ctrlPr>
+                      </m:sSubPr>
+                      <m:e>
+                        <m:r>
+                          <a:rPr lang="fr-FR" b="0" i="1" smtClean="0">
+                            <a:latin typeface="Cambria Math"/>
+                          </a:rPr>
+                          <m:t>𝐼</m:t>
+                        </m:r>
+                      </m:e>
+                      <m:sub>
+                        <m:r>
+                          <a:rPr lang="fr-FR" b="0" i="1" smtClean="0">
+                            <a:latin typeface="Cambria Math"/>
+                          </a:rPr>
+                          <m:t>𝑠</m:t>
+                        </m:r>
+                      </m:sub>
+                    </m:sSub>
+                    <m:r>
+                      <a:rPr lang="fr-FR" b="0" i="1" smtClean="0">
+                        <a:latin typeface="Cambria Math"/>
+                      </a:rPr>
+                      <m:t>=4+5+5+5=19</m:t>
+                    </m:r>
+                  </m:oMath>
+                </a14:m>
+                <a:endParaRPr lang="fr-FR" b="0" dirty="0" smtClean="0"/>
+              </a:p>
+              <a:p>
+                <a:pPr lvl="1"/>
+                <a14:m>
+                  <m:oMath xmlns:m="http://schemas.openxmlformats.org/officeDocument/2006/math">
+                    <m:sSub>
+                      <m:sSubPr>
+                        <m:ctrlPr>
+                          <a:rPr lang="fr-FR" b="0" i="1" smtClean="0">
+                            <a:latin typeface="Cambria Math"/>
+                          </a:rPr>
+                        </m:ctrlPr>
+                      </m:sSubPr>
+                      <m:e>
+                        <m:r>
+                          <a:rPr lang="fr-FR" b="0" i="1" smtClean="0">
+                            <a:latin typeface="Cambria Math"/>
+                          </a:rPr>
+                          <m:t>𝐸</m:t>
+                        </m:r>
+                      </m:e>
+                      <m:sub>
+                        <m:r>
+                          <a:rPr lang="fr-FR" b="0" i="1" smtClean="0">
+                            <a:latin typeface="Cambria Math"/>
+                          </a:rPr>
+                          <m:t>𝑠</m:t>
+                        </m:r>
+                      </m:sub>
+                    </m:sSub>
+                    <m:r>
+                      <a:rPr lang="fr-FR" b="0" i="1" smtClean="0">
+                        <a:latin typeface="Cambria Math"/>
+                      </a:rPr>
+                      <m:t>=6⋅3=18</m:t>
+                    </m:r>
+                  </m:oMath>
+                </a14:m>
+                <a:endParaRPr lang="fr-FR" dirty="0" smtClean="0"/>
+              </a:p>
+              <a:p>
+                <a:pPr lvl="1"/>
+                <a14:m>
+                  <m:oMath xmlns:m="http://schemas.openxmlformats.org/officeDocument/2006/math">
+                    <m:r>
+                      <a:rPr lang="fr-FR" b="0" i="1" smtClean="0">
+                        <a:latin typeface="Cambria Math"/>
+                      </a:rPr>
+                      <m:t>h</m:t>
+                    </m:r>
+                    <m:r>
+                      <a:rPr lang="fr-FR" b="0" i="1" smtClean="0">
+                        <a:latin typeface="Cambria Math"/>
+                      </a:rPr>
+                      <m:t>=1−18+19=</m:t>
+                    </m:r>
+                    <m:r>
+                      <a:rPr lang="fr-FR" b="0" i="0" smtClean="0">
+                        <a:latin typeface="Cambria Math"/>
+                      </a:rPr>
+                      <m:t>2</m:t>
+                    </m:r>
+                  </m:oMath>
+                </a14:m>
+                <a:endParaRPr lang="fr-FR" dirty="0" smtClean="0"/>
+              </a:p>
+              <a:p>
+                <a:r>
+                  <a:rPr lang="fr-FR" dirty="0" smtClean="0"/>
+                  <a:t>En 2D :</a:t>
+                </a:r>
+              </a:p>
+              <a:p>
+                <a:pPr lvl="1"/>
+                <a14:m>
+                  <m:oMath xmlns:m="http://schemas.openxmlformats.org/officeDocument/2006/math">
+                    <m:sSub>
+                      <m:sSubPr>
+                        <m:ctrlPr>
+                          <a:rPr lang="fr-FR" i="1">
+                            <a:latin typeface="Cambria Math"/>
+                          </a:rPr>
+                        </m:ctrlPr>
+                      </m:sSubPr>
+                      <m:e>
+                        <m:r>
+                          <a:rPr lang="fr-FR" i="1">
+                            <a:latin typeface="Cambria Math"/>
+                          </a:rPr>
+                          <m:t>𝐼</m:t>
+                        </m:r>
+                      </m:e>
+                      <m:sub>
+                        <m:r>
+                          <a:rPr lang="fr-FR" i="1">
+                            <a:latin typeface="Cambria Math"/>
+                          </a:rPr>
+                          <m:t>𝑠</m:t>
+                        </m:r>
+                      </m:sub>
+                    </m:sSub>
+                    <m:r>
+                      <a:rPr lang="fr-FR" i="1">
+                        <a:latin typeface="Cambria Math"/>
+                      </a:rPr>
+                      <m:t>=</m:t>
+                    </m:r>
+                    <m:r>
+                      <a:rPr lang="fr-FR" b="0" i="1" smtClean="0">
+                        <a:latin typeface="Cambria Math"/>
+                      </a:rPr>
+                      <m:t>2+2+2+2=8</m:t>
+                    </m:r>
+                  </m:oMath>
+                </a14:m>
+                <a:endParaRPr lang="fr-FR" dirty="0"/>
+              </a:p>
+              <a:p>
+                <a:pPr lvl="1"/>
+                <a14:m>
+                  <m:oMath xmlns:m="http://schemas.openxmlformats.org/officeDocument/2006/math">
+                    <m:sSub>
+                      <m:sSubPr>
+                        <m:ctrlPr>
+                          <a:rPr lang="fr-FR" i="1">
+                            <a:latin typeface="Cambria Math"/>
+                          </a:rPr>
+                        </m:ctrlPr>
+                      </m:sSubPr>
+                      <m:e>
+                        <m:r>
+                          <a:rPr lang="fr-FR" i="1">
+                            <a:latin typeface="Cambria Math"/>
+                          </a:rPr>
+                          <m:t>𝐸</m:t>
+                        </m:r>
+                      </m:e>
+                      <m:sub>
+                        <m:r>
+                          <a:rPr lang="fr-FR" i="1">
+                            <a:latin typeface="Cambria Math"/>
+                          </a:rPr>
+                          <m:t>𝑠</m:t>
+                        </m:r>
+                      </m:sub>
+                    </m:sSub>
+                    <m:r>
+                      <a:rPr lang="fr-FR" i="1">
+                        <a:latin typeface="Cambria Math"/>
+                      </a:rPr>
+                      <m:t>=</m:t>
+                    </m:r>
+                    <m:r>
+                      <a:rPr lang="fr-FR" b="0" i="1" smtClean="0">
+                        <a:latin typeface="Cambria Math"/>
+                      </a:rPr>
+                      <m:t>3⋅3=9</m:t>
+                    </m:r>
+                  </m:oMath>
+                </a14:m>
+                <a:endParaRPr lang="fr-FR" dirty="0"/>
+              </a:p>
+              <a:p>
+                <a:pPr lvl="1"/>
+                <a14:m>
+                  <m:oMath xmlns:m="http://schemas.openxmlformats.org/officeDocument/2006/math">
+                    <m:r>
+                      <a:rPr lang="fr-FR" i="1">
+                        <a:latin typeface="Cambria Math"/>
+                      </a:rPr>
+                      <m:t>h</m:t>
+                    </m:r>
+                    <m:r>
+                      <a:rPr lang="fr-FR" i="1">
+                        <a:latin typeface="Cambria Math"/>
+                      </a:rPr>
+                      <m:t>=1−9+</m:t>
+                    </m:r>
+                    <m:r>
+                      <a:rPr lang="fr-FR" b="0" i="1" smtClean="0">
+                        <a:latin typeface="Cambria Math"/>
+                      </a:rPr>
+                      <m:t>8=0</m:t>
+                    </m:r>
+                  </m:oMath>
+                </a14:m>
+                <a:endParaRPr lang="fr-FR" dirty="0"/>
+              </a:p>
+              <a:p>
+                <a:endParaRPr lang="fr-FR" dirty="0" smtClean="0"/>
+              </a:p>
+            </p:txBody>
+          </p:sp>
+        </mc:Choice>
+        <mc:Fallback xmlns="">
+          <p:sp>
+            <p:nvSpPr>
+              <p:cNvPr id="3" name="Espace réservé du contenu 2"/>
+              <p:cNvSpPr>
+                <a:spLocks noGrp="1" noRot="1" noChangeAspect="1" noMove="1" noResize="1" noEditPoints="1" noAdjustHandles="1" noChangeArrowheads="1" noChangeShapeType="1" noTextEdit="1"/>
+              </p:cNvSpPr>
+              <p:nvPr>
+                <p:ph idx="1"/>
+              </p:nvPr>
+            </p:nvSpPr>
+            <p:spPr>
+              <a:xfrm>
+                <a:off x="4860032" y="188640"/>
+                <a:ext cx="3826768" cy="6480720"/>
+              </a:xfrm>
+              <a:blipFill rotWithShape="1">
+                <a:blip r:embed="rId2"/>
+                <a:stretch>
+                  <a:fillRect l="-3185"/>
+                </a:stretch>
+              </a:blipFill>
+            </p:spPr>
+            <p:txBody>
+              <a:bodyPr/>
+              <a:lstStyle/>
+              <a:p>
+                <a:r>
+                  <a:rPr lang="fr-FR">
+                    <a:noFill/>
+                  </a:rPr>
+                  <a:t> </a:t>
+                </a:r>
+              </a:p>
+            </p:txBody>
+          </p:sp>
+        </mc:Fallback>
+      </mc:AlternateContent>
+      <p:cxnSp>
+        <p:nvCxnSpPr>
+          <p:cNvPr id="6" name="Connecteur droit 5"/>
+          <p:cNvCxnSpPr/>
+          <p:nvPr/>
+        </p:nvCxnSpPr>
+        <p:spPr>
+          <a:xfrm>
+            <a:off x="971600" y="1124744"/>
+            <a:ext cx="0" cy="720080"/>
+          </a:xfrm>
+          <a:prstGeom prst="line">
+            <a:avLst/>
+          </a:prstGeom>
+          <a:noFill/>
+          <a:ln w="19050">
+            <a:solidFill>
+              <a:srgbClr val="C00000"/>
+            </a:solidFill>
+          </a:ln>
+        </p:spPr>
+        <p:style>
+          <a:lnRef idx="2">
+            <a:schemeClr val="accent1">
+              <a:shade val="50000"/>
+            </a:schemeClr>
+          </a:lnRef>
+          <a:fillRef idx="1">
+            <a:schemeClr val="accent1"/>
+          </a:fillRef>
+          <a:effectRef idx="0">
+            <a:schemeClr val="accent1"/>
+          </a:effectRef>
+          <a:fontRef idx="minor">
+            <a:schemeClr val="lt1"/>
+          </a:fontRef>
+        </p:style>
+      </p:cxnSp>
+      <p:cxnSp>
+        <p:nvCxnSpPr>
+          <p:cNvPr id="12" name="Connecteur droit 11"/>
+          <p:cNvCxnSpPr/>
+          <p:nvPr/>
+        </p:nvCxnSpPr>
+        <p:spPr>
+          <a:xfrm flipH="1" flipV="1">
+            <a:off x="977985" y="1916833"/>
+            <a:ext cx="251019" cy="533445"/>
+          </a:xfrm>
+          <a:prstGeom prst="line">
+            <a:avLst/>
+          </a:prstGeom>
+          <a:noFill/>
+          <a:ln w="19050">
+            <a:solidFill>
+              <a:srgbClr val="00B050"/>
+            </a:solidFill>
+          </a:ln>
+        </p:spPr>
+        <p:style>
+          <a:lnRef idx="2">
+            <a:schemeClr val="accent1">
+              <a:shade val="50000"/>
+            </a:schemeClr>
+          </a:lnRef>
+          <a:fillRef idx="1">
+            <a:schemeClr val="accent1"/>
+          </a:fillRef>
+          <a:effectRef idx="0">
+            <a:schemeClr val="accent1"/>
+          </a:effectRef>
+          <a:fontRef idx="minor">
+            <a:schemeClr val="lt1"/>
+          </a:fontRef>
+        </p:style>
+      </p:cxnSp>
+      <p:cxnSp>
+        <p:nvCxnSpPr>
+          <p:cNvPr id="19" name="Connecteur droit 18"/>
+          <p:cNvCxnSpPr/>
+          <p:nvPr/>
+        </p:nvCxnSpPr>
+        <p:spPr>
+          <a:xfrm flipV="1">
+            <a:off x="977985" y="2450278"/>
+            <a:ext cx="251019" cy="242201"/>
+          </a:xfrm>
+          <a:prstGeom prst="line">
+            <a:avLst/>
+          </a:prstGeom>
+          <a:noFill/>
+          <a:ln w="19050">
+            <a:solidFill>
+              <a:srgbClr val="7030A0"/>
+            </a:solidFill>
+          </a:ln>
+        </p:spPr>
+        <p:style>
+          <a:lnRef idx="2">
+            <a:schemeClr val="accent1">
+              <a:shade val="50000"/>
+            </a:schemeClr>
+          </a:lnRef>
+          <a:fillRef idx="1">
+            <a:schemeClr val="accent1"/>
+          </a:fillRef>
+          <a:effectRef idx="0">
+            <a:schemeClr val="accent1"/>
+          </a:effectRef>
+          <a:fontRef idx="minor">
+            <a:schemeClr val="lt1"/>
+          </a:fontRef>
+        </p:style>
+      </p:cxnSp>
+      <p:sp>
+        <p:nvSpPr>
+          <p:cNvPr id="9" name="Ellipse 8"/>
+          <p:cNvSpPr/>
+          <p:nvPr/>
+        </p:nvSpPr>
+        <p:spPr>
+          <a:xfrm>
+            <a:off x="899584" y="1844824"/>
+            <a:ext cx="144016" cy="144016"/>
+          </a:xfrm>
+          <a:prstGeom prst="ellipse">
+            <a:avLst/>
+          </a:prstGeom>
+          <a:solidFill>
+            <a:schemeClr val="bg1"/>
+          </a:solidFill>
+          <a:ln w="19050">
+            <a:solidFill>
+              <a:srgbClr val="C00000"/>
+            </a:solidFill>
+          </a:ln>
+        </p:spPr>
+        <p:style>
+          <a:lnRef idx="2">
+            <a:schemeClr val="accent1">
+              <a:shade val="50000"/>
+            </a:schemeClr>
+          </a:lnRef>
+          <a:fillRef idx="1">
+            <a:schemeClr val="accent1"/>
+          </a:fillRef>
+          <a:effectRef idx="0">
+            <a:schemeClr val="accent1"/>
+          </a:effectRef>
+          <a:fontRef idx="minor">
+            <a:schemeClr val="lt1"/>
+          </a:fontRef>
+        </p:style>
+        <p:txBody>
+          <a:bodyPr rtlCol="0" anchor="ctr"/>
+          <a:lstStyle/>
+          <a:p>
+            <a:pPr algn="ctr"/>
+            <a:endParaRPr lang="fr-FR"/>
+          </a:p>
+        </p:txBody>
+      </p:sp>
+      <p:cxnSp>
+        <p:nvCxnSpPr>
+          <p:cNvPr id="30" name="Connecteur droit 29"/>
+          <p:cNvCxnSpPr>
+            <a:stCxn id="10" idx="4"/>
+          </p:cNvCxnSpPr>
+          <p:nvPr/>
+        </p:nvCxnSpPr>
+        <p:spPr>
+          <a:xfrm>
+            <a:off x="977984" y="2764486"/>
+            <a:ext cx="0" cy="152400"/>
+          </a:xfrm>
+          <a:prstGeom prst="line">
+            <a:avLst/>
+          </a:prstGeom>
+          <a:noFill/>
+          <a:ln w="19050">
+            <a:solidFill>
+              <a:schemeClr val="accent5">
+                <a:lumMod val="50000"/>
+              </a:schemeClr>
+            </a:solidFill>
+          </a:ln>
+        </p:spPr>
+        <p:style>
+          <a:lnRef idx="2">
+            <a:schemeClr val="accent1">
+              <a:shade val="50000"/>
+            </a:schemeClr>
+          </a:lnRef>
+          <a:fillRef idx="1">
+            <a:schemeClr val="accent1"/>
+          </a:fillRef>
+          <a:effectRef idx="0">
+            <a:schemeClr val="accent1"/>
+          </a:effectRef>
+          <a:fontRef idx="minor">
+            <a:schemeClr val="lt1"/>
+          </a:fontRef>
+        </p:style>
+      </p:cxnSp>
+      <p:grpSp>
+        <p:nvGrpSpPr>
+          <p:cNvPr id="37" name="Groupe 36"/>
+          <p:cNvGrpSpPr/>
+          <p:nvPr/>
+        </p:nvGrpSpPr>
+        <p:grpSpPr>
+          <a:xfrm>
+            <a:off x="827576" y="2916886"/>
+            <a:ext cx="288032" cy="144002"/>
+            <a:chOff x="959462" y="3564487"/>
+            <a:chExt cx="288032" cy="144002"/>
+          </a:xfrm>
+        </p:grpSpPr>
+        <p:sp>
+          <p:nvSpPr>
+            <p:cNvPr id="36" name="Rectangle 35"/>
+            <p:cNvSpPr/>
+            <p:nvPr/>
+          </p:nvSpPr>
+          <p:spPr>
+            <a:xfrm rot="5400000">
+              <a:off x="1031478" y="3492473"/>
+              <a:ext cx="144000" cy="288032"/>
+            </a:xfrm>
+            <a:prstGeom prst="rect">
+              <a:avLst/>
+            </a:prstGeom>
+            <a:solidFill>
+              <a:schemeClr val="accent5">
+                <a:lumMod val="20000"/>
+                <a:lumOff val="80000"/>
+              </a:schemeClr>
+            </a:solidFill>
+            <a:ln w="19050">
+              <a:noFill/>
+            </a:ln>
+          </p:spPr>
+          <p:style>
+            <a:lnRef idx="2">
+              <a:schemeClr val="accent1">
+                <a:shade val="50000"/>
+              </a:schemeClr>
+            </a:lnRef>
+            <a:fillRef idx="1">
+              <a:schemeClr val="accent1"/>
+            </a:fillRef>
+            <a:effectRef idx="0">
+              <a:schemeClr val="accent1"/>
+            </a:effectRef>
+            <a:fontRef idx="minor">
+              <a:schemeClr val="lt1"/>
+            </a:fontRef>
+          </p:style>
+          <p:txBody>
+            <a:bodyPr rtlCol="0" anchor="ctr"/>
+            <a:lstStyle/>
+            <a:p>
+              <a:pPr algn="ctr"/>
+              <a:endParaRPr lang="fr-FR"/>
+            </a:p>
+          </p:txBody>
+        </p:sp>
+        <p:cxnSp>
+          <p:nvCxnSpPr>
+            <p:cNvPr id="34" name="Connecteur droit 33"/>
+            <p:cNvCxnSpPr/>
+            <p:nvPr/>
+          </p:nvCxnSpPr>
+          <p:spPr>
+            <a:xfrm rot="5400000">
+              <a:off x="1103493" y="3420488"/>
+              <a:ext cx="1" cy="288000"/>
+            </a:xfrm>
+            <a:prstGeom prst="line">
+              <a:avLst/>
+            </a:prstGeom>
+            <a:noFill/>
+            <a:ln w="19050">
+              <a:solidFill>
+                <a:schemeClr val="accent5">
+                  <a:lumMod val="50000"/>
+                </a:schemeClr>
+              </a:solidFill>
+            </a:ln>
+          </p:spPr>
+          <p:style>
+            <a:lnRef idx="2">
+              <a:schemeClr val="accent1">
+                <a:shade val="50000"/>
+              </a:schemeClr>
+            </a:lnRef>
+            <a:fillRef idx="1">
+              <a:schemeClr val="accent1"/>
+            </a:fillRef>
+            <a:effectRef idx="0">
+              <a:schemeClr val="accent1"/>
+            </a:effectRef>
+            <a:fontRef idx="minor">
+              <a:schemeClr val="lt1"/>
+            </a:fontRef>
+          </p:style>
+        </p:cxnSp>
+      </p:grpSp>
+      <p:cxnSp>
+        <p:nvCxnSpPr>
+          <p:cNvPr id="38" name="Connecteur droit 37"/>
+          <p:cNvCxnSpPr/>
+          <p:nvPr/>
+        </p:nvCxnSpPr>
+        <p:spPr>
+          <a:xfrm flipH="1">
+            <a:off x="717980" y="2840686"/>
+            <a:ext cx="260006" cy="0"/>
+          </a:xfrm>
+          <a:prstGeom prst="line">
+            <a:avLst/>
+          </a:prstGeom>
+          <a:noFill/>
+          <a:ln w="19050">
+            <a:solidFill>
+              <a:schemeClr val="accent5">
+                <a:lumMod val="50000"/>
+              </a:schemeClr>
+            </a:solidFill>
+          </a:ln>
+        </p:spPr>
+        <p:style>
+          <a:lnRef idx="2">
+            <a:schemeClr val="accent1">
+              <a:shade val="50000"/>
+            </a:schemeClr>
+          </a:lnRef>
+          <a:fillRef idx="1">
+            <a:schemeClr val="accent1"/>
+          </a:fillRef>
+          <a:effectRef idx="0">
+            <a:schemeClr val="accent1"/>
+          </a:effectRef>
+          <a:fontRef idx="minor">
+            <a:schemeClr val="lt1"/>
+          </a:fontRef>
+        </p:style>
+      </p:cxnSp>
+      <p:cxnSp>
+        <p:nvCxnSpPr>
+          <p:cNvPr id="41" name="Connecteur droit 40"/>
+          <p:cNvCxnSpPr>
+            <a:stCxn id="4" idx="1"/>
+          </p:cNvCxnSpPr>
+          <p:nvPr/>
+        </p:nvCxnSpPr>
+        <p:spPr>
+          <a:xfrm flipH="1">
+            <a:off x="717980" y="1412776"/>
+            <a:ext cx="181620" cy="0"/>
+          </a:xfrm>
+          <a:prstGeom prst="line">
+            <a:avLst/>
+          </a:prstGeom>
+          <a:noFill/>
+          <a:ln w="19050">
+            <a:solidFill>
+              <a:schemeClr val="accent5">
+                <a:lumMod val="50000"/>
+              </a:schemeClr>
+            </a:solidFill>
+          </a:ln>
+        </p:spPr>
+        <p:style>
+          <a:lnRef idx="2">
+            <a:schemeClr val="accent1">
+              <a:shade val="50000"/>
+            </a:schemeClr>
+          </a:lnRef>
+          <a:fillRef idx="1">
+            <a:schemeClr val="accent1"/>
+          </a:fillRef>
+          <a:effectRef idx="0">
+            <a:schemeClr val="accent1"/>
+          </a:effectRef>
+          <a:fontRef idx="minor">
+            <a:schemeClr val="lt1"/>
+          </a:fontRef>
+        </p:style>
+      </p:cxnSp>
+      <p:cxnSp>
+        <p:nvCxnSpPr>
+          <p:cNvPr id="44" name="Connecteur droit 43"/>
+          <p:cNvCxnSpPr/>
+          <p:nvPr/>
+        </p:nvCxnSpPr>
+        <p:spPr>
+          <a:xfrm>
+            <a:off x="717980" y="1412776"/>
+            <a:ext cx="0" cy="1427910"/>
+          </a:xfrm>
+          <a:prstGeom prst="line">
+            <a:avLst/>
+          </a:prstGeom>
+          <a:noFill/>
+          <a:ln w="19050">
+            <a:solidFill>
+              <a:schemeClr val="accent5">
+                <a:lumMod val="50000"/>
+              </a:schemeClr>
+            </a:solidFill>
+          </a:ln>
+        </p:spPr>
+        <p:style>
+          <a:lnRef idx="2">
+            <a:schemeClr val="accent1">
+              <a:shade val="50000"/>
+            </a:schemeClr>
+          </a:lnRef>
+          <a:fillRef idx="1">
+            <a:schemeClr val="accent1"/>
+          </a:fillRef>
+          <a:effectRef idx="0">
+            <a:schemeClr val="accent1"/>
+          </a:effectRef>
+          <a:fontRef idx="minor">
+            <a:schemeClr val="lt1"/>
+          </a:fontRef>
+        </p:style>
+      </p:cxnSp>
       <p:sp>
         <p:nvSpPr>
           <p:cNvPr id="11" name="Ellipse 10"/>
@@ -9912,13 +13170,7 @@
                       <a:rPr lang="fr-FR" b="0" i="1" smtClean="0">
                         <a:latin typeface="Cambria Math"/>
                       </a:rPr>
-                      <m:t>=</m:t>
-                    </m:r>
-                    <m:r>
-                      <a:rPr lang="fr-FR" b="0" i="1" smtClean="0">
-                        <a:latin typeface="Cambria Math"/>
-                      </a:rPr>
-                      <m:t>1</m:t>
+                      <m:t>=1</m:t>
                     </m:r>
                   </m:oMath>
                 </a14:m>
@@ -9956,13 +13208,7 @@
                       <a:rPr lang="fr-FR" b="0" i="1" smtClean="0">
                         <a:latin typeface="Cambria Math"/>
                       </a:rPr>
-                      <m:t>=</m:t>
-                    </m:r>
-                    <m:r>
-                      <a:rPr lang="fr-FR" b="0" i="1" smtClean="0">
-                        <a:latin typeface="Cambria Math"/>
-                      </a:rPr>
-                      <m:t>1</m:t>
+                      <m:t>=1</m:t>
                     </m:r>
                   </m:oMath>
                 </a14:m>
@@ -10008,61 +13254,7 @@
                       <a:rPr lang="fr-FR" b="0" i="1" smtClean="0">
                         <a:latin typeface="Cambria Math"/>
                       </a:rPr>
-                      <m:t>=</m:t>
-                    </m:r>
-                    <m:r>
-                      <a:rPr lang="fr-FR" b="0" i="1" smtClean="0">
-                        <a:latin typeface="Cambria Math"/>
-                      </a:rPr>
-                      <m:t>5</m:t>
-                    </m:r>
-                    <m:r>
-                      <a:rPr lang="fr-FR" b="0" i="1" smtClean="0">
-                        <a:latin typeface="Cambria Math"/>
-                      </a:rPr>
-                      <m:t>+</m:t>
-                    </m:r>
-                    <m:r>
-                      <a:rPr lang="fr-FR" b="0" i="1" smtClean="0">
-                        <a:latin typeface="Cambria Math"/>
-                      </a:rPr>
-                      <m:t>5</m:t>
-                    </m:r>
-                    <m:r>
-                      <a:rPr lang="fr-FR" b="0" i="1" smtClean="0">
-                        <a:latin typeface="Cambria Math"/>
-                      </a:rPr>
-                      <m:t>+</m:t>
-                    </m:r>
-                    <m:r>
-                      <a:rPr lang="fr-FR" b="0" i="1" smtClean="0">
-                        <a:latin typeface="Cambria Math"/>
-                      </a:rPr>
-                      <m:t>3</m:t>
-                    </m:r>
-                    <m:r>
-                      <a:rPr lang="fr-FR" b="0" i="1" smtClean="0">
-                        <a:latin typeface="Cambria Math"/>
-                      </a:rPr>
-                      <m:t>+</m:t>
-                    </m:r>
-                    <m:r>
-                      <a:rPr lang="fr-FR" b="0" i="1" smtClean="0">
-                        <a:latin typeface="Cambria Math"/>
-                      </a:rPr>
-                      <m:t>3</m:t>
-                    </m:r>
-                    <m:r>
-                      <a:rPr lang="fr-FR" b="0" i="1" smtClean="0">
-                        <a:latin typeface="Cambria Math"/>
-                      </a:rPr>
-                      <m:t>=</m:t>
-                    </m:r>
-                    <m:r>
-                      <a:rPr lang="fr-FR" b="0" i="1" smtClean="0">
-                        <a:latin typeface="Cambria Math"/>
-                      </a:rPr>
-                      <m:t>16</m:t>
+                      <m:t>=5+5+3+3=16</m:t>
                     </m:r>
                   </m:oMath>
                 </a14:m>
@@ -10101,25 +13293,13 @@
                       <a:rPr lang="fr-FR" b="0" i="1" smtClean="0">
                         <a:latin typeface="Cambria Math"/>
                       </a:rPr>
-                      <m:t>=</m:t>
-                    </m:r>
-                    <m:r>
-                      <a:rPr lang="fr-FR" b="0" i="1" smtClean="0">
-                        <a:latin typeface="Cambria Math"/>
-                      </a:rPr>
-                      <m:t>6</m:t>
-                    </m:r>
-                    <m:r>
-                      <a:rPr lang="fr-FR" b="0" i="1" smtClean="0">
-                        <a:latin typeface="Cambria Math"/>
-                      </a:rPr>
-                      <m:t>⋅</m:t>
-                    </m:r>
-                    <m:r>
-                      <a:rPr lang="fr-FR" b="0" i="1" smtClean="0">
-                        <a:latin typeface="Cambria Math"/>
-                      </a:rPr>
-                      <m:t>3</m:t>
+                      <m:t>=6⋅3</m:t>
+                    </m:r>
+                    <m:r>
+                      <a:rPr lang="fr-FR" i="1">
+                        <a:latin typeface="Cambria Math"/>
+                      </a:rPr>
+                      <m:t>=18</m:t>
                     </m:r>
                   </m:oMath>
                 </a14:m>
@@ -10139,49 +13319,7 @@
                       <a:rPr lang="fr-FR" b="0" i="1" smtClean="0">
                         <a:latin typeface="Cambria Math"/>
                       </a:rPr>
-                      <m:t>=</m:t>
-                    </m:r>
-                    <m:r>
-                      <a:rPr lang="fr-FR" b="0" i="1" smtClean="0">
-                        <a:latin typeface="Cambria Math"/>
-                      </a:rPr>
-                      <m:t>2</m:t>
-                    </m:r>
-                    <m:r>
-                      <a:rPr lang="fr-FR" b="0" i="1" smtClean="0">
-                        <a:latin typeface="Cambria Math"/>
-                      </a:rPr>
-                      <m:t>−</m:t>
-                    </m:r>
-                    <m:r>
-                      <a:rPr lang="fr-FR" b="0" i="1" smtClean="0">
-                        <a:latin typeface="Cambria Math"/>
-                      </a:rPr>
-                      <m:t>18</m:t>
-                    </m:r>
-                    <m:r>
-                      <a:rPr lang="fr-FR" b="0" i="1" smtClean="0">
-                        <a:latin typeface="Cambria Math"/>
-                      </a:rPr>
-                      <m:t>+</m:t>
-                    </m:r>
-                    <m:r>
-                      <a:rPr lang="fr-FR" b="0" i="1" smtClean="0">
-                        <a:latin typeface="Cambria Math"/>
-                      </a:rPr>
-                      <m:t>16</m:t>
-                    </m:r>
-                    <m:r>
-                      <a:rPr lang="fr-FR" b="0" i="1" smtClean="0">
-                        <a:latin typeface="Cambria Math"/>
-                      </a:rPr>
-                      <m:t>=</m:t>
-                    </m:r>
-                    <m:r>
-                      <a:rPr lang="fr-FR" b="0" i="1" smtClean="0">
-                        <a:latin typeface="Cambria Math"/>
-                      </a:rPr>
-                      <m:t>0</m:t>
+                      <m:t>=2−18+16=0</m:t>
                     </m:r>
                   </m:oMath>
                 </a14:m>
@@ -10232,55 +13370,7 @@
                       <a:rPr lang="fr-FR" b="0" i="1" smtClean="0">
                         <a:latin typeface="Cambria Math"/>
                       </a:rPr>
-                      <m:t>2</m:t>
-                    </m:r>
-                    <m:r>
-                      <a:rPr lang="fr-FR" b="0" i="1" smtClean="0">
-                        <a:latin typeface="Cambria Math"/>
-                      </a:rPr>
-                      <m:t>+</m:t>
-                    </m:r>
-                    <m:r>
-                      <a:rPr lang="fr-FR" b="0" i="1" smtClean="0">
-                        <a:latin typeface="Cambria Math"/>
-                      </a:rPr>
-                      <m:t>2</m:t>
-                    </m:r>
-                    <m:r>
-                      <a:rPr lang="fr-FR" b="0" i="1" smtClean="0">
-                        <a:latin typeface="Cambria Math"/>
-                      </a:rPr>
-                      <m:t>+</m:t>
-                    </m:r>
-                    <m:r>
-                      <a:rPr lang="fr-FR" b="0" i="1" smtClean="0">
-                        <a:latin typeface="Cambria Math"/>
-                      </a:rPr>
-                      <m:t>2</m:t>
-                    </m:r>
-                    <m:r>
-                      <a:rPr lang="fr-FR" b="0" i="1" smtClean="0">
-                        <a:latin typeface="Cambria Math"/>
-                      </a:rPr>
-                      <m:t>+</m:t>
-                    </m:r>
-                    <m:r>
-                      <a:rPr lang="fr-FR" b="0" i="1" smtClean="0">
-                        <a:latin typeface="Cambria Math"/>
-                      </a:rPr>
-                      <m:t>2</m:t>
-                    </m:r>
-                    <m:r>
-                      <a:rPr lang="fr-FR" b="0" i="1" smtClean="0">
-                        <a:latin typeface="Cambria Math"/>
-                      </a:rPr>
-                      <m:t>=</m:t>
-                    </m:r>
-                    <m:r>
-                      <a:rPr lang="fr-FR" b="0" i="1" smtClean="0">
-                        <a:latin typeface="Cambria Math"/>
-                      </a:rPr>
-                      <m:t>8</m:t>
+                      <m:t>2+2+2+2=8</m:t>
                     </m:r>
                   </m:oMath>
                 </a14:m>
@@ -10325,31 +13415,7 @@
                       <a:rPr lang="fr-FR" b="0" i="1" smtClean="0">
                         <a:latin typeface="Cambria Math"/>
                       </a:rPr>
-                      <m:t>3</m:t>
-                    </m:r>
-                    <m:r>
-                      <a:rPr lang="fr-FR" b="0" i="1" smtClean="0">
-                        <a:latin typeface="Cambria Math"/>
-                      </a:rPr>
-                      <m:t>⋅</m:t>
-                    </m:r>
-                    <m:r>
-                      <a:rPr lang="fr-FR" b="0" i="1" smtClean="0">
-                        <a:latin typeface="Cambria Math"/>
-                      </a:rPr>
-                      <m:t>3</m:t>
-                    </m:r>
-                    <m:r>
-                      <a:rPr lang="fr-FR" b="0" i="1" smtClean="0">
-                        <a:latin typeface="Cambria Math"/>
-                      </a:rPr>
-                      <m:t>=</m:t>
-                    </m:r>
-                    <m:r>
-                      <a:rPr lang="fr-FR" b="0" i="1" smtClean="0">
-                        <a:latin typeface="Cambria Math"/>
-                      </a:rPr>
-                      <m:t>9</m:t>
+                      <m:t>3⋅3=9</m:t>
                     </m:r>
                   </m:oMath>
                 </a14:m>
@@ -10369,49 +13435,13 @@
                       <a:rPr lang="fr-FR" i="1">
                         <a:latin typeface="Cambria Math"/>
                       </a:rPr>
-                      <m:t>=</m:t>
+                      <m:t>=1−</m:t>
                     </m:r>
                     <m:r>
                       <a:rPr lang="fr-FR" b="0" i="1" smtClean="0">
                         <a:latin typeface="Cambria Math"/>
                       </a:rPr>
-                      <m:t>1</m:t>
-                    </m:r>
-                    <m:r>
-                      <a:rPr lang="fr-FR" b="0" i="1" smtClean="0">
-                        <a:latin typeface="Cambria Math"/>
-                      </a:rPr>
-                      <m:t>−</m:t>
-                    </m:r>
-                    <m:r>
-                      <a:rPr lang="fr-FR" b="0" i="1" smtClean="0">
-                        <a:latin typeface="Cambria Math"/>
-                      </a:rPr>
-                      <m:t>9</m:t>
-                    </m:r>
-                    <m:r>
-                      <a:rPr lang="fr-FR" b="0" i="1" smtClean="0">
-                        <a:latin typeface="Cambria Math"/>
-                      </a:rPr>
-                      <m:t>+</m:t>
-                    </m:r>
-                    <m:r>
-                      <a:rPr lang="fr-FR" b="0" i="1" smtClean="0">
-                        <a:latin typeface="Cambria Math"/>
-                      </a:rPr>
-                      <m:t>8</m:t>
-                    </m:r>
-                    <m:r>
-                      <a:rPr lang="fr-FR" b="0" i="1" smtClean="0">
-                        <a:latin typeface="Cambria Math"/>
-                      </a:rPr>
-                      <m:t>=</m:t>
-                    </m:r>
-                    <m:r>
-                      <a:rPr lang="fr-FR" b="0" i="1" smtClean="0">
-                        <a:latin typeface="Cambria Math"/>
-                      </a:rPr>
-                      <m:t>0</m:t>
+                      <m:t>9+8=0</m:t>
                     </m:r>
                   </m:oMath>
                 </a14:m>
@@ -11186,7 +14216,9 @@
               </a:xfrm>
             </p:spPr>
             <p:txBody>
-              <a:bodyPr/>
+              <a:bodyPr>
+                <a:normAutofit fontScale="92500"/>
+              </a:bodyPr>
               <a:lstStyle/>
               <a:p>
                 <a14:m>
@@ -11304,13 +14336,7 @@
                       <a:rPr lang="fr-FR" b="0" i="1" smtClean="0">
                         <a:latin typeface="Cambria Math"/>
                       </a:rPr>
-                      <m:t>=</m:t>
-                    </m:r>
-                    <m:r>
-                      <a:rPr lang="fr-FR" b="0" i="1" smtClean="0">
-                        <a:latin typeface="Cambria Math"/>
-                      </a:rPr>
-                      <m:t>5+5+5+3=18</m:t>
+                      <m:t>=5+5+5+3=18</m:t>
                     </m:r>
                   </m:oMath>
                 </a14:m>
@@ -11349,13 +14375,25 @@
                       <a:rPr lang="fr-FR" b="0" i="1" smtClean="0">
                         <a:latin typeface="Cambria Math"/>
                       </a:rPr>
-                      <m:t>=</m:t>
+                      <m:t>=6</m:t>
+                    </m:r>
+                    <m:r>
+                      <a:rPr lang="fr-FR" i="1">
+                        <a:latin typeface="Cambria Math"/>
+                      </a:rPr>
+                      <m:t>⋅</m:t>
                     </m:r>
                     <m:r>
                       <a:rPr lang="fr-FR" b="0" i="1" smtClean="0">
                         <a:latin typeface="Cambria Math"/>
                       </a:rPr>
-                      <m:t>6</m:t>
+                      <m:t>3</m:t>
+                    </m:r>
+                    <m:r>
+                      <a:rPr lang="fr-FR" i="1">
+                        <a:latin typeface="Cambria Math"/>
+                      </a:rPr>
+                      <m:t>=18</m:t>
                     </m:r>
                   </m:oMath>
                 </a14:m>
@@ -11375,7 +14413,13 @@
                       <a:rPr lang="fr-FR" b="0" i="1" smtClean="0">
                         <a:latin typeface="Cambria Math"/>
                       </a:rPr>
-                      <m:t>=1−</m:t>
+                      <m:t>=1−18</m:t>
+                    </m:r>
+                    <m:r>
+                      <a:rPr lang="fr-FR" b="0" i="1" smtClean="0">
+                        <a:latin typeface="Cambria Math"/>
+                      </a:rPr>
+                      <m:t>+18=1</m:t>
                     </m:r>
                   </m:oMath>
                 </a14:m>
@@ -11422,6 +14466,12 @@
                       </a:rPr>
                       <m:t>=</m:t>
                     </m:r>
+                    <m:r>
+                      <a:rPr lang="fr-FR" b="0" i="1" smtClean="0">
+                        <a:latin typeface="Cambria Math"/>
+                      </a:rPr>
+                      <m:t>2+2+2+2=8</m:t>
+                    </m:r>
                   </m:oMath>
                 </a14:m>
                 <a:endParaRPr lang="fr-FR" dirty="0"/>
@@ -11461,6 +14511,12 @@
                       </a:rPr>
                       <m:t>=</m:t>
                     </m:r>
+                    <m:r>
+                      <a:rPr lang="fr-FR" b="0" i="1" smtClean="0">
+                        <a:latin typeface="Cambria Math"/>
+                      </a:rPr>
+                      <m:t>9</m:t>
+                    </m:r>
                   </m:oMath>
                 </a14:m>
                 <a:endParaRPr lang="fr-FR" dirty="0"/>
@@ -11479,7 +14535,13 @@
                       <a:rPr lang="fr-FR" i="1">
                         <a:latin typeface="Cambria Math"/>
                       </a:rPr>
-                      <m:t>=</m:t>
+                      <m:t>=1−</m:t>
+                    </m:r>
+                    <m:r>
+                      <a:rPr lang="fr-FR" b="0" i="1" smtClean="0">
+                        <a:latin typeface="Cambria Math"/>
+                      </a:rPr>
+                      <m:t>9+8=0</m:t>
                     </m:r>
                   </m:oMath>
                 </a14:m>
@@ -11510,7 +14572,7 @@
               <a:blipFill rotWithShape="1">
                 <a:blip r:embed="rId2"/>
                 <a:stretch>
-                  <a:fillRect l="-3503"/>
+                  <a:fillRect l="-3185"/>
                 </a:stretch>
               </a:blipFill>
             </p:spPr>
@@ -12186,8 +15248,8 @@
           <a:chExt cx="0" cy="0"/>
         </a:xfrm>
       </p:grpSpPr>
-      <mc:AlternateContent xmlns:mc="http://schemas.openxmlformats.org/markup-compatibility/2006" xmlns:a14="http://schemas.microsoft.com/office/drawing/2010/main">
-        <mc:Choice Requires="a14">
+      <mc:AlternateContent xmlns:mc="http://schemas.openxmlformats.org/markup-compatibility/2006">
+        <mc:Choice xmlns:a14="http://schemas.microsoft.com/office/drawing/2010/main" Requires="a14">
           <p:sp>
             <p:nvSpPr>
               <p:cNvPr id="3" name="Espace réservé du contenu 2"/>
@@ -12205,7 +15267,9 @@
               </a:xfrm>
             </p:spPr>
             <p:txBody>
-              <a:bodyPr/>
+              <a:bodyPr>
+                <a:normAutofit fontScale="92500"/>
+              </a:bodyPr>
               <a:lstStyle/>
               <a:p>
                 <a14:m>
@@ -12235,6 +15299,12 @@
                         </m:r>
                       </m:sub>
                     </m:sSub>
+                    <m:r>
+                      <a:rPr lang="fr-FR" b="0" i="1" smtClean="0">
+                        <a:latin typeface="Cambria Math"/>
+                      </a:rPr>
+                      <m:t>=1</m:t>
+                    </m:r>
                   </m:oMath>
                 </a14:m>
                 <a:endParaRPr lang="fr-FR" b="0" dirty="0" smtClean="0"/>
@@ -12267,6 +15337,12 @@
                         </m:r>
                       </m:sub>
                     </m:sSub>
+                    <m:r>
+                      <a:rPr lang="fr-FR" b="0" i="1" smtClean="0">
+                        <a:latin typeface="Cambria Math"/>
+                      </a:rPr>
+                      <m:t>=0</m:t>
+                    </m:r>
                   </m:oMath>
                 </a14:m>
                 <a:endParaRPr lang="fr-FR" dirty="0" smtClean="0"/>
@@ -12313,6 +15389,12 @@
                       </a:rPr>
                       <m:t>=</m:t>
                     </m:r>
+                    <m:r>
+                      <a:rPr lang="fr-FR" b="0" i="1" smtClean="0">
+                        <a:latin typeface="Cambria Math"/>
+                      </a:rPr>
+                      <m:t>5+5+5+5=20</m:t>
+                    </m:r>
                   </m:oMath>
                 </a14:m>
                 <a:endParaRPr lang="fr-FR" b="0" dirty="0" smtClean="0"/>
@@ -12352,6 +15434,12 @@
                       </a:rPr>
                       <m:t>=</m:t>
                     </m:r>
+                    <m:r>
+                      <a:rPr lang="fr-FR" b="0" i="1" smtClean="0">
+                        <a:latin typeface="Cambria Math"/>
+                      </a:rPr>
+                      <m:t>18</m:t>
+                    </m:r>
                   </m:oMath>
                 </a14:m>
                 <a:endParaRPr lang="fr-FR" dirty="0" smtClean="0"/>
@@ -12370,7 +15458,13 @@
                       <a:rPr lang="fr-FR" b="0" i="1" smtClean="0">
                         <a:latin typeface="Cambria Math"/>
                       </a:rPr>
-                      <m:t>=</m:t>
+                      <m:t>=1−</m:t>
+                    </m:r>
+                    <m:r>
+                      <a:rPr lang="fr-FR" b="0" i="1" smtClean="0">
+                        <a:latin typeface="Cambria Math"/>
+                      </a:rPr>
+                      <m:t>18+20=3</m:t>
                     </m:r>
                   </m:oMath>
                 </a14:m>
@@ -12417,6 +15511,12 @@
                       </a:rPr>
                       <m:t>=</m:t>
                     </m:r>
+                    <m:r>
+                      <a:rPr lang="fr-FR" b="0" i="1" smtClean="0">
+                        <a:latin typeface="Cambria Math"/>
+                      </a:rPr>
+                      <m:t>2+2+2+2=8</m:t>
+                    </m:r>
                   </m:oMath>
                 </a14:m>
                 <a:endParaRPr lang="fr-FR" dirty="0"/>
@@ -12456,6 +15556,12 @@
                       </a:rPr>
                       <m:t>=</m:t>
                     </m:r>
+                    <m:r>
+                      <a:rPr lang="fr-FR" b="0" i="1" smtClean="0">
+                        <a:latin typeface="Cambria Math"/>
+                      </a:rPr>
+                      <m:t>9</m:t>
+                    </m:r>
                   </m:oMath>
                 </a14:m>
                 <a:endParaRPr lang="fr-FR" dirty="0"/>
@@ -12474,7 +15580,13 @@
                       <a:rPr lang="fr-FR" i="1">
                         <a:latin typeface="Cambria Math"/>
                       </a:rPr>
-                      <m:t>=</m:t>
+                      <m:t>=1−</m:t>
+                    </m:r>
+                    <m:r>
+                      <a:rPr lang="fr-FR" b="0" i="1" smtClean="0">
+                        <a:latin typeface="Cambria Math"/>
+                      </a:rPr>
+                      <m:t>9+8=0</m:t>
                     </m:r>
                   </m:oMath>
                 </a14:m>
@@ -12486,7 +15598,7 @@
             </p:txBody>
           </p:sp>
         </mc:Choice>
-        <mc:Fallback xmlns="">
+        <mc:Fallback>
           <p:sp>
             <p:nvSpPr>
               <p:cNvPr id="3" name="Espace réservé du contenu 2"/>
@@ -12505,7 +15617,7 @@
               <a:blipFill rotWithShape="1">
                 <a:blip r:embed="rId2"/>
                 <a:stretch>
-                  <a:fillRect l="-3503"/>
+                  <a:fillRect l="-3185"/>
                 </a:stretch>
               </a:blipFill>
             </p:spPr>

--- a/Chapitre_02_Hyperstatisme/QCM/QCM.pptx
+++ b/Chapitre_02_Hyperstatisme/QCM/QCM.pptx
@@ -299,7 +299,7 @@
           <a:p>
             <a:fld id="{AA309A6D-C09C-4548-B29A-6CF363A7E532}" type="datetimeFigureOut">
               <a:rPr lang="fr-FR" smtClean="0"/>
-              <a:t>13/03/2018</a:t>
+              <a:t>14/03/2018</a:t>
             </a:fld>
             <a:endParaRPr lang="fr-BE"/>
           </a:p>
@@ -464,7 +464,7 @@
           <a:p>
             <a:fld id="{AA309A6D-C09C-4548-B29A-6CF363A7E532}" type="datetimeFigureOut">
               <a:rPr lang="fr-FR" smtClean="0"/>
-              <a:t>13/03/2018</a:t>
+              <a:t>14/03/2018</a:t>
             </a:fld>
             <a:endParaRPr lang="fr-BE"/>
           </a:p>
@@ -639,7 +639,7 @@
           <a:p>
             <a:fld id="{AA309A6D-C09C-4548-B29A-6CF363A7E532}" type="datetimeFigureOut">
               <a:rPr lang="fr-FR" smtClean="0"/>
-              <a:t>13/03/2018</a:t>
+              <a:t>14/03/2018</a:t>
             </a:fld>
             <a:endParaRPr lang="fr-BE"/>
           </a:p>
@@ -804,7 +804,7 @@
           <a:p>
             <a:fld id="{AA309A6D-C09C-4548-B29A-6CF363A7E532}" type="datetimeFigureOut">
               <a:rPr lang="fr-FR" smtClean="0"/>
-              <a:t>13/03/2018</a:t>
+              <a:t>14/03/2018</a:t>
             </a:fld>
             <a:endParaRPr lang="fr-BE"/>
           </a:p>
@@ -1045,7 +1045,7 @@
           <a:p>
             <a:fld id="{AA309A6D-C09C-4548-B29A-6CF363A7E532}" type="datetimeFigureOut">
               <a:rPr lang="fr-FR" smtClean="0"/>
-              <a:t>13/03/2018</a:t>
+              <a:t>14/03/2018</a:t>
             </a:fld>
             <a:endParaRPr lang="fr-BE"/>
           </a:p>
@@ -1328,7 +1328,7 @@
           <a:p>
             <a:fld id="{AA309A6D-C09C-4548-B29A-6CF363A7E532}" type="datetimeFigureOut">
               <a:rPr lang="fr-FR" smtClean="0"/>
-              <a:t>13/03/2018</a:t>
+              <a:t>14/03/2018</a:t>
             </a:fld>
             <a:endParaRPr lang="fr-BE"/>
           </a:p>
@@ -1745,7 +1745,7 @@
           <a:p>
             <a:fld id="{AA309A6D-C09C-4548-B29A-6CF363A7E532}" type="datetimeFigureOut">
               <a:rPr lang="fr-FR" smtClean="0"/>
-              <a:t>13/03/2018</a:t>
+              <a:t>14/03/2018</a:t>
             </a:fld>
             <a:endParaRPr lang="fr-BE"/>
           </a:p>
@@ -1858,7 +1858,7 @@
           <a:p>
             <a:fld id="{AA309A6D-C09C-4548-B29A-6CF363A7E532}" type="datetimeFigureOut">
               <a:rPr lang="fr-FR" smtClean="0"/>
-              <a:t>13/03/2018</a:t>
+              <a:t>14/03/2018</a:t>
             </a:fld>
             <a:endParaRPr lang="fr-BE"/>
           </a:p>
@@ -1948,7 +1948,7 @@
           <a:p>
             <a:fld id="{AA309A6D-C09C-4548-B29A-6CF363A7E532}" type="datetimeFigureOut">
               <a:rPr lang="fr-FR" smtClean="0"/>
-              <a:t>13/03/2018</a:t>
+              <a:t>14/03/2018</a:t>
             </a:fld>
             <a:endParaRPr lang="fr-BE"/>
           </a:p>
@@ -2220,7 +2220,7 @@
           <a:p>
             <a:fld id="{AA309A6D-C09C-4548-B29A-6CF363A7E532}" type="datetimeFigureOut">
               <a:rPr lang="fr-FR" smtClean="0"/>
-              <a:t>13/03/2018</a:t>
+              <a:t>14/03/2018</a:t>
             </a:fld>
             <a:endParaRPr lang="fr-BE"/>
           </a:p>
@@ -2468,7 +2468,7 @@
           <a:p>
             <a:fld id="{AA309A6D-C09C-4548-B29A-6CF363A7E532}" type="datetimeFigureOut">
               <a:rPr lang="fr-FR" smtClean="0"/>
-              <a:t>13/03/2018</a:t>
+              <a:t>14/03/2018</a:t>
             </a:fld>
             <a:endParaRPr lang="fr-BE"/>
           </a:p>
@@ -2676,7 +2676,7 @@
           <a:p>
             <a:fld id="{AA309A6D-C09C-4548-B29A-6CF363A7E532}" type="datetimeFigureOut">
               <a:rPr lang="fr-FR" smtClean="0"/>
-              <a:t>13/03/2018</a:t>
+              <a:t>14/03/2018</a:t>
             </a:fld>
             <a:endParaRPr lang="fr-BE"/>
           </a:p>
@@ -3416,16 +3416,7 @@
                         </a:solidFill>
                         <a:latin typeface="Cambria Math"/>
                       </a:rPr>
-                      <m:t>=0−9+</m:t>
-                    </m:r>
-                    <m:r>
-                      <a:rPr lang="fr-FR" b="0" i="1" smtClean="0">
-                        <a:solidFill>
-                          <a:schemeClr val="tx1"/>
-                        </a:solidFill>
-                        <a:latin typeface="Cambria Math"/>
-                      </a:rPr>
-                      <m:t>9=0</m:t>
+                      <m:t>=0−9+9=0</m:t>
                     </m:r>
                   </m:oMath>
                 </a14:m>
@@ -4181,6 +4172,242 @@
           </a:p>
         </p:txBody>
       </p:sp>
+      <p:sp>
+        <p:nvSpPr>
+          <p:cNvPr id="21" name="Ellipse 20"/>
+          <p:cNvSpPr/>
+          <p:nvPr/>
+        </p:nvSpPr>
+        <p:spPr>
+          <a:xfrm>
+            <a:off x="395536" y="2554072"/>
+            <a:ext cx="251406" cy="251406"/>
+          </a:xfrm>
+          <a:prstGeom prst="ellipse">
+            <a:avLst/>
+          </a:prstGeom>
+          <a:solidFill>
+            <a:schemeClr val="bg1"/>
+          </a:solidFill>
+          <a:ln w="19050">
+            <a:solidFill>
+              <a:schemeClr val="accent5">
+                <a:lumMod val="50000"/>
+              </a:schemeClr>
+            </a:solidFill>
+          </a:ln>
+        </p:spPr>
+        <p:style>
+          <a:lnRef idx="2">
+            <a:schemeClr val="accent1">
+              <a:shade val="50000"/>
+            </a:schemeClr>
+          </a:lnRef>
+          <a:fillRef idx="1">
+            <a:schemeClr val="accent1"/>
+          </a:fillRef>
+          <a:effectRef idx="0">
+            <a:schemeClr val="accent1"/>
+          </a:effectRef>
+          <a:fontRef idx="minor">
+            <a:schemeClr val="lt1"/>
+          </a:fontRef>
+        </p:style>
+        <p:txBody>
+          <a:bodyPr rtlCol="0" anchor="ctr"/>
+          <a:lstStyle/>
+          <a:p>
+            <a:pPr algn="ctr"/>
+            <a:r>
+              <a:rPr lang="fr-FR" sz="1200" b="1" dirty="0" smtClean="0">
+                <a:solidFill>
+                  <a:schemeClr val="accent5">
+                    <a:lumMod val="50000"/>
+                  </a:schemeClr>
+                </a:solidFill>
+              </a:rPr>
+              <a:t>0</a:t>
+            </a:r>
+            <a:endParaRPr lang="fr-FR" sz="1200" b="1" dirty="0">
+              <a:solidFill>
+                <a:schemeClr val="accent5">
+                  <a:lumMod val="50000"/>
+                </a:schemeClr>
+              </a:solidFill>
+            </a:endParaRPr>
+          </a:p>
+        </p:txBody>
+      </p:sp>
+      <p:sp>
+        <p:nvSpPr>
+          <p:cNvPr id="23" name="Ellipse 22"/>
+          <p:cNvSpPr/>
+          <p:nvPr/>
+        </p:nvSpPr>
+        <p:spPr>
+          <a:xfrm>
+            <a:off x="1128356" y="2605550"/>
+            <a:ext cx="251406" cy="251406"/>
+          </a:xfrm>
+          <a:prstGeom prst="ellipse">
+            <a:avLst/>
+          </a:prstGeom>
+          <a:solidFill>
+            <a:schemeClr val="bg1"/>
+          </a:solidFill>
+          <a:ln w="19050">
+            <a:solidFill>
+              <a:srgbClr val="7030A0"/>
+            </a:solidFill>
+          </a:ln>
+        </p:spPr>
+        <p:style>
+          <a:lnRef idx="2">
+            <a:schemeClr val="accent1">
+              <a:shade val="50000"/>
+            </a:schemeClr>
+          </a:lnRef>
+          <a:fillRef idx="1">
+            <a:schemeClr val="accent1"/>
+          </a:fillRef>
+          <a:effectRef idx="0">
+            <a:schemeClr val="accent1"/>
+          </a:effectRef>
+          <a:fontRef idx="minor">
+            <a:schemeClr val="lt1"/>
+          </a:fontRef>
+        </p:style>
+        <p:txBody>
+          <a:bodyPr rtlCol="0" anchor="ctr"/>
+          <a:lstStyle/>
+          <a:p>
+            <a:pPr algn="ctr"/>
+            <a:r>
+              <a:rPr lang="fr-FR" sz="1200" b="1" dirty="0">
+                <a:solidFill>
+                  <a:srgbClr val="7030A0"/>
+                </a:solidFill>
+              </a:rPr>
+              <a:t>1</a:t>
+            </a:r>
+          </a:p>
+        </p:txBody>
+      </p:sp>
+      <p:sp>
+        <p:nvSpPr>
+          <p:cNvPr id="24" name="Ellipse 23"/>
+          <p:cNvSpPr/>
+          <p:nvPr/>
+        </p:nvSpPr>
+        <p:spPr>
+          <a:xfrm>
+            <a:off x="1136152" y="2001028"/>
+            <a:ext cx="251406" cy="251406"/>
+          </a:xfrm>
+          <a:prstGeom prst="ellipse">
+            <a:avLst/>
+          </a:prstGeom>
+          <a:solidFill>
+            <a:schemeClr val="bg1"/>
+          </a:solidFill>
+          <a:ln w="19050">
+            <a:solidFill>
+              <a:srgbClr val="00B050"/>
+            </a:solidFill>
+          </a:ln>
+        </p:spPr>
+        <p:style>
+          <a:lnRef idx="2">
+            <a:schemeClr val="accent1">
+              <a:shade val="50000"/>
+            </a:schemeClr>
+          </a:lnRef>
+          <a:fillRef idx="1">
+            <a:schemeClr val="accent1"/>
+          </a:fillRef>
+          <a:effectRef idx="0">
+            <a:schemeClr val="accent1"/>
+          </a:effectRef>
+          <a:fontRef idx="minor">
+            <a:schemeClr val="lt1"/>
+          </a:fontRef>
+        </p:style>
+        <p:txBody>
+          <a:bodyPr rtlCol="0" anchor="ctr"/>
+          <a:lstStyle/>
+          <a:p>
+            <a:pPr algn="ctr"/>
+            <a:r>
+              <a:rPr lang="fr-FR" sz="1200" b="1" dirty="0">
+                <a:solidFill>
+                  <a:srgbClr val="00B050"/>
+                </a:solidFill>
+              </a:rPr>
+              <a:t>2</a:t>
+            </a:r>
+          </a:p>
+        </p:txBody>
+      </p:sp>
+      <p:sp>
+        <p:nvSpPr>
+          <p:cNvPr id="25" name="Ellipse 24"/>
+          <p:cNvSpPr/>
+          <p:nvPr/>
+        </p:nvSpPr>
+        <p:spPr>
+          <a:xfrm>
+            <a:off x="1136152" y="1305386"/>
+            <a:ext cx="251406" cy="251406"/>
+          </a:xfrm>
+          <a:prstGeom prst="ellipse">
+            <a:avLst/>
+          </a:prstGeom>
+          <a:solidFill>
+            <a:schemeClr val="bg1"/>
+          </a:solidFill>
+          <a:ln w="19050">
+            <a:solidFill>
+              <a:srgbClr val="C00000"/>
+            </a:solidFill>
+          </a:ln>
+        </p:spPr>
+        <p:style>
+          <a:lnRef idx="2">
+            <a:schemeClr val="accent1">
+              <a:shade val="50000"/>
+            </a:schemeClr>
+          </a:lnRef>
+          <a:fillRef idx="1">
+            <a:schemeClr val="accent1"/>
+          </a:fillRef>
+          <a:effectRef idx="0">
+            <a:schemeClr val="accent1"/>
+          </a:effectRef>
+          <a:fontRef idx="minor">
+            <a:schemeClr val="lt1"/>
+          </a:fontRef>
+        </p:style>
+        <p:txBody>
+          <a:bodyPr rtlCol="0" anchor="ctr"/>
+          <a:lstStyle/>
+          <a:p>
+            <a:pPr algn="ctr"/>
+            <a:r>
+              <a:rPr lang="fr-FR" sz="1200" b="1" dirty="0" smtClean="0">
+                <a:solidFill>
+                  <a:srgbClr val="C00000"/>
+                </a:solidFill>
+              </a:rPr>
+              <a:t>3</a:t>
+            </a:r>
+            <a:endParaRPr lang="fr-FR" sz="1200" b="1" dirty="0">
+              <a:solidFill>
+                <a:srgbClr val="C00000"/>
+              </a:solidFill>
+            </a:endParaRPr>
+          </a:p>
+        </p:txBody>
+      </p:sp>
     </p:spTree>
     <p:extLst>
       <p:ext uri="{BB962C8B-B14F-4D97-AF65-F5344CB8AC3E}">
@@ -4348,8 +4575,8 @@
           </a:p>
         </p:txBody>
       </p:sp>
-      <mc:AlternateContent xmlns:mc="http://schemas.openxmlformats.org/markup-compatibility/2006">
-        <mc:Choice xmlns:a14="http://schemas.microsoft.com/office/drawing/2010/main" Requires="a14">
+      <mc:AlternateContent xmlns:mc="http://schemas.openxmlformats.org/markup-compatibility/2006" xmlns:a14="http://schemas.microsoft.com/office/drawing/2010/main">
+        <mc:Choice Requires="a14">
           <p:sp>
             <p:nvSpPr>
               <p:cNvPr id="3" name="Espace réservé du contenu 2"/>
@@ -4441,13 +4668,7 @@
                       <a:rPr lang="fr-FR" b="0" i="1" smtClean="0">
                         <a:latin typeface="Cambria Math"/>
                       </a:rPr>
-                      <m:t>=</m:t>
-                    </m:r>
-                    <m:r>
-                      <a:rPr lang="fr-FR" b="0" i="1" smtClean="0">
-                        <a:latin typeface="Cambria Math"/>
-                      </a:rPr>
-                      <m:t>2</m:t>
+                      <m:t>=2</m:t>
                     </m:r>
                   </m:oMath>
                 </a14:m>
@@ -4493,37 +4714,7 @@
                       <a:rPr lang="fr-FR" b="0" i="1" smtClean="0">
                         <a:latin typeface="Cambria Math"/>
                       </a:rPr>
-                      <m:t>=4+</m:t>
-                    </m:r>
-                    <m:r>
-                      <a:rPr lang="fr-FR" b="0" i="1" smtClean="0">
-                        <a:latin typeface="Cambria Math"/>
-                      </a:rPr>
-                      <m:t>3</m:t>
-                    </m:r>
-                    <m:r>
-                      <a:rPr lang="fr-FR" b="0" i="1" smtClean="0">
-                        <a:latin typeface="Cambria Math"/>
-                      </a:rPr>
-                      <m:t>+</m:t>
-                    </m:r>
-                    <m:r>
-                      <a:rPr lang="fr-FR" b="0" i="1" smtClean="0">
-                        <a:latin typeface="Cambria Math"/>
-                      </a:rPr>
-                      <m:t>5</m:t>
-                    </m:r>
-                    <m:r>
-                      <a:rPr lang="fr-FR" b="0" i="1" smtClean="0">
-                        <a:latin typeface="Cambria Math"/>
-                      </a:rPr>
-                      <m:t>+3</m:t>
-                    </m:r>
-                    <m:r>
-                      <a:rPr lang="fr-FR" b="0" i="1" smtClean="0">
-                        <a:latin typeface="Cambria Math"/>
-                      </a:rPr>
-                      <m:t>=15</m:t>
+                      <m:t>=4+3+5+3=15</m:t>
                     </m:r>
                   </m:oMath>
                 </a14:m>
@@ -4582,13 +4773,7 @@
                       <a:rPr lang="fr-FR" b="0" i="1" smtClean="0">
                         <a:latin typeface="Cambria Math"/>
                       </a:rPr>
-                      <m:t>=3−</m:t>
-                    </m:r>
-                    <m:r>
-                      <a:rPr lang="fr-FR" b="0" i="1" smtClean="0">
-                        <a:latin typeface="Cambria Math"/>
-                      </a:rPr>
-                      <m:t>18+15=</m:t>
+                      <m:t>=3−18+15=</m:t>
                     </m:r>
                     <m:r>
                       <a:rPr lang="fr-FR" b="0" i="0" smtClean="0">
@@ -4716,16 +4901,7 @@
                         </a:solidFill>
                         <a:latin typeface="Cambria Math"/>
                       </a:rPr>
-                      <m:t>=1−</m:t>
-                    </m:r>
-                    <m:r>
-                      <a:rPr lang="fr-FR" b="0" i="1" smtClean="0">
-                        <a:solidFill>
-                          <a:schemeClr val="tx1"/>
-                        </a:solidFill>
-                        <a:latin typeface="Cambria Math"/>
-                      </a:rPr>
-                      <m:t>9+8=</m:t>
+                      <m:t>=1−9+8=</m:t>
                     </m:r>
                     <m:r>
                       <a:rPr lang="fr-FR" b="0" i="0" smtClean="0">
@@ -4750,7 +4926,7 @@
             </p:txBody>
           </p:sp>
         </mc:Choice>
-        <mc:Fallback>
+        <mc:Fallback xmlns="">
           <p:sp>
             <p:nvSpPr>
               <p:cNvPr id="3" name="Espace réservé du contenu 2"/>
@@ -5327,6 +5503,242 @@
           </a:p>
         </p:txBody>
       </p:sp>
+      <p:sp>
+        <p:nvSpPr>
+          <p:cNvPr id="20" name="Ellipse 19"/>
+          <p:cNvSpPr/>
+          <p:nvPr/>
+        </p:nvSpPr>
+        <p:spPr>
+          <a:xfrm>
+            <a:off x="395536" y="2554072"/>
+            <a:ext cx="251406" cy="251406"/>
+          </a:xfrm>
+          <a:prstGeom prst="ellipse">
+            <a:avLst/>
+          </a:prstGeom>
+          <a:solidFill>
+            <a:schemeClr val="bg1"/>
+          </a:solidFill>
+          <a:ln w="19050">
+            <a:solidFill>
+              <a:schemeClr val="accent5">
+                <a:lumMod val="50000"/>
+              </a:schemeClr>
+            </a:solidFill>
+          </a:ln>
+        </p:spPr>
+        <p:style>
+          <a:lnRef idx="2">
+            <a:schemeClr val="accent1">
+              <a:shade val="50000"/>
+            </a:schemeClr>
+          </a:lnRef>
+          <a:fillRef idx="1">
+            <a:schemeClr val="accent1"/>
+          </a:fillRef>
+          <a:effectRef idx="0">
+            <a:schemeClr val="accent1"/>
+          </a:effectRef>
+          <a:fontRef idx="minor">
+            <a:schemeClr val="lt1"/>
+          </a:fontRef>
+        </p:style>
+        <p:txBody>
+          <a:bodyPr rtlCol="0" anchor="ctr"/>
+          <a:lstStyle/>
+          <a:p>
+            <a:pPr algn="ctr"/>
+            <a:r>
+              <a:rPr lang="fr-FR" sz="1200" b="1" dirty="0" smtClean="0">
+                <a:solidFill>
+                  <a:schemeClr val="accent5">
+                    <a:lumMod val="50000"/>
+                  </a:schemeClr>
+                </a:solidFill>
+              </a:rPr>
+              <a:t>0</a:t>
+            </a:r>
+            <a:endParaRPr lang="fr-FR" sz="1200" b="1" dirty="0">
+              <a:solidFill>
+                <a:schemeClr val="accent5">
+                  <a:lumMod val="50000"/>
+                </a:schemeClr>
+              </a:solidFill>
+            </a:endParaRPr>
+          </a:p>
+        </p:txBody>
+      </p:sp>
+      <p:sp>
+        <p:nvSpPr>
+          <p:cNvPr id="21" name="Ellipse 20"/>
+          <p:cNvSpPr/>
+          <p:nvPr/>
+        </p:nvSpPr>
+        <p:spPr>
+          <a:xfrm>
+            <a:off x="1128356" y="2605550"/>
+            <a:ext cx="251406" cy="251406"/>
+          </a:xfrm>
+          <a:prstGeom prst="ellipse">
+            <a:avLst/>
+          </a:prstGeom>
+          <a:solidFill>
+            <a:schemeClr val="bg1"/>
+          </a:solidFill>
+          <a:ln w="19050">
+            <a:solidFill>
+              <a:srgbClr val="7030A0"/>
+            </a:solidFill>
+          </a:ln>
+        </p:spPr>
+        <p:style>
+          <a:lnRef idx="2">
+            <a:schemeClr val="accent1">
+              <a:shade val="50000"/>
+            </a:schemeClr>
+          </a:lnRef>
+          <a:fillRef idx="1">
+            <a:schemeClr val="accent1"/>
+          </a:fillRef>
+          <a:effectRef idx="0">
+            <a:schemeClr val="accent1"/>
+          </a:effectRef>
+          <a:fontRef idx="minor">
+            <a:schemeClr val="lt1"/>
+          </a:fontRef>
+        </p:style>
+        <p:txBody>
+          <a:bodyPr rtlCol="0" anchor="ctr"/>
+          <a:lstStyle/>
+          <a:p>
+            <a:pPr algn="ctr"/>
+            <a:r>
+              <a:rPr lang="fr-FR" sz="1200" b="1" dirty="0">
+                <a:solidFill>
+                  <a:srgbClr val="7030A0"/>
+                </a:solidFill>
+              </a:rPr>
+              <a:t>1</a:t>
+            </a:r>
+          </a:p>
+        </p:txBody>
+      </p:sp>
+      <p:sp>
+        <p:nvSpPr>
+          <p:cNvPr id="23" name="Ellipse 22"/>
+          <p:cNvSpPr/>
+          <p:nvPr/>
+        </p:nvSpPr>
+        <p:spPr>
+          <a:xfrm>
+            <a:off x="1136152" y="2001028"/>
+            <a:ext cx="251406" cy="251406"/>
+          </a:xfrm>
+          <a:prstGeom prst="ellipse">
+            <a:avLst/>
+          </a:prstGeom>
+          <a:solidFill>
+            <a:schemeClr val="bg1"/>
+          </a:solidFill>
+          <a:ln w="19050">
+            <a:solidFill>
+              <a:srgbClr val="00B050"/>
+            </a:solidFill>
+          </a:ln>
+        </p:spPr>
+        <p:style>
+          <a:lnRef idx="2">
+            <a:schemeClr val="accent1">
+              <a:shade val="50000"/>
+            </a:schemeClr>
+          </a:lnRef>
+          <a:fillRef idx="1">
+            <a:schemeClr val="accent1"/>
+          </a:fillRef>
+          <a:effectRef idx="0">
+            <a:schemeClr val="accent1"/>
+          </a:effectRef>
+          <a:fontRef idx="minor">
+            <a:schemeClr val="lt1"/>
+          </a:fontRef>
+        </p:style>
+        <p:txBody>
+          <a:bodyPr rtlCol="0" anchor="ctr"/>
+          <a:lstStyle/>
+          <a:p>
+            <a:pPr algn="ctr"/>
+            <a:r>
+              <a:rPr lang="fr-FR" sz="1200" b="1" dirty="0">
+                <a:solidFill>
+                  <a:srgbClr val="00B050"/>
+                </a:solidFill>
+              </a:rPr>
+              <a:t>2</a:t>
+            </a:r>
+          </a:p>
+        </p:txBody>
+      </p:sp>
+      <p:sp>
+        <p:nvSpPr>
+          <p:cNvPr id="24" name="Ellipse 23"/>
+          <p:cNvSpPr/>
+          <p:nvPr/>
+        </p:nvSpPr>
+        <p:spPr>
+          <a:xfrm>
+            <a:off x="1136152" y="1305386"/>
+            <a:ext cx="251406" cy="251406"/>
+          </a:xfrm>
+          <a:prstGeom prst="ellipse">
+            <a:avLst/>
+          </a:prstGeom>
+          <a:solidFill>
+            <a:schemeClr val="bg1"/>
+          </a:solidFill>
+          <a:ln w="19050">
+            <a:solidFill>
+              <a:srgbClr val="C00000"/>
+            </a:solidFill>
+          </a:ln>
+        </p:spPr>
+        <p:style>
+          <a:lnRef idx="2">
+            <a:schemeClr val="accent1">
+              <a:shade val="50000"/>
+            </a:schemeClr>
+          </a:lnRef>
+          <a:fillRef idx="1">
+            <a:schemeClr val="accent1"/>
+          </a:fillRef>
+          <a:effectRef idx="0">
+            <a:schemeClr val="accent1"/>
+          </a:effectRef>
+          <a:fontRef idx="minor">
+            <a:schemeClr val="lt1"/>
+          </a:fontRef>
+        </p:style>
+        <p:txBody>
+          <a:bodyPr rtlCol="0" anchor="ctr"/>
+          <a:lstStyle/>
+          <a:p>
+            <a:pPr algn="ctr"/>
+            <a:r>
+              <a:rPr lang="fr-FR" sz="1200" b="1" dirty="0" smtClean="0">
+                <a:solidFill>
+                  <a:srgbClr val="C00000"/>
+                </a:solidFill>
+              </a:rPr>
+              <a:t>3</a:t>
+            </a:r>
+            <a:endParaRPr lang="fr-FR" sz="1200" b="1" dirty="0">
+              <a:solidFill>
+                <a:srgbClr val="C00000"/>
+              </a:solidFill>
+            </a:endParaRPr>
+          </a:p>
+        </p:txBody>
+      </p:sp>
     </p:spTree>
     <p:extLst>
       <p:ext uri="{BB962C8B-B14F-4D97-AF65-F5344CB8AC3E}">
@@ -5549,13 +5961,7 @@
                       <a:rPr lang="fr-FR" b="0" i="1" smtClean="0">
                         <a:latin typeface="Cambria Math"/>
                       </a:rPr>
-                      <m:t>=</m:t>
-                    </m:r>
-                    <m:r>
-                      <a:rPr lang="fr-FR" b="0" i="1" smtClean="0">
-                        <a:latin typeface="Cambria Math"/>
-                      </a:rPr>
-                      <m:t>0</m:t>
+                      <m:t>=0</m:t>
                     </m:r>
                   </m:oMath>
                 </a14:m>
@@ -5599,7 +6005,7 @@
                       <a:rPr lang="fr-FR" b="0" i="1" smtClean="0">
                         <a:latin typeface="Cambria Math"/>
                       </a:rPr>
-                      <m:t>1</m:t>
+                      <m:t>2</m:t>
                     </m:r>
                   </m:oMath>
                 </a14:m>
@@ -5645,49 +6051,7 @@
                       <a:rPr lang="fr-FR" b="0" i="1" smtClean="0">
                         <a:latin typeface="Cambria Math"/>
                       </a:rPr>
-                      <m:t>=</m:t>
-                    </m:r>
-                    <m:r>
-                      <a:rPr lang="fr-FR" b="0" i="1" smtClean="0">
-                        <a:latin typeface="Cambria Math"/>
-                      </a:rPr>
-                      <m:t>5</m:t>
-                    </m:r>
-                    <m:r>
-                      <a:rPr lang="fr-FR" b="0" i="1" smtClean="0">
-                        <a:latin typeface="Cambria Math"/>
-                      </a:rPr>
-                      <m:t>+</m:t>
-                    </m:r>
-                    <m:r>
-                      <a:rPr lang="fr-FR" b="0" i="1" smtClean="0">
-                        <a:latin typeface="Cambria Math"/>
-                      </a:rPr>
-                      <m:t>3</m:t>
-                    </m:r>
-                    <m:r>
-                      <a:rPr lang="fr-FR" b="0" i="1" smtClean="0">
-                        <a:latin typeface="Cambria Math"/>
-                      </a:rPr>
-                      <m:t>+</m:t>
-                    </m:r>
-                    <m:r>
-                      <a:rPr lang="fr-FR" b="0" i="1" smtClean="0">
-                        <a:latin typeface="Cambria Math"/>
-                      </a:rPr>
-                      <m:t>5</m:t>
-                    </m:r>
-                    <m:r>
-                      <a:rPr lang="fr-FR" b="0" i="1" smtClean="0">
-                        <a:latin typeface="Cambria Math"/>
-                      </a:rPr>
-                      <m:t>+3</m:t>
-                    </m:r>
-                    <m:r>
-                      <a:rPr lang="fr-FR" b="0" i="1" smtClean="0">
-                        <a:latin typeface="Cambria Math"/>
-                      </a:rPr>
-                      <m:t>=1</m:t>
+                      <m:t>=5+3+5+3=1</m:t>
                     </m:r>
                   </m:oMath>
                 </a14:m>
@@ -5695,7 +6059,6 @@
                   <a:rPr lang="fr-FR" b="0" dirty="0" smtClean="0"/>
                   <a:t>6</a:t>
                 </a:r>
-                <a:endParaRPr lang="fr-FR" b="0" dirty="0" smtClean="0"/>
               </a:p>
               <a:p>
                 <a:pPr lvl="1"/>
@@ -5750,7 +6113,7 @@
                       <a:rPr lang="fr-FR" b="0" i="1" smtClean="0">
                         <a:latin typeface="Cambria Math"/>
                       </a:rPr>
-                      <m:t>=3−</m:t>
+                      <m:t>=2−</m:t>
                     </m:r>
                     <m:r>
                       <a:rPr lang="fr-FR" b="0" i="1" smtClean="0">
@@ -5762,7 +6125,7 @@
                       <a:rPr lang="fr-FR" b="0" i="0" smtClean="0">
                         <a:latin typeface="Cambria Math"/>
                       </a:rPr>
-                      <m:t>1</m:t>
+                      <m:t>0</m:t>
                     </m:r>
                   </m:oMath>
                 </a14:m>
@@ -5813,13 +6176,7 @@
                       <a:rPr lang="fr-FR" b="0" i="1" smtClean="0">
                         <a:latin typeface="Cambria Math"/>
                       </a:rPr>
-                      <m:t>3</m:t>
-                    </m:r>
-                    <m:r>
-                      <a:rPr lang="fr-FR" b="0" i="1" smtClean="0">
-                        <a:latin typeface="Cambria Math"/>
-                      </a:rPr>
-                      <m:t>+2+2+2=</m:t>
+                      <m:t>3+2+2+2=</m:t>
                     </m:r>
                     <m:r>
                       <a:rPr lang="fr-FR" b="0" i="0" smtClean="0">
@@ -5896,16 +6253,7 @@
                         </a:solidFill>
                         <a:latin typeface="Cambria Math"/>
                       </a:rPr>
-                      <m:t>=0−</m:t>
-                    </m:r>
-                    <m:r>
-                      <a:rPr lang="fr-FR" b="0" i="1" smtClean="0">
-                        <a:solidFill>
-                          <a:schemeClr val="tx1"/>
-                        </a:solidFill>
-                        <a:latin typeface="Cambria Math"/>
-                      </a:rPr>
-                      <m:t>9+9=</m:t>
+                      <m:t>=0−9+9=</m:t>
                     </m:r>
                     <m:r>
                       <a:rPr lang="fr-FR" b="0" i="0" smtClean="0">
@@ -6587,6 +6935,242 @@
           </a:fontRef>
         </p:style>
       </p:cxnSp>
+      <p:sp>
+        <p:nvSpPr>
+          <p:cNvPr id="23" name="Ellipse 22"/>
+          <p:cNvSpPr/>
+          <p:nvPr/>
+        </p:nvSpPr>
+        <p:spPr>
+          <a:xfrm>
+            <a:off x="395536" y="2554072"/>
+            <a:ext cx="251406" cy="251406"/>
+          </a:xfrm>
+          <a:prstGeom prst="ellipse">
+            <a:avLst/>
+          </a:prstGeom>
+          <a:solidFill>
+            <a:schemeClr val="bg1"/>
+          </a:solidFill>
+          <a:ln w="19050">
+            <a:solidFill>
+              <a:schemeClr val="accent5">
+                <a:lumMod val="50000"/>
+              </a:schemeClr>
+            </a:solidFill>
+          </a:ln>
+        </p:spPr>
+        <p:style>
+          <a:lnRef idx="2">
+            <a:schemeClr val="accent1">
+              <a:shade val="50000"/>
+            </a:schemeClr>
+          </a:lnRef>
+          <a:fillRef idx="1">
+            <a:schemeClr val="accent1"/>
+          </a:fillRef>
+          <a:effectRef idx="0">
+            <a:schemeClr val="accent1"/>
+          </a:effectRef>
+          <a:fontRef idx="minor">
+            <a:schemeClr val="lt1"/>
+          </a:fontRef>
+        </p:style>
+        <p:txBody>
+          <a:bodyPr rtlCol="0" anchor="ctr"/>
+          <a:lstStyle/>
+          <a:p>
+            <a:pPr algn="ctr"/>
+            <a:r>
+              <a:rPr lang="fr-FR" sz="1200" b="1" dirty="0" smtClean="0">
+                <a:solidFill>
+                  <a:schemeClr val="accent5">
+                    <a:lumMod val="50000"/>
+                  </a:schemeClr>
+                </a:solidFill>
+              </a:rPr>
+              <a:t>0</a:t>
+            </a:r>
+            <a:endParaRPr lang="fr-FR" sz="1200" b="1" dirty="0">
+              <a:solidFill>
+                <a:schemeClr val="accent5">
+                  <a:lumMod val="50000"/>
+                </a:schemeClr>
+              </a:solidFill>
+            </a:endParaRPr>
+          </a:p>
+        </p:txBody>
+      </p:sp>
+      <p:sp>
+        <p:nvSpPr>
+          <p:cNvPr id="24" name="Ellipse 23"/>
+          <p:cNvSpPr/>
+          <p:nvPr/>
+        </p:nvSpPr>
+        <p:spPr>
+          <a:xfrm>
+            <a:off x="1128356" y="2605550"/>
+            <a:ext cx="251406" cy="251406"/>
+          </a:xfrm>
+          <a:prstGeom prst="ellipse">
+            <a:avLst/>
+          </a:prstGeom>
+          <a:solidFill>
+            <a:schemeClr val="bg1"/>
+          </a:solidFill>
+          <a:ln w="19050">
+            <a:solidFill>
+              <a:srgbClr val="7030A0"/>
+            </a:solidFill>
+          </a:ln>
+        </p:spPr>
+        <p:style>
+          <a:lnRef idx="2">
+            <a:schemeClr val="accent1">
+              <a:shade val="50000"/>
+            </a:schemeClr>
+          </a:lnRef>
+          <a:fillRef idx="1">
+            <a:schemeClr val="accent1"/>
+          </a:fillRef>
+          <a:effectRef idx="0">
+            <a:schemeClr val="accent1"/>
+          </a:effectRef>
+          <a:fontRef idx="minor">
+            <a:schemeClr val="lt1"/>
+          </a:fontRef>
+        </p:style>
+        <p:txBody>
+          <a:bodyPr rtlCol="0" anchor="ctr"/>
+          <a:lstStyle/>
+          <a:p>
+            <a:pPr algn="ctr"/>
+            <a:r>
+              <a:rPr lang="fr-FR" sz="1200" b="1" dirty="0">
+                <a:solidFill>
+                  <a:srgbClr val="7030A0"/>
+                </a:solidFill>
+              </a:rPr>
+              <a:t>1</a:t>
+            </a:r>
+          </a:p>
+        </p:txBody>
+      </p:sp>
+      <p:sp>
+        <p:nvSpPr>
+          <p:cNvPr id="25" name="Ellipse 24"/>
+          <p:cNvSpPr/>
+          <p:nvPr/>
+        </p:nvSpPr>
+        <p:spPr>
+          <a:xfrm>
+            <a:off x="1136152" y="2001028"/>
+            <a:ext cx="251406" cy="251406"/>
+          </a:xfrm>
+          <a:prstGeom prst="ellipse">
+            <a:avLst/>
+          </a:prstGeom>
+          <a:solidFill>
+            <a:schemeClr val="bg1"/>
+          </a:solidFill>
+          <a:ln w="19050">
+            <a:solidFill>
+              <a:srgbClr val="00B050"/>
+            </a:solidFill>
+          </a:ln>
+        </p:spPr>
+        <p:style>
+          <a:lnRef idx="2">
+            <a:schemeClr val="accent1">
+              <a:shade val="50000"/>
+            </a:schemeClr>
+          </a:lnRef>
+          <a:fillRef idx="1">
+            <a:schemeClr val="accent1"/>
+          </a:fillRef>
+          <a:effectRef idx="0">
+            <a:schemeClr val="accent1"/>
+          </a:effectRef>
+          <a:fontRef idx="minor">
+            <a:schemeClr val="lt1"/>
+          </a:fontRef>
+        </p:style>
+        <p:txBody>
+          <a:bodyPr rtlCol="0" anchor="ctr"/>
+          <a:lstStyle/>
+          <a:p>
+            <a:pPr algn="ctr"/>
+            <a:r>
+              <a:rPr lang="fr-FR" sz="1200" b="1" dirty="0">
+                <a:solidFill>
+                  <a:srgbClr val="00B050"/>
+                </a:solidFill>
+              </a:rPr>
+              <a:t>2</a:t>
+            </a:r>
+          </a:p>
+        </p:txBody>
+      </p:sp>
+      <p:sp>
+        <p:nvSpPr>
+          <p:cNvPr id="26" name="Ellipse 25"/>
+          <p:cNvSpPr/>
+          <p:nvPr/>
+        </p:nvSpPr>
+        <p:spPr>
+          <a:xfrm>
+            <a:off x="1136152" y="1305386"/>
+            <a:ext cx="251406" cy="251406"/>
+          </a:xfrm>
+          <a:prstGeom prst="ellipse">
+            <a:avLst/>
+          </a:prstGeom>
+          <a:solidFill>
+            <a:schemeClr val="bg1"/>
+          </a:solidFill>
+          <a:ln w="19050">
+            <a:solidFill>
+              <a:srgbClr val="C00000"/>
+            </a:solidFill>
+          </a:ln>
+        </p:spPr>
+        <p:style>
+          <a:lnRef idx="2">
+            <a:schemeClr val="accent1">
+              <a:shade val="50000"/>
+            </a:schemeClr>
+          </a:lnRef>
+          <a:fillRef idx="1">
+            <a:schemeClr val="accent1"/>
+          </a:fillRef>
+          <a:effectRef idx="0">
+            <a:schemeClr val="accent1"/>
+          </a:effectRef>
+          <a:fontRef idx="minor">
+            <a:schemeClr val="lt1"/>
+          </a:fontRef>
+        </p:style>
+        <p:txBody>
+          <a:bodyPr rtlCol="0" anchor="ctr"/>
+          <a:lstStyle/>
+          <a:p>
+            <a:pPr algn="ctr"/>
+            <a:r>
+              <a:rPr lang="fr-FR" sz="1200" b="1" dirty="0" smtClean="0">
+                <a:solidFill>
+                  <a:srgbClr val="C00000"/>
+                </a:solidFill>
+              </a:rPr>
+              <a:t>3</a:t>
+            </a:r>
+            <a:endParaRPr lang="fr-FR" sz="1200" b="1" dirty="0">
+              <a:solidFill>
+                <a:srgbClr val="C00000"/>
+              </a:solidFill>
+            </a:endParaRPr>
+          </a:p>
+        </p:txBody>
+      </p:sp>
     </p:spTree>
     <p:extLst>
       <p:ext uri="{BB962C8B-B14F-4D97-AF65-F5344CB8AC3E}">
@@ -6704,8 +7288,8 @@
           </a:p>
         </p:txBody>
       </p:sp>
-      <mc:AlternateContent xmlns:mc="http://schemas.openxmlformats.org/markup-compatibility/2006">
-        <mc:Choice xmlns:a14="http://schemas.microsoft.com/office/drawing/2010/main" Requires="a14">
+      <mc:AlternateContent xmlns:mc="http://schemas.openxmlformats.org/markup-compatibility/2006" xmlns:a14="http://schemas.microsoft.com/office/drawing/2010/main">
+        <mc:Choice Requires="a14">
           <p:sp>
             <p:nvSpPr>
               <p:cNvPr id="3" name="Espace réservé du contenu 2"/>
@@ -6797,13 +7381,7 @@
                       <a:rPr lang="fr-FR" b="0" i="1" smtClean="0">
                         <a:latin typeface="Cambria Math"/>
                       </a:rPr>
-                      <m:t>=</m:t>
-                    </m:r>
-                    <m:r>
-                      <a:rPr lang="fr-FR" b="0" i="1" smtClean="0">
-                        <a:latin typeface="Cambria Math"/>
-                      </a:rPr>
-                      <m:t>1</m:t>
+                      <m:t>=1</m:t>
                     </m:r>
                   </m:oMath>
                 </a14:m>
@@ -6849,49 +7427,7 @@
                       <a:rPr lang="fr-FR" b="0" i="1" smtClean="0">
                         <a:latin typeface="Cambria Math"/>
                       </a:rPr>
-                      <m:t>=</m:t>
-                    </m:r>
-                    <m:r>
-                      <a:rPr lang="fr-FR" b="0" i="1" smtClean="0">
-                        <a:latin typeface="Cambria Math"/>
-                      </a:rPr>
-                      <m:t>5</m:t>
-                    </m:r>
-                    <m:r>
-                      <a:rPr lang="fr-FR" b="0" i="1" smtClean="0">
-                        <a:latin typeface="Cambria Math"/>
-                      </a:rPr>
-                      <m:t>+</m:t>
-                    </m:r>
-                    <m:r>
-                      <a:rPr lang="fr-FR" b="0" i="1" smtClean="0">
-                        <a:latin typeface="Cambria Math"/>
-                      </a:rPr>
-                      <m:t>3</m:t>
-                    </m:r>
-                    <m:r>
-                      <a:rPr lang="fr-FR" b="0" i="1" smtClean="0">
-                        <a:latin typeface="Cambria Math"/>
-                      </a:rPr>
-                      <m:t>+</m:t>
-                    </m:r>
-                    <m:r>
-                      <a:rPr lang="fr-FR" b="0" i="1" smtClean="0">
-                        <a:latin typeface="Cambria Math"/>
-                      </a:rPr>
-                      <m:t>5</m:t>
-                    </m:r>
-                    <m:r>
-                      <a:rPr lang="fr-FR" b="0" i="1" smtClean="0">
-                        <a:latin typeface="Cambria Math"/>
-                      </a:rPr>
-                      <m:t>+3</m:t>
-                    </m:r>
-                    <m:r>
-                      <a:rPr lang="fr-FR" b="0" i="1" smtClean="0">
-                        <a:latin typeface="Cambria Math"/>
-                      </a:rPr>
-                      <m:t>=16</m:t>
+                      <m:t>=5+3+5+3=16</m:t>
                     </m:r>
                   </m:oMath>
                 </a14:m>
@@ -6950,13 +7486,7 @@
                       <a:rPr lang="fr-FR" b="0" i="1" smtClean="0">
                         <a:latin typeface="Cambria Math"/>
                       </a:rPr>
-                      <m:t>=2−</m:t>
-                    </m:r>
-                    <m:r>
-                      <a:rPr lang="fr-FR" b="0" i="1" smtClean="0">
-                        <a:latin typeface="Cambria Math"/>
-                      </a:rPr>
-                      <m:t>18+16=</m:t>
+                      <m:t>=2−18+16=</m:t>
                     </m:r>
                     <m:r>
                       <a:rPr lang="fr-FR" b="0" i="0" smtClean="0">
@@ -7084,16 +7614,7 @@
                         </a:solidFill>
                         <a:latin typeface="Cambria Math"/>
                       </a:rPr>
-                      <m:t>=1−</m:t>
-                    </m:r>
-                    <m:r>
-                      <a:rPr lang="fr-FR" b="0" i="1" smtClean="0">
-                        <a:solidFill>
-                          <a:schemeClr val="tx1"/>
-                        </a:solidFill>
-                        <a:latin typeface="Cambria Math"/>
-                      </a:rPr>
-                      <m:t>9+8=</m:t>
+                      <m:t>=1−9+8=</m:t>
                     </m:r>
                     <m:r>
                       <a:rPr lang="fr-FR" b="0" i="0" smtClean="0">
@@ -7118,7 +7639,7 @@
             </p:txBody>
           </p:sp>
         </mc:Choice>
-        <mc:Fallback>
+        <mc:Fallback xmlns="">
           <p:sp>
             <p:nvSpPr>
               <p:cNvPr id="3" name="Espace réservé du contenu 2"/>
@@ -7745,6 +8266,242 @@
           </a:p>
         </p:txBody>
       </p:sp>
+      <p:sp>
+        <p:nvSpPr>
+          <p:cNvPr id="20" name="Ellipse 19"/>
+          <p:cNvSpPr/>
+          <p:nvPr/>
+        </p:nvSpPr>
+        <p:spPr>
+          <a:xfrm>
+            <a:off x="395536" y="2554072"/>
+            <a:ext cx="251406" cy="251406"/>
+          </a:xfrm>
+          <a:prstGeom prst="ellipse">
+            <a:avLst/>
+          </a:prstGeom>
+          <a:solidFill>
+            <a:schemeClr val="bg1"/>
+          </a:solidFill>
+          <a:ln w="19050">
+            <a:solidFill>
+              <a:schemeClr val="accent5">
+                <a:lumMod val="50000"/>
+              </a:schemeClr>
+            </a:solidFill>
+          </a:ln>
+        </p:spPr>
+        <p:style>
+          <a:lnRef idx="2">
+            <a:schemeClr val="accent1">
+              <a:shade val="50000"/>
+            </a:schemeClr>
+          </a:lnRef>
+          <a:fillRef idx="1">
+            <a:schemeClr val="accent1"/>
+          </a:fillRef>
+          <a:effectRef idx="0">
+            <a:schemeClr val="accent1"/>
+          </a:effectRef>
+          <a:fontRef idx="minor">
+            <a:schemeClr val="lt1"/>
+          </a:fontRef>
+        </p:style>
+        <p:txBody>
+          <a:bodyPr rtlCol="0" anchor="ctr"/>
+          <a:lstStyle/>
+          <a:p>
+            <a:pPr algn="ctr"/>
+            <a:r>
+              <a:rPr lang="fr-FR" sz="1200" b="1" dirty="0" smtClean="0">
+                <a:solidFill>
+                  <a:schemeClr val="accent5">
+                    <a:lumMod val="50000"/>
+                  </a:schemeClr>
+                </a:solidFill>
+              </a:rPr>
+              <a:t>0</a:t>
+            </a:r>
+            <a:endParaRPr lang="fr-FR" sz="1200" b="1" dirty="0">
+              <a:solidFill>
+                <a:schemeClr val="accent5">
+                  <a:lumMod val="50000"/>
+                </a:schemeClr>
+              </a:solidFill>
+            </a:endParaRPr>
+          </a:p>
+        </p:txBody>
+      </p:sp>
+      <p:sp>
+        <p:nvSpPr>
+          <p:cNvPr id="21" name="Ellipse 20"/>
+          <p:cNvSpPr/>
+          <p:nvPr/>
+        </p:nvSpPr>
+        <p:spPr>
+          <a:xfrm>
+            <a:off x="1128356" y="2605550"/>
+            <a:ext cx="251406" cy="251406"/>
+          </a:xfrm>
+          <a:prstGeom prst="ellipse">
+            <a:avLst/>
+          </a:prstGeom>
+          <a:solidFill>
+            <a:schemeClr val="bg1"/>
+          </a:solidFill>
+          <a:ln w="19050">
+            <a:solidFill>
+              <a:srgbClr val="7030A0"/>
+            </a:solidFill>
+          </a:ln>
+        </p:spPr>
+        <p:style>
+          <a:lnRef idx="2">
+            <a:schemeClr val="accent1">
+              <a:shade val="50000"/>
+            </a:schemeClr>
+          </a:lnRef>
+          <a:fillRef idx="1">
+            <a:schemeClr val="accent1"/>
+          </a:fillRef>
+          <a:effectRef idx="0">
+            <a:schemeClr val="accent1"/>
+          </a:effectRef>
+          <a:fontRef idx="minor">
+            <a:schemeClr val="lt1"/>
+          </a:fontRef>
+        </p:style>
+        <p:txBody>
+          <a:bodyPr rtlCol="0" anchor="ctr"/>
+          <a:lstStyle/>
+          <a:p>
+            <a:pPr algn="ctr"/>
+            <a:r>
+              <a:rPr lang="fr-FR" sz="1200" b="1" dirty="0">
+                <a:solidFill>
+                  <a:srgbClr val="7030A0"/>
+                </a:solidFill>
+              </a:rPr>
+              <a:t>1</a:t>
+            </a:r>
+          </a:p>
+        </p:txBody>
+      </p:sp>
+      <p:sp>
+        <p:nvSpPr>
+          <p:cNvPr id="23" name="Ellipse 22"/>
+          <p:cNvSpPr/>
+          <p:nvPr/>
+        </p:nvSpPr>
+        <p:spPr>
+          <a:xfrm>
+            <a:off x="1136152" y="2001028"/>
+            <a:ext cx="251406" cy="251406"/>
+          </a:xfrm>
+          <a:prstGeom prst="ellipse">
+            <a:avLst/>
+          </a:prstGeom>
+          <a:solidFill>
+            <a:schemeClr val="bg1"/>
+          </a:solidFill>
+          <a:ln w="19050">
+            <a:solidFill>
+              <a:srgbClr val="00B050"/>
+            </a:solidFill>
+          </a:ln>
+        </p:spPr>
+        <p:style>
+          <a:lnRef idx="2">
+            <a:schemeClr val="accent1">
+              <a:shade val="50000"/>
+            </a:schemeClr>
+          </a:lnRef>
+          <a:fillRef idx="1">
+            <a:schemeClr val="accent1"/>
+          </a:fillRef>
+          <a:effectRef idx="0">
+            <a:schemeClr val="accent1"/>
+          </a:effectRef>
+          <a:fontRef idx="minor">
+            <a:schemeClr val="lt1"/>
+          </a:fontRef>
+        </p:style>
+        <p:txBody>
+          <a:bodyPr rtlCol="0" anchor="ctr"/>
+          <a:lstStyle/>
+          <a:p>
+            <a:pPr algn="ctr"/>
+            <a:r>
+              <a:rPr lang="fr-FR" sz="1200" b="1" dirty="0">
+                <a:solidFill>
+                  <a:srgbClr val="00B050"/>
+                </a:solidFill>
+              </a:rPr>
+              <a:t>2</a:t>
+            </a:r>
+          </a:p>
+        </p:txBody>
+      </p:sp>
+      <p:sp>
+        <p:nvSpPr>
+          <p:cNvPr id="24" name="Ellipse 23"/>
+          <p:cNvSpPr/>
+          <p:nvPr/>
+        </p:nvSpPr>
+        <p:spPr>
+          <a:xfrm>
+            <a:off x="1136152" y="1305386"/>
+            <a:ext cx="251406" cy="251406"/>
+          </a:xfrm>
+          <a:prstGeom prst="ellipse">
+            <a:avLst/>
+          </a:prstGeom>
+          <a:solidFill>
+            <a:schemeClr val="bg1"/>
+          </a:solidFill>
+          <a:ln w="19050">
+            <a:solidFill>
+              <a:srgbClr val="C00000"/>
+            </a:solidFill>
+          </a:ln>
+        </p:spPr>
+        <p:style>
+          <a:lnRef idx="2">
+            <a:schemeClr val="accent1">
+              <a:shade val="50000"/>
+            </a:schemeClr>
+          </a:lnRef>
+          <a:fillRef idx="1">
+            <a:schemeClr val="accent1"/>
+          </a:fillRef>
+          <a:effectRef idx="0">
+            <a:schemeClr val="accent1"/>
+          </a:effectRef>
+          <a:fontRef idx="minor">
+            <a:schemeClr val="lt1"/>
+          </a:fontRef>
+        </p:style>
+        <p:txBody>
+          <a:bodyPr rtlCol="0" anchor="ctr"/>
+          <a:lstStyle/>
+          <a:p>
+            <a:pPr algn="ctr"/>
+            <a:r>
+              <a:rPr lang="fr-FR" sz="1200" b="1" dirty="0" smtClean="0">
+                <a:solidFill>
+                  <a:srgbClr val="C00000"/>
+                </a:solidFill>
+              </a:rPr>
+              <a:t>3</a:t>
+            </a:r>
+            <a:endParaRPr lang="fr-FR" sz="1200" b="1" dirty="0">
+              <a:solidFill>
+                <a:srgbClr val="C00000"/>
+              </a:solidFill>
+            </a:endParaRPr>
+          </a:p>
+        </p:txBody>
+      </p:sp>
     </p:spTree>
     <p:extLst>
       <p:ext uri="{BB962C8B-B14F-4D97-AF65-F5344CB8AC3E}">
@@ -7918,7 +8675,13 @@
                       <a:rPr lang="fr-FR" b="0" i="1" smtClean="0">
                         <a:latin typeface="Cambria Math"/>
                       </a:rPr>
-                      <m:t>=1</m:t>
+                      <m:t>=</m:t>
+                    </m:r>
+                    <m:r>
+                      <a:rPr lang="fr-FR" b="0" i="1" smtClean="0">
+                        <a:latin typeface="Cambria Math"/>
+                      </a:rPr>
+                      <m:t>0</m:t>
                     </m:r>
                   </m:oMath>
                 </a14:m>
@@ -8009,13 +8772,7 @@
                       <a:rPr lang="fr-FR" b="0" i="1" smtClean="0">
                         <a:latin typeface="Cambria Math"/>
                       </a:rPr>
-                      <m:t>=6⋅3</m:t>
-                    </m:r>
-                    <m:r>
-                      <a:rPr lang="fr-FR" b="0" i="1" smtClean="0">
-                        <a:latin typeface="Cambria Math"/>
-                      </a:rPr>
-                      <m:t>=18</m:t>
+                      <m:t>=6⋅3=18</m:t>
                     </m:r>
                   </m:oMath>
                 </a14:m>
@@ -8035,7 +8792,13 @@
                       <a:rPr lang="fr-FR" b="0" i="1" smtClean="0">
                         <a:latin typeface="Cambria Math"/>
                       </a:rPr>
-                      <m:t>=1−18+20=3</m:t>
+                      <m:t>=0−</m:t>
+                    </m:r>
+                    <m:r>
+                      <a:rPr lang="fr-FR" b="0" i="1" smtClean="0">
+                        <a:latin typeface="Cambria Math"/>
+                      </a:rPr>
+                      <m:t>18+20=2</m:t>
                     </m:r>
                   </m:oMath>
                 </a14:m>
@@ -8157,16 +8920,7 @@
                         </a:solidFill>
                         <a:latin typeface="Cambria Math"/>
                       </a:rPr>
-                      <m:t>=0−9+</m:t>
-                    </m:r>
-                    <m:r>
-                      <a:rPr lang="fr-FR" b="0" i="1" smtClean="0">
-                        <a:solidFill>
-                          <a:schemeClr val="tx1"/>
-                        </a:solidFill>
-                        <a:latin typeface="Cambria Math"/>
-                      </a:rPr>
-                      <m:t>9=</m:t>
+                      <m:t>=0−9+9=</m:t>
                     </m:r>
                     <m:r>
                       <a:rPr lang="fr-FR" b="0" i="0" smtClean="0">
@@ -8833,6 +9587,242 @@
           </a:p>
         </p:txBody>
       </p:sp>
+      <p:sp>
+        <p:nvSpPr>
+          <p:cNvPr id="20" name="Ellipse 19"/>
+          <p:cNvSpPr/>
+          <p:nvPr/>
+        </p:nvSpPr>
+        <p:spPr>
+          <a:xfrm>
+            <a:off x="395536" y="2554072"/>
+            <a:ext cx="251406" cy="251406"/>
+          </a:xfrm>
+          <a:prstGeom prst="ellipse">
+            <a:avLst/>
+          </a:prstGeom>
+          <a:solidFill>
+            <a:schemeClr val="bg1"/>
+          </a:solidFill>
+          <a:ln w="19050">
+            <a:solidFill>
+              <a:schemeClr val="accent5">
+                <a:lumMod val="50000"/>
+              </a:schemeClr>
+            </a:solidFill>
+          </a:ln>
+        </p:spPr>
+        <p:style>
+          <a:lnRef idx="2">
+            <a:schemeClr val="accent1">
+              <a:shade val="50000"/>
+            </a:schemeClr>
+          </a:lnRef>
+          <a:fillRef idx="1">
+            <a:schemeClr val="accent1"/>
+          </a:fillRef>
+          <a:effectRef idx="0">
+            <a:schemeClr val="accent1"/>
+          </a:effectRef>
+          <a:fontRef idx="minor">
+            <a:schemeClr val="lt1"/>
+          </a:fontRef>
+        </p:style>
+        <p:txBody>
+          <a:bodyPr rtlCol="0" anchor="ctr"/>
+          <a:lstStyle/>
+          <a:p>
+            <a:pPr algn="ctr"/>
+            <a:r>
+              <a:rPr lang="fr-FR" sz="1200" b="1" dirty="0" smtClean="0">
+                <a:solidFill>
+                  <a:schemeClr val="accent5">
+                    <a:lumMod val="50000"/>
+                  </a:schemeClr>
+                </a:solidFill>
+              </a:rPr>
+              <a:t>0</a:t>
+            </a:r>
+            <a:endParaRPr lang="fr-FR" sz="1200" b="1" dirty="0">
+              <a:solidFill>
+                <a:schemeClr val="accent5">
+                  <a:lumMod val="50000"/>
+                </a:schemeClr>
+              </a:solidFill>
+            </a:endParaRPr>
+          </a:p>
+        </p:txBody>
+      </p:sp>
+      <p:sp>
+        <p:nvSpPr>
+          <p:cNvPr id="21" name="Ellipse 20"/>
+          <p:cNvSpPr/>
+          <p:nvPr/>
+        </p:nvSpPr>
+        <p:spPr>
+          <a:xfrm>
+            <a:off x="1128356" y="2605550"/>
+            <a:ext cx="251406" cy="251406"/>
+          </a:xfrm>
+          <a:prstGeom prst="ellipse">
+            <a:avLst/>
+          </a:prstGeom>
+          <a:solidFill>
+            <a:schemeClr val="bg1"/>
+          </a:solidFill>
+          <a:ln w="19050">
+            <a:solidFill>
+              <a:srgbClr val="7030A0"/>
+            </a:solidFill>
+          </a:ln>
+        </p:spPr>
+        <p:style>
+          <a:lnRef idx="2">
+            <a:schemeClr val="accent1">
+              <a:shade val="50000"/>
+            </a:schemeClr>
+          </a:lnRef>
+          <a:fillRef idx="1">
+            <a:schemeClr val="accent1"/>
+          </a:fillRef>
+          <a:effectRef idx="0">
+            <a:schemeClr val="accent1"/>
+          </a:effectRef>
+          <a:fontRef idx="minor">
+            <a:schemeClr val="lt1"/>
+          </a:fontRef>
+        </p:style>
+        <p:txBody>
+          <a:bodyPr rtlCol="0" anchor="ctr"/>
+          <a:lstStyle/>
+          <a:p>
+            <a:pPr algn="ctr"/>
+            <a:r>
+              <a:rPr lang="fr-FR" sz="1200" b="1" dirty="0">
+                <a:solidFill>
+                  <a:srgbClr val="7030A0"/>
+                </a:solidFill>
+              </a:rPr>
+              <a:t>1</a:t>
+            </a:r>
+          </a:p>
+        </p:txBody>
+      </p:sp>
+      <p:sp>
+        <p:nvSpPr>
+          <p:cNvPr id="22" name="Ellipse 21"/>
+          <p:cNvSpPr/>
+          <p:nvPr/>
+        </p:nvSpPr>
+        <p:spPr>
+          <a:xfrm>
+            <a:off x="1136152" y="2001028"/>
+            <a:ext cx="251406" cy="251406"/>
+          </a:xfrm>
+          <a:prstGeom prst="ellipse">
+            <a:avLst/>
+          </a:prstGeom>
+          <a:solidFill>
+            <a:schemeClr val="bg1"/>
+          </a:solidFill>
+          <a:ln w="19050">
+            <a:solidFill>
+              <a:srgbClr val="00B050"/>
+            </a:solidFill>
+          </a:ln>
+        </p:spPr>
+        <p:style>
+          <a:lnRef idx="2">
+            <a:schemeClr val="accent1">
+              <a:shade val="50000"/>
+            </a:schemeClr>
+          </a:lnRef>
+          <a:fillRef idx="1">
+            <a:schemeClr val="accent1"/>
+          </a:fillRef>
+          <a:effectRef idx="0">
+            <a:schemeClr val="accent1"/>
+          </a:effectRef>
+          <a:fontRef idx="minor">
+            <a:schemeClr val="lt1"/>
+          </a:fontRef>
+        </p:style>
+        <p:txBody>
+          <a:bodyPr rtlCol="0" anchor="ctr"/>
+          <a:lstStyle/>
+          <a:p>
+            <a:pPr algn="ctr"/>
+            <a:r>
+              <a:rPr lang="fr-FR" sz="1200" b="1" dirty="0">
+                <a:solidFill>
+                  <a:srgbClr val="00B050"/>
+                </a:solidFill>
+              </a:rPr>
+              <a:t>2</a:t>
+            </a:r>
+          </a:p>
+        </p:txBody>
+      </p:sp>
+      <p:sp>
+        <p:nvSpPr>
+          <p:cNvPr id="23" name="Ellipse 22"/>
+          <p:cNvSpPr/>
+          <p:nvPr/>
+        </p:nvSpPr>
+        <p:spPr>
+          <a:xfrm>
+            <a:off x="1136152" y="1305386"/>
+            <a:ext cx="251406" cy="251406"/>
+          </a:xfrm>
+          <a:prstGeom prst="ellipse">
+            <a:avLst/>
+          </a:prstGeom>
+          <a:solidFill>
+            <a:schemeClr val="bg1"/>
+          </a:solidFill>
+          <a:ln w="19050">
+            <a:solidFill>
+              <a:srgbClr val="C00000"/>
+            </a:solidFill>
+          </a:ln>
+        </p:spPr>
+        <p:style>
+          <a:lnRef idx="2">
+            <a:schemeClr val="accent1">
+              <a:shade val="50000"/>
+            </a:schemeClr>
+          </a:lnRef>
+          <a:fillRef idx="1">
+            <a:schemeClr val="accent1"/>
+          </a:fillRef>
+          <a:effectRef idx="0">
+            <a:schemeClr val="accent1"/>
+          </a:effectRef>
+          <a:fontRef idx="minor">
+            <a:schemeClr val="lt1"/>
+          </a:fontRef>
+        </p:style>
+        <p:txBody>
+          <a:bodyPr rtlCol="0" anchor="ctr"/>
+          <a:lstStyle/>
+          <a:p>
+            <a:pPr algn="ctr"/>
+            <a:r>
+              <a:rPr lang="fr-FR" sz="1200" b="1" dirty="0" smtClean="0">
+                <a:solidFill>
+                  <a:srgbClr val="C00000"/>
+                </a:solidFill>
+              </a:rPr>
+              <a:t>3</a:t>
+            </a:r>
+            <a:endParaRPr lang="fr-FR" sz="1200" b="1" dirty="0">
+              <a:solidFill>
+                <a:srgbClr val="C00000"/>
+              </a:solidFill>
+            </a:endParaRPr>
+          </a:p>
+        </p:txBody>
+      </p:sp>
     </p:spTree>
     <p:extLst>
       <p:ext uri="{BB962C8B-B14F-4D97-AF65-F5344CB8AC3E}">
@@ -8913,8 +9903,8 @@
           </a:p>
         </p:txBody>
       </p:sp>
-      <mc:AlternateContent xmlns:mc="http://schemas.openxmlformats.org/markup-compatibility/2006" xmlns:a14="http://schemas.microsoft.com/office/drawing/2010/main">
-        <mc:Choice Requires="a14">
+      <mc:AlternateContent xmlns:mc="http://schemas.openxmlformats.org/markup-compatibility/2006">
+        <mc:Choice xmlns:a14="http://schemas.microsoft.com/office/drawing/2010/main" Requires="a14">
           <p:sp>
             <p:nvSpPr>
               <p:cNvPr id="3" name="Espace réservé du contenu 2"/>
@@ -9006,7 +9996,13 @@
                       <a:rPr lang="fr-FR" b="0" i="1" smtClean="0">
                         <a:latin typeface="Cambria Math"/>
                       </a:rPr>
-                      <m:t>=0</m:t>
+                      <m:t>=</m:t>
+                    </m:r>
+                    <m:r>
+                      <a:rPr lang="fr-FR" b="0" i="1" smtClean="0">
+                        <a:latin typeface="Cambria Math"/>
+                      </a:rPr>
+                      <m:t>1</m:t>
                     </m:r>
                   </m:oMath>
                 </a14:m>
@@ -9111,7 +10107,13 @@
                       <a:rPr lang="fr-FR" b="0" i="1" smtClean="0">
                         <a:latin typeface="Cambria Math"/>
                       </a:rPr>
-                      <m:t>=0−18+18=0</m:t>
+                      <m:t>=1−</m:t>
+                    </m:r>
+                    <m:r>
+                      <a:rPr lang="fr-FR" b="0" i="1" smtClean="0">
+                        <a:latin typeface="Cambria Math"/>
+                      </a:rPr>
+                      <m:t>18+18=1</m:t>
                     </m:r>
                   </m:oMath>
                 </a14:m>
@@ -9227,13 +10229,7 @@
                       <a:rPr lang="fr-FR" i="1">
                         <a:latin typeface="Cambria Math"/>
                       </a:rPr>
-                      <m:t>=0−9+</m:t>
-                    </m:r>
-                    <m:r>
-                      <a:rPr lang="fr-FR" b="0" i="1" smtClean="0">
-                        <a:latin typeface="Cambria Math"/>
-                      </a:rPr>
-                      <m:t>9=</m:t>
+                      <m:t>=0−9+9=</m:t>
                     </m:r>
                     <m:r>
                       <a:rPr lang="fr-FR" b="0" i="0" smtClean="0">
@@ -9251,7 +10247,7 @@
             </p:txBody>
           </p:sp>
         </mc:Choice>
-        <mc:Fallback xmlns="">
+        <mc:Fallback>
           <p:sp>
             <p:nvSpPr>
               <p:cNvPr id="3" name="Espace réservé du contenu 2"/>
@@ -9942,6 +10938,242 @@
           </a:p>
         </p:txBody>
       </p:sp>
+      <p:sp>
+        <p:nvSpPr>
+          <p:cNvPr id="20" name="Ellipse 19"/>
+          <p:cNvSpPr/>
+          <p:nvPr/>
+        </p:nvSpPr>
+        <p:spPr>
+          <a:xfrm>
+            <a:off x="395536" y="2554072"/>
+            <a:ext cx="251406" cy="251406"/>
+          </a:xfrm>
+          <a:prstGeom prst="ellipse">
+            <a:avLst/>
+          </a:prstGeom>
+          <a:solidFill>
+            <a:schemeClr val="bg1"/>
+          </a:solidFill>
+          <a:ln w="19050">
+            <a:solidFill>
+              <a:schemeClr val="accent5">
+                <a:lumMod val="50000"/>
+              </a:schemeClr>
+            </a:solidFill>
+          </a:ln>
+        </p:spPr>
+        <p:style>
+          <a:lnRef idx="2">
+            <a:schemeClr val="accent1">
+              <a:shade val="50000"/>
+            </a:schemeClr>
+          </a:lnRef>
+          <a:fillRef idx="1">
+            <a:schemeClr val="accent1"/>
+          </a:fillRef>
+          <a:effectRef idx="0">
+            <a:schemeClr val="accent1"/>
+          </a:effectRef>
+          <a:fontRef idx="minor">
+            <a:schemeClr val="lt1"/>
+          </a:fontRef>
+        </p:style>
+        <p:txBody>
+          <a:bodyPr rtlCol="0" anchor="ctr"/>
+          <a:lstStyle/>
+          <a:p>
+            <a:pPr algn="ctr"/>
+            <a:r>
+              <a:rPr lang="fr-FR" sz="1200" b="1" dirty="0" smtClean="0">
+                <a:solidFill>
+                  <a:schemeClr val="accent5">
+                    <a:lumMod val="50000"/>
+                  </a:schemeClr>
+                </a:solidFill>
+              </a:rPr>
+              <a:t>0</a:t>
+            </a:r>
+            <a:endParaRPr lang="fr-FR" sz="1200" b="1" dirty="0">
+              <a:solidFill>
+                <a:schemeClr val="accent5">
+                  <a:lumMod val="50000"/>
+                </a:schemeClr>
+              </a:solidFill>
+            </a:endParaRPr>
+          </a:p>
+        </p:txBody>
+      </p:sp>
+      <p:sp>
+        <p:nvSpPr>
+          <p:cNvPr id="21" name="Ellipse 20"/>
+          <p:cNvSpPr/>
+          <p:nvPr/>
+        </p:nvSpPr>
+        <p:spPr>
+          <a:xfrm>
+            <a:off x="1128356" y="2605550"/>
+            <a:ext cx="251406" cy="251406"/>
+          </a:xfrm>
+          <a:prstGeom prst="ellipse">
+            <a:avLst/>
+          </a:prstGeom>
+          <a:solidFill>
+            <a:schemeClr val="bg1"/>
+          </a:solidFill>
+          <a:ln w="19050">
+            <a:solidFill>
+              <a:srgbClr val="7030A0"/>
+            </a:solidFill>
+          </a:ln>
+        </p:spPr>
+        <p:style>
+          <a:lnRef idx="2">
+            <a:schemeClr val="accent1">
+              <a:shade val="50000"/>
+            </a:schemeClr>
+          </a:lnRef>
+          <a:fillRef idx="1">
+            <a:schemeClr val="accent1"/>
+          </a:fillRef>
+          <a:effectRef idx="0">
+            <a:schemeClr val="accent1"/>
+          </a:effectRef>
+          <a:fontRef idx="minor">
+            <a:schemeClr val="lt1"/>
+          </a:fontRef>
+        </p:style>
+        <p:txBody>
+          <a:bodyPr rtlCol="0" anchor="ctr"/>
+          <a:lstStyle/>
+          <a:p>
+            <a:pPr algn="ctr"/>
+            <a:r>
+              <a:rPr lang="fr-FR" sz="1200" b="1" dirty="0">
+                <a:solidFill>
+                  <a:srgbClr val="7030A0"/>
+                </a:solidFill>
+              </a:rPr>
+              <a:t>1</a:t>
+            </a:r>
+          </a:p>
+        </p:txBody>
+      </p:sp>
+      <p:sp>
+        <p:nvSpPr>
+          <p:cNvPr id="23" name="Ellipse 22"/>
+          <p:cNvSpPr/>
+          <p:nvPr/>
+        </p:nvSpPr>
+        <p:spPr>
+          <a:xfrm>
+            <a:off x="1136152" y="2001028"/>
+            <a:ext cx="251406" cy="251406"/>
+          </a:xfrm>
+          <a:prstGeom prst="ellipse">
+            <a:avLst/>
+          </a:prstGeom>
+          <a:solidFill>
+            <a:schemeClr val="bg1"/>
+          </a:solidFill>
+          <a:ln w="19050">
+            <a:solidFill>
+              <a:srgbClr val="00B050"/>
+            </a:solidFill>
+          </a:ln>
+        </p:spPr>
+        <p:style>
+          <a:lnRef idx="2">
+            <a:schemeClr val="accent1">
+              <a:shade val="50000"/>
+            </a:schemeClr>
+          </a:lnRef>
+          <a:fillRef idx="1">
+            <a:schemeClr val="accent1"/>
+          </a:fillRef>
+          <a:effectRef idx="0">
+            <a:schemeClr val="accent1"/>
+          </a:effectRef>
+          <a:fontRef idx="minor">
+            <a:schemeClr val="lt1"/>
+          </a:fontRef>
+        </p:style>
+        <p:txBody>
+          <a:bodyPr rtlCol="0" anchor="ctr"/>
+          <a:lstStyle/>
+          <a:p>
+            <a:pPr algn="ctr"/>
+            <a:r>
+              <a:rPr lang="fr-FR" sz="1200" b="1" dirty="0">
+                <a:solidFill>
+                  <a:srgbClr val="00B050"/>
+                </a:solidFill>
+              </a:rPr>
+              <a:t>2</a:t>
+            </a:r>
+          </a:p>
+        </p:txBody>
+      </p:sp>
+      <p:sp>
+        <p:nvSpPr>
+          <p:cNvPr id="24" name="Ellipse 23"/>
+          <p:cNvSpPr/>
+          <p:nvPr/>
+        </p:nvSpPr>
+        <p:spPr>
+          <a:xfrm>
+            <a:off x="1136152" y="1305386"/>
+            <a:ext cx="251406" cy="251406"/>
+          </a:xfrm>
+          <a:prstGeom prst="ellipse">
+            <a:avLst/>
+          </a:prstGeom>
+          <a:solidFill>
+            <a:schemeClr val="bg1"/>
+          </a:solidFill>
+          <a:ln w="19050">
+            <a:solidFill>
+              <a:srgbClr val="C00000"/>
+            </a:solidFill>
+          </a:ln>
+        </p:spPr>
+        <p:style>
+          <a:lnRef idx="2">
+            <a:schemeClr val="accent1">
+              <a:shade val="50000"/>
+            </a:schemeClr>
+          </a:lnRef>
+          <a:fillRef idx="1">
+            <a:schemeClr val="accent1"/>
+          </a:fillRef>
+          <a:effectRef idx="0">
+            <a:schemeClr val="accent1"/>
+          </a:effectRef>
+          <a:fontRef idx="minor">
+            <a:schemeClr val="lt1"/>
+          </a:fontRef>
+        </p:style>
+        <p:txBody>
+          <a:bodyPr rtlCol="0" anchor="ctr"/>
+          <a:lstStyle/>
+          <a:p>
+            <a:pPr algn="ctr"/>
+            <a:r>
+              <a:rPr lang="fr-FR" sz="1200" b="1" dirty="0" smtClean="0">
+                <a:solidFill>
+                  <a:srgbClr val="C00000"/>
+                </a:solidFill>
+              </a:rPr>
+              <a:t>3</a:t>
+            </a:r>
+            <a:endParaRPr lang="fr-FR" sz="1200" b="1" dirty="0">
+              <a:solidFill>
+                <a:srgbClr val="C00000"/>
+              </a:solidFill>
+            </a:endParaRPr>
+          </a:p>
+        </p:txBody>
+      </p:sp>
     </p:spTree>
     <p:extLst>
       <p:ext uri="{BB962C8B-B14F-4D97-AF65-F5344CB8AC3E}">
@@ -10022,8 +11254,8 @@
           </a:p>
         </p:txBody>
       </p:sp>
-      <mc:AlternateContent xmlns:mc="http://schemas.openxmlformats.org/markup-compatibility/2006" xmlns:a14="http://schemas.microsoft.com/office/drawing/2010/main">
-        <mc:Choice Requires="a14">
+      <mc:AlternateContent xmlns:mc="http://schemas.openxmlformats.org/markup-compatibility/2006">
+        <mc:Choice xmlns:a14="http://schemas.microsoft.com/office/drawing/2010/main" Requires="a14">
           <p:sp>
             <p:nvSpPr>
               <p:cNvPr id="3" name="Espace réservé du contenu 2"/>
@@ -10115,7 +11347,13 @@
                       <a:rPr lang="fr-FR" b="0" i="1" smtClean="0">
                         <a:latin typeface="Cambria Math"/>
                       </a:rPr>
-                      <m:t>=1</m:t>
+                      <m:t>=</m:t>
+                    </m:r>
+                    <m:r>
+                      <a:rPr lang="fr-FR" b="0" i="0" smtClean="0">
+                        <a:latin typeface="Cambria Math"/>
+                      </a:rPr>
+                      <m:t>2</m:t>
                     </m:r>
                   </m:oMath>
                 </a14:m>
@@ -10220,7 +11458,13 @@
                       <a:rPr lang="fr-FR" b="0" i="1" smtClean="0">
                         <a:latin typeface="Cambria Math"/>
                       </a:rPr>
-                      <m:t>=2−18+15=1</m:t>
+                      <m:t>=3−</m:t>
+                    </m:r>
+                    <m:r>
+                      <a:rPr lang="fr-FR" b="0" i="1" smtClean="0">
+                        <a:latin typeface="Cambria Math"/>
+                      </a:rPr>
+                      <m:t>18+15=0</m:t>
                     </m:r>
                   </m:oMath>
                 </a14:m>
@@ -10342,16 +11586,7 @@
                         </a:solidFill>
                         <a:latin typeface="Cambria Math"/>
                       </a:rPr>
-                      <m:t>=1−</m:t>
-                    </m:r>
-                    <m:r>
-                      <a:rPr lang="fr-FR" b="0" i="1" smtClean="0">
-                        <a:solidFill>
-                          <a:schemeClr val="tx1"/>
-                        </a:solidFill>
-                        <a:latin typeface="Cambria Math"/>
-                      </a:rPr>
-                      <m:t>9+8=</m:t>
+                      <m:t>=1−9+8=</m:t>
                     </m:r>
                     <m:r>
                       <a:rPr lang="fr-FR" b="0" i="0" smtClean="0">
@@ -10376,7 +11611,7 @@
             </p:txBody>
           </p:sp>
         </mc:Choice>
-        <mc:Fallback xmlns="">
+        <mc:Fallback>
           <p:sp>
             <p:nvSpPr>
               <p:cNvPr id="3" name="Espace réservé du contenu 2"/>
@@ -11040,6 +12275,242 @@
           </a:p>
         </p:txBody>
       </p:sp>
+      <p:sp>
+        <p:nvSpPr>
+          <p:cNvPr id="20" name="Ellipse 19"/>
+          <p:cNvSpPr/>
+          <p:nvPr/>
+        </p:nvSpPr>
+        <p:spPr>
+          <a:xfrm>
+            <a:off x="395536" y="2554072"/>
+            <a:ext cx="251406" cy="251406"/>
+          </a:xfrm>
+          <a:prstGeom prst="ellipse">
+            <a:avLst/>
+          </a:prstGeom>
+          <a:solidFill>
+            <a:schemeClr val="bg1"/>
+          </a:solidFill>
+          <a:ln w="19050">
+            <a:solidFill>
+              <a:schemeClr val="accent5">
+                <a:lumMod val="50000"/>
+              </a:schemeClr>
+            </a:solidFill>
+          </a:ln>
+        </p:spPr>
+        <p:style>
+          <a:lnRef idx="2">
+            <a:schemeClr val="accent1">
+              <a:shade val="50000"/>
+            </a:schemeClr>
+          </a:lnRef>
+          <a:fillRef idx="1">
+            <a:schemeClr val="accent1"/>
+          </a:fillRef>
+          <a:effectRef idx="0">
+            <a:schemeClr val="accent1"/>
+          </a:effectRef>
+          <a:fontRef idx="minor">
+            <a:schemeClr val="lt1"/>
+          </a:fontRef>
+        </p:style>
+        <p:txBody>
+          <a:bodyPr rtlCol="0" anchor="ctr"/>
+          <a:lstStyle/>
+          <a:p>
+            <a:pPr algn="ctr"/>
+            <a:r>
+              <a:rPr lang="fr-FR" sz="1200" b="1" dirty="0" smtClean="0">
+                <a:solidFill>
+                  <a:schemeClr val="accent5">
+                    <a:lumMod val="50000"/>
+                  </a:schemeClr>
+                </a:solidFill>
+              </a:rPr>
+              <a:t>0</a:t>
+            </a:r>
+            <a:endParaRPr lang="fr-FR" sz="1200" b="1" dirty="0">
+              <a:solidFill>
+                <a:schemeClr val="accent5">
+                  <a:lumMod val="50000"/>
+                </a:schemeClr>
+              </a:solidFill>
+            </a:endParaRPr>
+          </a:p>
+        </p:txBody>
+      </p:sp>
+      <p:sp>
+        <p:nvSpPr>
+          <p:cNvPr id="21" name="Ellipse 20"/>
+          <p:cNvSpPr/>
+          <p:nvPr/>
+        </p:nvSpPr>
+        <p:spPr>
+          <a:xfrm>
+            <a:off x="1128356" y="2605550"/>
+            <a:ext cx="251406" cy="251406"/>
+          </a:xfrm>
+          <a:prstGeom prst="ellipse">
+            <a:avLst/>
+          </a:prstGeom>
+          <a:solidFill>
+            <a:schemeClr val="bg1"/>
+          </a:solidFill>
+          <a:ln w="19050">
+            <a:solidFill>
+              <a:srgbClr val="7030A0"/>
+            </a:solidFill>
+          </a:ln>
+        </p:spPr>
+        <p:style>
+          <a:lnRef idx="2">
+            <a:schemeClr val="accent1">
+              <a:shade val="50000"/>
+            </a:schemeClr>
+          </a:lnRef>
+          <a:fillRef idx="1">
+            <a:schemeClr val="accent1"/>
+          </a:fillRef>
+          <a:effectRef idx="0">
+            <a:schemeClr val="accent1"/>
+          </a:effectRef>
+          <a:fontRef idx="minor">
+            <a:schemeClr val="lt1"/>
+          </a:fontRef>
+        </p:style>
+        <p:txBody>
+          <a:bodyPr rtlCol="0" anchor="ctr"/>
+          <a:lstStyle/>
+          <a:p>
+            <a:pPr algn="ctr"/>
+            <a:r>
+              <a:rPr lang="fr-FR" sz="1200" b="1" dirty="0">
+                <a:solidFill>
+                  <a:srgbClr val="7030A0"/>
+                </a:solidFill>
+              </a:rPr>
+              <a:t>1</a:t>
+            </a:r>
+          </a:p>
+        </p:txBody>
+      </p:sp>
+      <p:sp>
+        <p:nvSpPr>
+          <p:cNvPr id="23" name="Ellipse 22"/>
+          <p:cNvSpPr/>
+          <p:nvPr/>
+        </p:nvSpPr>
+        <p:spPr>
+          <a:xfrm>
+            <a:off x="1136152" y="2001028"/>
+            <a:ext cx="251406" cy="251406"/>
+          </a:xfrm>
+          <a:prstGeom prst="ellipse">
+            <a:avLst/>
+          </a:prstGeom>
+          <a:solidFill>
+            <a:schemeClr val="bg1"/>
+          </a:solidFill>
+          <a:ln w="19050">
+            <a:solidFill>
+              <a:srgbClr val="00B050"/>
+            </a:solidFill>
+          </a:ln>
+        </p:spPr>
+        <p:style>
+          <a:lnRef idx="2">
+            <a:schemeClr val="accent1">
+              <a:shade val="50000"/>
+            </a:schemeClr>
+          </a:lnRef>
+          <a:fillRef idx="1">
+            <a:schemeClr val="accent1"/>
+          </a:fillRef>
+          <a:effectRef idx="0">
+            <a:schemeClr val="accent1"/>
+          </a:effectRef>
+          <a:fontRef idx="minor">
+            <a:schemeClr val="lt1"/>
+          </a:fontRef>
+        </p:style>
+        <p:txBody>
+          <a:bodyPr rtlCol="0" anchor="ctr"/>
+          <a:lstStyle/>
+          <a:p>
+            <a:pPr algn="ctr"/>
+            <a:r>
+              <a:rPr lang="fr-FR" sz="1200" b="1" dirty="0">
+                <a:solidFill>
+                  <a:srgbClr val="00B050"/>
+                </a:solidFill>
+              </a:rPr>
+              <a:t>2</a:t>
+            </a:r>
+          </a:p>
+        </p:txBody>
+      </p:sp>
+      <p:sp>
+        <p:nvSpPr>
+          <p:cNvPr id="24" name="Ellipse 23"/>
+          <p:cNvSpPr/>
+          <p:nvPr/>
+        </p:nvSpPr>
+        <p:spPr>
+          <a:xfrm>
+            <a:off x="1136152" y="1305386"/>
+            <a:ext cx="251406" cy="251406"/>
+          </a:xfrm>
+          <a:prstGeom prst="ellipse">
+            <a:avLst/>
+          </a:prstGeom>
+          <a:solidFill>
+            <a:schemeClr val="bg1"/>
+          </a:solidFill>
+          <a:ln w="19050">
+            <a:solidFill>
+              <a:srgbClr val="C00000"/>
+            </a:solidFill>
+          </a:ln>
+        </p:spPr>
+        <p:style>
+          <a:lnRef idx="2">
+            <a:schemeClr val="accent1">
+              <a:shade val="50000"/>
+            </a:schemeClr>
+          </a:lnRef>
+          <a:fillRef idx="1">
+            <a:schemeClr val="accent1"/>
+          </a:fillRef>
+          <a:effectRef idx="0">
+            <a:schemeClr val="accent1"/>
+          </a:effectRef>
+          <a:fontRef idx="minor">
+            <a:schemeClr val="lt1"/>
+          </a:fontRef>
+        </p:style>
+        <p:txBody>
+          <a:bodyPr rtlCol="0" anchor="ctr"/>
+          <a:lstStyle/>
+          <a:p>
+            <a:pPr algn="ctr"/>
+            <a:r>
+              <a:rPr lang="fr-FR" sz="1200" b="1" dirty="0" smtClean="0">
+                <a:solidFill>
+                  <a:srgbClr val="C00000"/>
+                </a:solidFill>
+              </a:rPr>
+              <a:t>3</a:t>
+            </a:r>
+            <a:endParaRPr lang="fr-FR" sz="1200" b="1" dirty="0">
+              <a:solidFill>
+                <a:srgbClr val="C00000"/>
+              </a:solidFill>
+            </a:endParaRPr>
+          </a:p>
+        </p:txBody>
+      </p:sp>
     </p:spTree>
     <p:extLst>
       <p:ext uri="{BB962C8B-B14F-4D97-AF65-F5344CB8AC3E}">
@@ -11120,8 +12591,8 @@
           </a:p>
         </p:txBody>
       </p:sp>
-      <mc:AlternateContent xmlns:mc="http://schemas.openxmlformats.org/markup-compatibility/2006">
-        <mc:Choice xmlns:a14="http://schemas.microsoft.com/office/drawing/2010/main" Requires="a14">
+      <mc:AlternateContent xmlns:mc="http://schemas.openxmlformats.org/markup-compatibility/2006" xmlns:a14="http://schemas.microsoft.com/office/drawing/2010/main">
+        <mc:Choice Requires="a14">
           <p:sp>
             <p:nvSpPr>
               <p:cNvPr id="3" name="Espace réservé du contenu 2"/>
@@ -11298,13 +12769,7 @@
                       <a:rPr lang="fr-FR" b="0" i="1" smtClean="0">
                         <a:latin typeface="Cambria Math"/>
                       </a:rPr>
-                      <m:t>=6⋅3</m:t>
-                    </m:r>
-                    <m:r>
-                      <a:rPr lang="fr-FR" b="0" i="1" smtClean="0">
-                        <a:latin typeface="Cambria Math"/>
-                      </a:rPr>
-                      <m:t>=18</m:t>
+                      <m:t>=6⋅3=18</m:t>
                     </m:r>
                   </m:oMath>
                 </a14:m>
@@ -11420,13 +12885,7 @@
                       <a:rPr lang="fr-FR" b="0" i="1" smtClean="0">
                         <a:latin typeface="Cambria Math"/>
                       </a:rPr>
-                      <m:t>3⋅3</m:t>
-                    </m:r>
-                    <m:r>
-                      <a:rPr lang="fr-FR" b="0" i="1" smtClean="0">
-                        <a:latin typeface="Cambria Math"/>
-                      </a:rPr>
-                      <m:t>=9</m:t>
+                      <m:t>3⋅3=9</m:t>
                     </m:r>
                   </m:oMath>
                 </a14:m>
@@ -11452,16 +12911,7 @@
                         </a:solidFill>
                         <a:latin typeface="Cambria Math"/>
                       </a:rPr>
-                      <m:t>=1−9+</m:t>
-                    </m:r>
-                    <m:r>
-                      <a:rPr lang="fr-FR" b="0" i="1" smtClean="0">
-                        <a:solidFill>
-                          <a:schemeClr val="tx1"/>
-                        </a:solidFill>
-                        <a:latin typeface="Cambria Math"/>
-                      </a:rPr>
-                      <m:t>8=</m:t>
+                      <m:t>=1−9+8=</m:t>
                     </m:r>
                     <m:r>
                       <a:rPr lang="fr-FR" b="0" i="0" smtClean="0">
@@ -11486,7 +12936,7 @@
             </p:txBody>
           </p:sp>
         </mc:Choice>
-        <mc:Fallback>
+        <mc:Fallback xmlns="">
           <p:sp>
             <p:nvSpPr>
               <p:cNvPr id="3" name="Espace réservé du contenu 2"/>
@@ -12101,6 +13551,242 @@
           </a:p>
         </p:txBody>
       </p:sp>
+      <p:sp>
+        <p:nvSpPr>
+          <p:cNvPr id="18" name="Ellipse 17"/>
+          <p:cNvSpPr/>
+          <p:nvPr/>
+        </p:nvSpPr>
+        <p:spPr>
+          <a:xfrm>
+            <a:off x="395536" y="2554072"/>
+            <a:ext cx="251406" cy="251406"/>
+          </a:xfrm>
+          <a:prstGeom prst="ellipse">
+            <a:avLst/>
+          </a:prstGeom>
+          <a:solidFill>
+            <a:schemeClr val="bg1"/>
+          </a:solidFill>
+          <a:ln w="19050">
+            <a:solidFill>
+              <a:schemeClr val="accent5">
+                <a:lumMod val="50000"/>
+              </a:schemeClr>
+            </a:solidFill>
+          </a:ln>
+        </p:spPr>
+        <p:style>
+          <a:lnRef idx="2">
+            <a:schemeClr val="accent1">
+              <a:shade val="50000"/>
+            </a:schemeClr>
+          </a:lnRef>
+          <a:fillRef idx="1">
+            <a:schemeClr val="accent1"/>
+          </a:fillRef>
+          <a:effectRef idx="0">
+            <a:schemeClr val="accent1"/>
+          </a:effectRef>
+          <a:fontRef idx="minor">
+            <a:schemeClr val="lt1"/>
+          </a:fontRef>
+        </p:style>
+        <p:txBody>
+          <a:bodyPr rtlCol="0" anchor="ctr"/>
+          <a:lstStyle/>
+          <a:p>
+            <a:pPr algn="ctr"/>
+            <a:r>
+              <a:rPr lang="fr-FR" sz="1200" b="1" dirty="0" smtClean="0">
+                <a:solidFill>
+                  <a:schemeClr val="accent5">
+                    <a:lumMod val="50000"/>
+                  </a:schemeClr>
+                </a:solidFill>
+              </a:rPr>
+              <a:t>0</a:t>
+            </a:r>
+            <a:endParaRPr lang="fr-FR" sz="1200" b="1" dirty="0">
+              <a:solidFill>
+                <a:schemeClr val="accent5">
+                  <a:lumMod val="50000"/>
+                </a:schemeClr>
+              </a:solidFill>
+            </a:endParaRPr>
+          </a:p>
+        </p:txBody>
+      </p:sp>
+      <p:sp>
+        <p:nvSpPr>
+          <p:cNvPr id="20" name="Ellipse 19"/>
+          <p:cNvSpPr/>
+          <p:nvPr/>
+        </p:nvSpPr>
+        <p:spPr>
+          <a:xfrm>
+            <a:off x="1128356" y="2605550"/>
+            <a:ext cx="251406" cy="251406"/>
+          </a:xfrm>
+          <a:prstGeom prst="ellipse">
+            <a:avLst/>
+          </a:prstGeom>
+          <a:solidFill>
+            <a:schemeClr val="bg1"/>
+          </a:solidFill>
+          <a:ln w="19050">
+            <a:solidFill>
+              <a:srgbClr val="7030A0"/>
+            </a:solidFill>
+          </a:ln>
+        </p:spPr>
+        <p:style>
+          <a:lnRef idx="2">
+            <a:schemeClr val="accent1">
+              <a:shade val="50000"/>
+            </a:schemeClr>
+          </a:lnRef>
+          <a:fillRef idx="1">
+            <a:schemeClr val="accent1"/>
+          </a:fillRef>
+          <a:effectRef idx="0">
+            <a:schemeClr val="accent1"/>
+          </a:effectRef>
+          <a:fontRef idx="minor">
+            <a:schemeClr val="lt1"/>
+          </a:fontRef>
+        </p:style>
+        <p:txBody>
+          <a:bodyPr rtlCol="0" anchor="ctr"/>
+          <a:lstStyle/>
+          <a:p>
+            <a:pPr algn="ctr"/>
+            <a:r>
+              <a:rPr lang="fr-FR" sz="1200" b="1" dirty="0">
+                <a:solidFill>
+                  <a:srgbClr val="7030A0"/>
+                </a:solidFill>
+              </a:rPr>
+              <a:t>1</a:t>
+            </a:r>
+          </a:p>
+        </p:txBody>
+      </p:sp>
+      <p:sp>
+        <p:nvSpPr>
+          <p:cNvPr id="21" name="Ellipse 20"/>
+          <p:cNvSpPr/>
+          <p:nvPr/>
+        </p:nvSpPr>
+        <p:spPr>
+          <a:xfrm>
+            <a:off x="1136152" y="2001028"/>
+            <a:ext cx="251406" cy="251406"/>
+          </a:xfrm>
+          <a:prstGeom prst="ellipse">
+            <a:avLst/>
+          </a:prstGeom>
+          <a:solidFill>
+            <a:schemeClr val="bg1"/>
+          </a:solidFill>
+          <a:ln w="19050">
+            <a:solidFill>
+              <a:srgbClr val="00B050"/>
+            </a:solidFill>
+          </a:ln>
+        </p:spPr>
+        <p:style>
+          <a:lnRef idx="2">
+            <a:schemeClr val="accent1">
+              <a:shade val="50000"/>
+            </a:schemeClr>
+          </a:lnRef>
+          <a:fillRef idx="1">
+            <a:schemeClr val="accent1"/>
+          </a:fillRef>
+          <a:effectRef idx="0">
+            <a:schemeClr val="accent1"/>
+          </a:effectRef>
+          <a:fontRef idx="minor">
+            <a:schemeClr val="lt1"/>
+          </a:fontRef>
+        </p:style>
+        <p:txBody>
+          <a:bodyPr rtlCol="0" anchor="ctr"/>
+          <a:lstStyle/>
+          <a:p>
+            <a:pPr algn="ctr"/>
+            <a:r>
+              <a:rPr lang="fr-FR" sz="1200" b="1" dirty="0">
+                <a:solidFill>
+                  <a:srgbClr val="00B050"/>
+                </a:solidFill>
+              </a:rPr>
+              <a:t>2</a:t>
+            </a:r>
+          </a:p>
+        </p:txBody>
+      </p:sp>
+      <p:sp>
+        <p:nvSpPr>
+          <p:cNvPr id="22" name="Ellipse 21"/>
+          <p:cNvSpPr/>
+          <p:nvPr/>
+        </p:nvSpPr>
+        <p:spPr>
+          <a:xfrm>
+            <a:off x="1136152" y="1305386"/>
+            <a:ext cx="251406" cy="251406"/>
+          </a:xfrm>
+          <a:prstGeom prst="ellipse">
+            <a:avLst/>
+          </a:prstGeom>
+          <a:solidFill>
+            <a:schemeClr val="bg1"/>
+          </a:solidFill>
+          <a:ln w="19050">
+            <a:solidFill>
+              <a:srgbClr val="C00000"/>
+            </a:solidFill>
+          </a:ln>
+        </p:spPr>
+        <p:style>
+          <a:lnRef idx="2">
+            <a:schemeClr val="accent1">
+              <a:shade val="50000"/>
+            </a:schemeClr>
+          </a:lnRef>
+          <a:fillRef idx="1">
+            <a:schemeClr val="accent1"/>
+          </a:fillRef>
+          <a:effectRef idx="0">
+            <a:schemeClr val="accent1"/>
+          </a:effectRef>
+          <a:fontRef idx="minor">
+            <a:schemeClr val="lt1"/>
+          </a:fontRef>
+        </p:style>
+        <p:txBody>
+          <a:bodyPr rtlCol="0" anchor="ctr"/>
+          <a:lstStyle/>
+          <a:p>
+            <a:pPr algn="ctr"/>
+            <a:r>
+              <a:rPr lang="fr-FR" sz="1200" b="1" dirty="0" smtClean="0">
+                <a:solidFill>
+                  <a:srgbClr val="C00000"/>
+                </a:solidFill>
+              </a:rPr>
+              <a:t>3</a:t>
+            </a:r>
+            <a:endParaRPr lang="fr-FR" sz="1200" b="1" dirty="0">
+              <a:solidFill>
+                <a:srgbClr val="C00000"/>
+              </a:solidFill>
+            </a:endParaRPr>
+          </a:p>
+        </p:txBody>
+      </p:sp>
     </p:spTree>
     <p:extLst>
       <p:ext uri="{BB962C8B-B14F-4D97-AF65-F5344CB8AC3E}">
@@ -12501,13 +14187,7 @@
                       <a:rPr lang="fr-FR" i="1">
                         <a:latin typeface="Cambria Math"/>
                       </a:rPr>
-                      <m:t>=1−9+</m:t>
-                    </m:r>
-                    <m:r>
-                      <a:rPr lang="fr-FR" b="0" i="1" smtClean="0">
-                        <a:latin typeface="Cambria Math"/>
-                      </a:rPr>
-                      <m:t>8=0</m:t>
+                      <m:t>=1−9+8=0</m:t>
                     </m:r>
                   </m:oMath>
                 </a14:m>
@@ -13085,6 +14765,242 @@
           </a:p>
         </p:txBody>
       </p:sp>
+      <p:sp>
+        <p:nvSpPr>
+          <p:cNvPr id="17" name="Ellipse 16"/>
+          <p:cNvSpPr/>
+          <p:nvPr/>
+        </p:nvSpPr>
+        <p:spPr>
+          <a:xfrm>
+            <a:off x="395536" y="2554072"/>
+            <a:ext cx="251406" cy="251406"/>
+          </a:xfrm>
+          <a:prstGeom prst="ellipse">
+            <a:avLst/>
+          </a:prstGeom>
+          <a:solidFill>
+            <a:schemeClr val="bg1"/>
+          </a:solidFill>
+          <a:ln w="19050">
+            <a:solidFill>
+              <a:schemeClr val="accent5">
+                <a:lumMod val="50000"/>
+              </a:schemeClr>
+            </a:solidFill>
+          </a:ln>
+        </p:spPr>
+        <p:style>
+          <a:lnRef idx="2">
+            <a:schemeClr val="accent1">
+              <a:shade val="50000"/>
+            </a:schemeClr>
+          </a:lnRef>
+          <a:fillRef idx="1">
+            <a:schemeClr val="accent1"/>
+          </a:fillRef>
+          <a:effectRef idx="0">
+            <a:schemeClr val="accent1"/>
+          </a:effectRef>
+          <a:fontRef idx="minor">
+            <a:schemeClr val="lt1"/>
+          </a:fontRef>
+        </p:style>
+        <p:txBody>
+          <a:bodyPr rtlCol="0" anchor="ctr"/>
+          <a:lstStyle/>
+          <a:p>
+            <a:pPr algn="ctr"/>
+            <a:r>
+              <a:rPr lang="fr-FR" sz="1200" b="1" dirty="0" smtClean="0">
+                <a:solidFill>
+                  <a:schemeClr val="accent5">
+                    <a:lumMod val="50000"/>
+                  </a:schemeClr>
+                </a:solidFill>
+              </a:rPr>
+              <a:t>0</a:t>
+            </a:r>
+            <a:endParaRPr lang="fr-FR" sz="1200" b="1" dirty="0">
+              <a:solidFill>
+                <a:schemeClr val="accent5">
+                  <a:lumMod val="50000"/>
+                </a:schemeClr>
+              </a:solidFill>
+            </a:endParaRPr>
+          </a:p>
+        </p:txBody>
+      </p:sp>
+      <p:sp>
+        <p:nvSpPr>
+          <p:cNvPr id="18" name="Ellipse 17"/>
+          <p:cNvSpPr/>
+          <p:nvPr/>
+        </p:nvSpPr>
+        <p:spPr>
+          <a:xfrm>
+            <a:off x="1128356" y="2605550"/>
+            <a:ext cx="251406" cy="251406"/>
+          </a:xfrm>
+          <a:prstGeom prst="ellipse">
+            <a:avLst/>
+          </a:prstGeom>
+          <a:solidFill>
+            <a:schemeClr val="bg1"/>
+          </a:solidFill>
+          <a:ln w="19050">
+            <a:solidFill>
+              <a:srgbClr val="7030A0"/>
+            </a:solidFill>
+          </a:ln>
+        </p:spPr>
+        <p:style>
+          <a:lnRef idx="2">
+            <a:schemeClr val="accent1">
+              <a:shade val="50000"/>
+            </a:schemeClr>
+          </a:lnRef>
+          <a:fillRef idx="1">
+            <a:schemeClr val="accent1"/>
+          </a:fillRef>
+          <a:effectRef idx="0">
+            <a:schemeClr val="accent1"/>
+          </a:effectRef>
+          <a:fontRef idx="minor">
+            <a:schemeClr val="lt1"/>
+          </a:fontRef>
+        </p:style>
+        <p:txBody>
+          <a:bodyPr rtlCol="0" anchor="ctr"/>
+          <a:lstStyle/>
+          <a:p>
+            <a:pPr algn="ctr"/>
+            <a:r>
+              <a:rPr lang="fr-FR" sz="1200" b="1" dirty="0">
+                <a:solidFill>
+                  <a:srgbClr val="7030A0"/>
+                </a:solidFill>
+              </a:rPr>
+              <a:t>1</a:t>
+            </a:r>
+          </a:p>
+        </p:txBody>
+      </p:sp>
+      <p:sp>
+        <p:nvSpPr>
+          <p:cNvPr id="20" name="Ellipse 19"/>
+          <p:cNvSpPr/>
+          <p:nvPr/>
+        </p:nvSpPr>
+        <p:spPr>
+          <a:xfrm>
+            <a:off x="1136152" y="2001028"/>
+            <a:ext cx="251406" cy="251406"/>
+          </a:xfrm>
+          <a:prstGeom prst="ellipse">
+            <a:avLst/>
+          </a:prstGeom>
+          <a:solidFill>
+            <a:schemeClr val="bg1"/>
+          </a:solidFill>
+          <a:ln w="19050">
+            <a:solidFill>
+              <a:srgbClr val="00B050"/>
+            </a:solidFill>
+          </a:ln>
+        </p:spPr>
+        <p:style>
+          <a:lnRef idx="2">
+            <a:schemeClr val="accent1">
+              <a:shade val="50000"/>
+            </a:schemeClr>
+          </a:lnRef>
+          <a:fillRef idx="1">
+            <a:schemeClr val="accent1"/>
+          </a:fillRef>
+          <a:effectRef idx="0">
+            <a:schemeClr val="accent1"/>
+          </a:effectRef>
+          <a:fontRef idx="minor">
+            <a:schemeClr val="lt1"/>
+          </a:fontRef>
+        </p:style>
+        <p:txBody>
+          <a:bodyPr rtlCol="0" anchor="ctr"/>
+          <a:lstStyle/>
+          <a:p>
+            <a:pPr algn="ctr"/>
+            <a:r>
+              <a:rPr lang="fr-FR" sz="1200" b="1" dirty="0">
+                <a:solidFill>
+                  <a:srgbClr val="00B050"/>
+                </a:solidFill>
+              </a:rPr>
+              <a:t>2</a:t>
+            </a:r>
+          </a:p>
+        </p:txBody>
+      </p:sp>
+      <p:sp>
+        <p:nvSpPr>
+          <p:cNvPr id="21" name="Ellipse 20"/>
+          <p:cNvSpPr/>
+          <p:nvPr/>
+        </p:nvSpPr>
+        <p:spPr>
+          <a:xfrm>
+            <a:off x="1136152" y="1305386"/>
+            <a:ext cx="251406" cy="251406"/>
+          </a:xfrm>
+          <a:prstGeom prst="ellipse">
+            <a:avLst/>
+          </a:prstGeom>
+          <a:solidFill>
+            <a:schemeClr val="bg1"/>
+          </a:solidFill>
+          <a:ln w="19050">
+            <a:solidFill>
+              <a:srgbClr val="C00000"/>
+            </a:solidFill>
+          </a:ln>
+        </p:spPr>
+        <p:style>
+          <a:lnRef idx="2">
+            <a:schemeClr val="accent1">
+              <a:shade val="50000"/>
+            </a:schemeClr>
+          </a:lnRef>
+          <a:fillRef idx="1">
+            <a:schemeClr val="accent1"/>
+          </a:fillRef>
+          <a:effectRef idx="0">
+            <a:schemeClr val="accent1"/>
+          </a:effectRef>
+          <a:fontRef idx="minor">
+            <a:schemeClr val="lt1"/>
+          </a:fontRef>
+        </p:style>
+        <p:txBody>
+          <a:bodyPr rtlCol="0" anchor="ctr"/>
+          <a:lstStyle/>
+          <a:p>
+            <a:pPr algn="ctr"/>
+            <a:r>
+              <a:rPr lang="fr-FR" sz="1200" b="1" dirty="0" smtClean="0">
+                <a:solidFill>
+                  <a:srgbClr val="C00000"/>
+                </a:solidFill>
+              </a:rPr>
+              <a:t>3</a:t>
+            </a:r>
+            <a:endParaRPr lang="fr-FR" sz="1200" b="1" dirty="0">
+              <a:solidFill>
+                <a:srgbClr val="C00000"/>
+              </a:solidFill>
+            </a:endParaRPr>
+          </a:p>
+        </p:txBody>
+      </p:sp>
     </p:spTree>
     <p:extLst>
       <p:ext uri="{BB962C8B-B14F-4D97-AF65-F5344CB8AC3E}">
@@ -13115,8 +15031,8 @@
           <a:chExt cx="0" cy="0"/>
         </a:xfrm>
       </p:grpSpPr>
-      <mc:AlternateContent xmlns:mc="http://schemas.openxmlformats.org/markup-compatibility/2006">
-        <mc:Choice xmlns:a14="http://schemas.microsoft.com/office/drawing/2010/main" Requires="a14">
+      <mc:AlternateContent xmlns:mc="http://schemas.openxmlformats.org/markup-compatibility/2006" xmlns:a14="http://schemas.microsoft.com/office/drawing/2010/main">
+        <mc:Choice Requires="a14">
           <p:sp>
             <p:nvSpPr>
               <p:cNvPr id="3" name="Espace réservé du contenu 2"/>
@@ -13435,13 +15351,13 @@
                       <a:rPr lang="fr-FR" i="1">
                         <a:latin typeface="Cambria Math"/>
                       </a:rPr>
-                      <m:t>=1−</m:t>
+                      <m:t>=1−9+8=</m:t>
                     </m:r>
                     <m:r>
                       <a:rPr lang="fr-FR" b="0" i="1" smtClean="0">
                         <a:latin typeface="Cambria Math"/>
                       </a:rPr>
-                      <m:t>9+8=0</m:t>
+                      <m:t>0</m:t>
                     </m:r>
                   </m:oMath>
                 </a14:m>
@@ -13453,7 +15369,7 @@
             </p:txBody>
           </p:sp>
         </mc:Choice>
-        <mc:Fallback>
+        <mc:Fallback xmlns="">
           <p:sp>
             <p:nvSpPr>
               <p:cNvPr id="3" name="Espace réservé du contenu 2"/>
@@ -14167,6 +16083,242 @@
           </a:p>
         </p:txBody>
       </p:sp>
+      <p:sp>
+        <p:nvSpPr>
+          <p:cNvPr id="20" name="Ellipse 19"/>
+          <p:cNvSpPr/>
+          <p:nvPr/>
+        </p:nvSpPr>
+        <p:spPr>
+          <a:xfrm>
+            <a:off x="395536" y="2554072"/>
+            <a:ext cx="251406" cy="251406"/>
+          </a:xfrm>
+          <a:prstGeom prst="ellipse">
+            <a:avLst/>
+          </a:prstGeom>
+          <a:solidFill>
+            <a:schemeClr val="bg1"/>
+          </a:solidFill>
+          <a:ln w="19050">
+            <a:solidFill>
+              <a:schemeClr val="accent5">
+                <a:lumMod val="50000"/>
+              </a:schemeClr>
+            </a:solidFill>
+          </a:ln>
+        </p:spPr>
+        <p:style>
+          <a:lnRef idx="2">
+            <a:schemeClr val="accent1">
+              <a:shade val="50000"/>
+            </a:schemeClr>
+          </a:lnRef>
+          <a:fillRef idx="1">
+            <a:schemeClr val="accent1"/>
+          </a:fillRef>
+          <a:effectRef idx="0">
+            <a:schemeClr val="accent1"/>
+          </a:effectRef>
+          <a:fontRef idx="minor">
+            <a:schemeClr val="lt1"/>
+          </a:fontRef>
+        </p:style>
+        <p:txBody>
+          <a:bodyPr rtlCol="0" anchor="ctr"/>
+          <a:lstStyle/>
+          <a:p>
+            <a:pPr algn="ctr"/>
+            <a:r>
+              <a:rPr lang="fr-FR" sz="1200" b="1" dirty="0" smtClean="0">
+                <a:solidFill>
+                  <a:schemeClr val="accent5">
+                    <a:lumMod val="50000"/>
+                  </a:schemeClr>
+                </a:solidFill>
+              </a:rPr>
+              <a:t>0</a:t>
+            </a:r>
+            <a:endParaRPr lang="fr-FR" sz="1200" b="1" dirty="0">
+              <a:solidFill>
+                <a:schemeClr val="accent5">
+                  <a:lumMod val="50000"/>
+                </a:schemeClr>
+              </a:solidFill>
+            </a:endParaRPr>
+          </a:p>
+        </p:txBody>
+      </p:sp>
+      <p:sp>
+        <p:nvSpPr>
+          <p:cNvPr id="21" name="Ellipse 20"/>
+          <p:cNvSpPr/>
+          <p:nvPr/>
+        </p:nvSpPr>
+        <p:spPr>
+          <a:xfrm>
+            <a:off x="1128356" y="2605550"/>
+            <a:ext cx="251406" cy="251406"/>
+          </a:xfrm>
+          <a:prstGeom prst="ellipse">
+            <a:avLst/>
+          </a:prstGeom>
+          <a:solidFill>
+            <a:schemeClr val="bg1"/>
+          </a:solidFill>
+          <a:ln w="19050">
+            <a:solidFill>
+              <a:srgbClr val="7030A0"/>
+            </a:solidFill>
+          </a:ln>
+        </p:spPr>
+        <p:style>
+          <a:lnRef idx="2">
+            <a:schemeClr val="accent1">
+              <a:shade val="50000"/>
+            </a:schemeClr>
+          </a:lnRef>
+          <a:fillRef idx="1">
+            <a:schemeClr val="accent1"/>
+          </a:fillRef>
+          <a:effectRef idx="0">
+            <a:schemeClr val="accent1"/>
+          </a:effectRef>
+          <a:fontRef idx="minor">
+            <a:schemeClr val="lt1"/>
+          </a:fontRef>
+        </p:style>
+        <p:txBody>
+          <a:bodyPr rtlCol="0" anchor="ctr"/>
+          <a:lstStyle/>
+          <a:p>
+            <a:pPr algn="ctr"/>
+            <a:r>
+              <a:rPr lang="fr-FR" sz="1200" b="1" dirty="0">
+                <a:solidFill>
+                  <a:srgbClr val="7030A0"/>
+                </a:solidFill>
+              </a:rPr>
+              <a:t>1</a:t>
+            </a:r>
+          </a:p>
+        </p:txBody>
+      </p:sp>
+      <p:sp>
+        <p:nvSpPr>
+          <p:cNvPr id="23" name="Ellipse 22"/>
+          <p:cNvSpPr/>
+          <p:nvPr/>
+        </p:nvSpPr>
+        <p:spPr>
+          <a:xfrm>
+            <a:off x="1136152" y="2001028"/>
+            <a:ext cx="251406" cy="251406"/>
+          </a:xfrm>
+          <a:prstGeom prst="ellipse">
+            <a:avLst/>
+          </a:prstGeom>
+          <a:solidFill>
+            <a:schemeClr val="bg1"/>
+          </a:solidFill>
+          <a:ln w="19050">
+            <a:solidFill>
+              <a:srgbClr val="00B050"/>
+            </a:solidFill>
+          </a:ln>
+        </p:spPr>
+        <p:style>
+          <a:lnRef idx="2">
+            <a:schemeClr val="accent1">
+              <a:shade val="50000"/>
+            </a:schemeClr>
+          </a:lnRef>
+          <a:fillRef idx="1">
+            <a:schemeClr val="accent1"/>
+          </a:fillRef>
+          <a:effectRef idx="0">
+            <a:schemeClr val="accent1"/>
+          </a:effectRef>
+          <a:fontRef idx="minor">
+            <a:schemeClr val="lt1"/>
+          </a:fontRef>
+        </p:style>
+        <p:txBody>
+          <a:bodyPr rtlCol="0" anchor="ctr"/>
+          <a:lstStyle/>
+          <a:p>
+            <a:pPr algn="ctr"/>
+            <a:r>
+              <a:rPr lang="fr-FR" sz="1200" b="1" dirty="0">
+                <a:solidFill>
+                  <a:srgbClr val="00B050"/>
+                </a:solidFill>
+              </a:rPr>
+              <a:t>2</a:t>
+            </a:r>
+          </a:p>
+        </p:txBody>
+      </p:sp>
+      <p:sp>
+        <p:nvSpPr>
+          <p:cNvPr id="24" name="Ellipse 23"/>
+          <p:cNvSpPr/>
+          <p:nvPr/>
+        </p:nvSpPr>
+        <p:spPr>
+          <a:xfrm>
+            <a:off x="1136152" y="1305386"/>
+            <a:ext cx="251406" cy="251406"/>
+          </a:xfrm>
+          <a:prstGeom prst="ellipse">
+            <a:avLst/>
+          </a:prstGeom>
+          <a:solidFill>
+            <a:schemeClr val="bg1"/>
+          </a:solidFill>
+          <a:ln w="19050">
+            <a:solidFill>
+              <a:srgbClr val="C00000"/>
+            </a:solidFill>
+          </a:ln>
+        </p:spPr>
+        <p:style>
+          <a:lnRef idx="2">
+            <a:schemeClr val="accent1">
+              <a:shade val="50000"/>
+            </a:schemeClr>
+          </a:lnRef>
+          <a:fillRef idx="1">
+            <a:schemeClr val="accent1"/>
+          </a:fillRef>
+          <a:effectRef idx="0">
+            <a:schemeClr val="accent1"/>
+          </a:effectRef>
+          <a:fontRef idx="minor">
+            <a:schemeClr val="lt1"/>
+          </a:fontRef>
+        </p:style>
+        <p:txBody>
+          <a:bodyPr rtlCol="0" anchor="ctr"/>
+          <a:lstStyle/>
+          <a:p>
+            <a:pPr algn="ctr"/>
+            <a:r>
+              <a:rPr lang="fr-FR" sz="1200" b="1" dirty="0" smtClean="0">
+                <a:solidFill>
+                  <a:srgbClr val="C00000"/>
+                </a:solidFill>
+              </a:rPr>
+              <a:t>3</a:t>
+            </a:r>
+            <a:endParaRPr lang="fr-FR" sz="1200" b="1" dirty="0">
+              <a:solidFill>
+                <a:srgbClr val="C00000"/>
+              </a:solidFill>
+            </a:endParaRPr>
+          </a:p>
+        </p:txBody>
+      </p:sp>
     </p:spTree>
     <p:extLst>
       <p:ext uri="{BB962C8B-B14F-4D97-AF65-F5344CB8AC3E}">
@@ -14197,8 +16349,8 @@
           <a:chExt cx="0" cy="0"/>
         </a:xfrm>
       </p:grpSpPr>
-      <mc:AlternateContent xmlns:mc="http://schemas.openxmlformats.org/markup-compatibility/2006">
-        <mc:Choice xmlns:a14="http://schemas.microsoft.com/office/drawing/2010/main" Requires="a14">
+      <mc:AlternateContent xmlns:mc="http://schemas.openxmlformats.org/markup-compatibility/2006" xmlns:a14="http://schemas.microsoft.com/office/drawing/2010/main">
+        <mc:Choice Requires="a14">
           <p:sp>
             <p:nvSpPr>
               <p:cNvPr id="3" name="Espace réservé du contenu 2"/>
@@ -14413,13 +16565,7 @@
                       <a:rPr lang="fr-FR" b="0" i="1" smtClean="0">
                         <a:latin typeface="Cambria Math"/>
                       </a:rPr>
-                      <m:t>=1−18</m:t>
-                    </m:r>
-                    <m:r>
-                      <a:rPr lang="fr-FR" b="0" i="1" smtClean="0">
-                        <a:latin typeface="Cambria Math"/>
-                      </a:rPr>
-                      <m:t>+18=1</m:t>
+                      <m:t>=1−18+18=1</m:t>
                     </m:r>
                   </m:oMath>
                 </a14:m>
@@ -14535,13 +16681,13 @@
                       <a:rPr lang="fr-FR" i="1">
                         <a:latin typeface="Cambria Math"/>
                       </a:rPr>
-                      <m:t>=1−</m:t>
+                      <m:t>=1−9+8=</m:t>
                     </m:r>
                     <m:r>
                       <a:rPr lang="fr-FR" b="0" i="1" smtClean="0">
                         <a:latin typeface="Cambria Math"/>
                       </a:rPr>
-                      <m:t>9+8=0</m:t>
+                      <m:t>0</m:t>
                     </m:r>
                   </m:oMath>
                 </a14:m>
@@ -14553,7 +16699,7 @@
             </p:txBody>
           </p:sp>
         </mc:Choice>
-        <mc:Fallback>
+        <mc:Fallback xmlns="">
           <p:sp>
             <p:nvSpPr>
               <p:cNvPr id="3" name="Espace réservé du contenu 2"/>
@@ -15218,6 +17364,242 @@
           </a:p>
         </p:txBody>
       </p:sp>
+      <p:sp>
+        <p:nvSpPr>
+          <p:cNvPr id="18" name="Ellipse 17"/>
+          <p:cNvSpPr/>
+          <p:nvPr/>
+        </p:nvSpPr>
+        <p:spPr>
+          <a:xfrm>
+            <a:off x="395536" y="2554072"/>
+            <a:ext cx="251406" cy="251406"/>
+          </a:xfrm>
+          <a:prstGeom prst="ellipse">
+            <a:avLst/>
+          </a:prstGeom>
+          <a:solidFill>
+            <a:schemeClr val="bg1"/>
+          </a:solidFill>
+          <a:ln w="19050">
+            <a:solidFill>
+              <a:schemeClr val="accent5">
+                <a:lumMod val="50000"/>
+              </a:schemeClr>
+            </a:solidFill>
+          </a:ln>
+        </p:spPr>
+        <p:style>
+          <a:lnRef idx="2">
+            <a:schemeClr val="accent1">
+              <a:shade val="50000"/>
+            </a:schemeClr>
+          </a:lnRef>
+          <a:fillRef idx="1">
+            <a:schemeClr val="accent1"/>
+          </a:fillRef>
+          <a:effectRef idx="0">
+            <a:schemeClr val="accent1"/>
+          </a:effectRef>
+          <a:fontRef idx="minor">
+            <a:schemeClr val="lt1"/>
+          </a:fontRef>
+        </p:style>
+        <p:txBody>
+          <a:bodyPr rtlCol="0" anchor="ctr"/>
+          <a:lstStyle/>
+          <a:p>
+            <a:pPr algn="ctr"/>
+            <a:r>
+              <a:rPr lang="fr-FR" sz="1200" b="1" dirty="0" smtClean="0">
+                <a:solidFill>
+                  <a:schemeClr val="accent5">
+                    <a:lumMod val="50000"/>
+                  </a:schemeClr>
+                </a:solidFill>
+              </a:rPr>
+              <a:t>0</a:t>
+            </a:r>
+            <a:endParaRPr lang="fr-FR" sz="1200" b="1" dirty="0">
+              <a:solidFill>
+                <a:schemeClr val="accent5">
+                  <a:lumMod val="50000"/>
+                </a:schemeClr>
+              </a:solidFill>
+            </a:endParaRPr>
+          </a:p>
+        </p:txBody>
+      </p:sp>
+      <p:sp>
+        <p:nvSpPr>
+          <p:cNvPr id="20" name="Ellipse 19"/>
+          <p:cNvSpPr/>
+          <p:nvPr/>
+        </p:nvSpPr>
+        <p:spPr>
+          <a:xfrm>
+            <a:off x="1128356" y="2605550"/>
+            <a:ext cx="251406" cy="251406"/>
+          </a:xfrm>
+          <a:prstGeom prst="ellipse">
+            <a:avLst/>
+          </a:prstGeom>
+          <a:solidFill>
+            <a:schemeClr val="bg1"/>
+          </a:solidFill>
+          <a:ln w="19050">
+            <a:solidFill>
+              <a:srgbClr val="7030A0"/>
+            </a:solidFill>
+          </a:ln>
+        </p:spPr>
+        <p:style>
+          <a:lnRef idx="2">
+            <a:schemeClr val="accent1">
+              <a:shade val="50000"/>
+            </a:schemeClr>
+          </a:lnRef>
+          <a:fillRef idx="1">
+            <a:schemeClr val="accent1"/>
+          </a:fillRef>
+          <a:effectRef idx="0">
+            <a:schemeClr val="accent1"/>
+          </a:effectRef>
+          <a:fontRef idx="minor">
+            <a:schemeClr val="lt1"/>
+          </a:fontRef>
+        </p:style>
+        <p:txBody>
+          <a:bodyPr rtlCol="0" anchor="ctr"/>
+          <a:lstStyle/>
+          <a:p>
+            <a:pPr algn="ctr"/>
+            <a:r>
+              <a:rPr lang="fr-FR" sz="1200" b="1" dirty="0">
+                <a:solidFill>
+                  <a:srgbClr val="7030A0"/>
+                </a:solidFill>
+              </a:rPr>
+              <a:t>1</a:t>
+            </a:r>
+          </a:p>
+        </p:txBody>
+      </p:sp>
+      <p:sp>
+        <p:nvSpPr>
+          <p:cNvPr id="21" name="Ellipse 20"/>
+          <p:cNvSpPr/>
+          <p:nvPr/>
+        </p:nvSpPr>
+        <p:spPr>
+          <a:xfrm>
+            <a:off x="1136152" y="2001028"/>
+            <a:ext cx="251406" cy="251406"/>
+          </a:xfrm>
+          <a:prstGeom prst="ellipse">
+            <a:avLst/>
+          </a:prstGeom>
+          <a:solidFill>
+            <a:schemeClr val="bg1"/>
+          </a:solidFill>
+          <a:ln w="19050">
+            <a:solidFill>
+              <a:srgbClr val="00B050"/>
+            </a:solidFill>
+          </a:ln>
+        </p:spPr>
+        <p:style>
+          <a:lnRef idx="2">
+            <a:schemeClr val="accent1">
+              <a:shade val="50000"/>
+            </a:schemeClr>
+          </a:lnRef>
+          <a:fillRef idx="1">
+            <a:schemeClr val="accent1"/>
+          </a:fillRef>
+          <a:effectRef idx="0">
+            <a:schemeClr val="accent1"/>
+          </a:effectRef>
+          <a:fontRef idx="minor">
+            <a:schemeClr val="lt1"/>
+          </a:fontRef>
+        </p:style>
+        <p:txBody>
+          <a:bodyPr rtlCol="0" anchor="ctr"/>
+          <a:lstStyle/>
+          <a:p>
+            <a:pPr algn="ctr"/>
+            <a:r>
+              <a:rPr lang="fr-FR" sz="1200" b="1" dirty="0">
+                <a:solidFill>
+                  <a:srgbClr val="00B050"/>
+                </a:solidFill>
+              </a:rPr>
+              <a:t>2</a:t>
+            </a:r>
+          </a:p>
+        </p:txBody>
+      </p:sp>
+      <p:sp>
+        <p:nvSpPr>
+          <p:cNvPr id="23" name="Ellipse 22"/>
+          <p:cNvSpPr/>
+          <p:nvPr/>
+        </p:nvSpPr>
+        <p:spPr>
+          <a:xfrm>
+            <a:off x="1136152" y="1305386"/>
+            <a:ext cx="251406" cy="251406"/>
+          </a:xfrm>
+          <a:prstGeom prst="ellipse">
+            <a:avLst/>
+          </a:prstGeom>
+          <a:solidFill>
+            <a:schemeClr val="bg1"/>
+          </a:solidFill>
+          <a:ln w="19050">
+            <a:solidFill>
+              <a:srgbClr val="C00000"/>
+            </a:solidFill>
+          </a:ln>
+        </p:spPr>
+        <p:style>
+          <a:lnRef idx="2">
+            <a:schemeClr val="accent1">
+              <a:shade val="50000"/>
+            </a:schemeClr>
+          </a:lnRef>
+          <a:fillRef idx="1">
+            <a:schemeClr val="accent1"/>
+          </a:fillRef>
+          <a:effectRef idx="0">
+            <a:schemeClr val="accent1"/>
+          </a:effectRef>
+          <a:fontRef idx="minor">
+            <a:schemeClr val="lt1"/>
+          </a:fontRef>
+        </p:style>
+        <p:txBody>
+          <a:bodyPr rtlCol="0" anchor="ctr"/>
+          <a:lstStyle/>
+          <a:p>
+            <a:pPr algn="ctr"/>
+            <a:r>
+              <a:rPr lang="fr-FR" sz="1200" b="1" dirty="0" smtClean="0">
+                <a:solidFill>
+                  <a:srgbClr val="C00000"/>
+                </a:solidFill>
+              </a:rPr>
+              <a:t>3</a:t>
+            </a:r>
+            <a:endParaRPr lang="fr-FR" sz="1200" b="1" dirty="0">
+              <a:solidFill>
+                <a:srgbClr val="C00000"/>
+              </a:solidFill>
+            </a:endParaRPr>
+          </a:p>
+        </p:txBody>
+      </p:sp>
     </p:spTree>
     <p:extLst>
       <p:ext uri="{BB962C8B-B14F-4D97-AF65-F5344CB8AC3E}">
@@ -15248,8 +17630,8 @@
           <a:chExt cx="0" cy="0"/>
         </a:xfrm>
       </p:grpSpPr>
-      <mc:AlternateContent xmlns:mc="http://schemas.openxmlformats.org/markup-compatibility/2006">
-        <mc:Choice xmlns:a14="http://schemas.microsoft.com/office/drawing/2010/main" Requires="a14">
+      <mc:AlternateContent xmlns:mc="http://schemas.openxmlformats.org/markup-compatibility/2006" xmlns:a14="http://schemas.microsoft.com/office/drawing/2010/main">
+        <mc:Choice Requires="a14">
           <p:sp>
             <p:nvSpPr>
               <p:cNvPr id="3" name="Espace réservé du contenu 2"/>
@@ -15387,13 +17769,7 @@
                       <a:rPr lang="fr-FR" b="0" i="1" smtClean="0">
                         <a:latin typeface="Cambria Math"/>
                       </a:rPr>
-                      <m:t>=</m:t>
-                    </m:r>
-                    <m:r>
-                      <a:rPr lang="fr-FR" b="0" i="1" smtClean="0">
-                        <a:latin typeface="Cambria Math"/>
-                      </a:rPr>
-                      <m:t>5+5+5+5=20</m:t>
+                      <m:t>=5+5+5+5=20</m:t>
                     </m:r>
                   </m:oMath>
                 </a14:m>
@@ -15432,13 +17808,7 @@
                       <a:rPr lang="fr-FR" b="0" i="1" smtClean="0">
                         <a:latin typeface="Cambria Math"/>
                       </a:rPr>
-                      <m:t>=</m:t>
-                    </m:r>
-                    <m:r>
-                      <a:rPr lang="fr-FR" b="0" i="1" smtClean="0">
-                        <a:latin typeface="Cambria Math"/>
-                      </a:rPr>
-                      <m:t>18</m:t>
+                      <m:t>=18</m:t>
                     </m:r>
                   </m:oMath>
                 </a14:m>
@@ -15458,13 +17828,7 @@
                       <a:rPr lang="fr-FR" b="0" i="1" smtClean="0">
                         <a:latin typeface="Cambria Math"/>
                       </a:rPr>
-                      <m:t>=1−</m:t>
-                    </m:r>
-                    <m:r>
-                      <a:rPr lang="fr-FR" b="0" i="1" smtClean="0">
-                        <a:latin typeface="Cambria Math"/>
-                      </a:rPr>
-                      <m:t>18+20=3</m:t>
+                      <m:t>=1−18+20=3</m:t>
                     </m:r>
                   </m:oMath>
                 </a14:m>
@@ -15580,13 +17944,13 @@
                       <a:rPr lang="fr-FR" i="1">
                         <a:latin typeface="Cambria Math"/>
                       </a:rPr>
-                      <m:t>=1−</m:t>
+                      <m:t>=1−9+8=</m:t>
                     </m:r>
                     <m:r>
                       <a:rPr lang="fr-FR" b="0" i="1" smtClean="0">
                         <a:latin typeface="Cambria Math"/>
                       </a:rPr>
-                      <m:t>9+8=0</m:t>
+                      <m:t>0</m:t>
                     </m:r>
                   </m:oMath>
                 </a14:m>
@@ -15598,7 +17962,7 @@
             </p:txBody>
           </p:sp>
         </mc:Choice>
-        <mc:Fallback>
+        <mc:Fallback xmlns="">
           <p:sp>
             <p:nvSpPr>
               <p:cNvPr id="3" name="Espace réservé du contenu 2"/>
@@ -16211,6 +18575,242 @@
           <a:p>
             <a:pPr algn="ctr"/>
             <a:endParaRPr lang="fr-FR"/>
+          </a:p>
+        </p:txBody>
+      </p:sp>
+      <p:sp>
+        <p:nvSpPr>
+          <p:cNvPr id="17" name="Ellipse 16"/>
+          <p:cNvSpPr/>
+          <p:nvPr/>
+        </p:nvSpPr>
+        <p:spPr>
+          <a:xfrm>
+            <a:off x="395536" y="2554072"/>
+            <a:ext cx="251406" cy="251406"/>
+          </a:xfrm>
+          <a:prstGeom prst="ellipse">
+            <a:avLst/>
+          </a:prstGeom>
+          <a:solidFill>
+            <a:schemeClr val="bg1"/>
+          </a:solidFill>
+          <a:ln w="19050">
+            <a:solidFill>
+              <a:schemeClr val="accent5">
+                <a:lumMod val="50000"/>
+              </a:schemeClr>
+            </a:solidFill>
+          </a:ln>
+        </p:spPr>
+        <p:style>
+          <a:lnRef idx="2">
+            <a:schemeClr val="accent1">
+              <a:shade val="50000"/>
+            </a:schemeClr>
+          </a:lnRef>
+          <a:fillRef idx="1">
+            <a:schemeClr val="accent1"/>
+          </a:fillRef>
+          <a:effectRef idx="0">
+            <a:schemeClr val="accent1"/>
+          </a:effectRef>
+          <a:fontRef idx="minor">
+            <a:schemeClr val="lt1"/>
+          </a:fontRef>
+        </p:style>
+        <p:txBody>
+          <a:bodyPr rtlCol="0" anchor="ctr"/>
+          <a:lstStyle/>
+          <a:p>
+            <a:pPr algn="ctr"/>
+            <a:r>
+              <a:rPr lang="fr-FR" sz="1200" b="1" dirty="0" smtClean="0">
+                <a:solidFill>
+                  <a:schemeClr val="accent5">
+                    <a:lumMod val="50000"/>
+                  </a:schemeClr>
+                </a:solidFill>
+              </a:rPr>
+              <a:t>0</a:t>
+            </a:r>
+            <a:endParaRPr lang="fr-FR" sz="1200" b="1" dirty="0">
+              <a:solidFill>
+                <a:schemeClr val="accent5">
+                  <a:lumMod val="50000"/>
+                </a:schemeClr>
+              </a:solidFill>
+            </a:endParaRPr>
+          </a:p>
+        </p:txBody>
+      </p:sp>
+      <p:sp>
+        <p:nvSpPr>
+          <p:cNvPr id="18" name="Ellipse 17"/>
+          <p:cNvSpPr/>
+          <p:nvPr/>
+        </p:nvSpPr>
+        <p:spPr>
+          <a:xfrm>
+            <a:off x="1128356" y="2605550"/>
+            <a:ext cx="251406" cy="251406"/>
+          </a:xfrm>
+          <a:prstGeom prst="ellipse">
+            <a:avLst/>
+          </a:prstGeom>
+          <a:solidFill>
+            <a:schemeClr val="bg1"/>
+          </a:solidFill>
+          <a:ln w="19050">
+            <a:solidFill>
+              <a:srgbClr val="7030A0"/>
+            </a:solidFill>
+          </a:ln>
+        </p:spPr>
+        <p:style>
+          <a:lnRef idx="2">
+            <a:schemeClr val="accent1">
+              <a:shade val="50000"/>
+            </a:schemeClr>
+          </a:lnRef>
+          <a:fillRef idx="1">
+            <a:schemeClr val="accent1"/>
+          </a:fillRef>
+          <a:effectRef idx="0">
+            <a:schemeClr val="accent1"/>
+          </a:effectRef>
+          <a:fontRef idx="minor">
+            <a:schemeClr val="lt1"/>
+          </a:fontRef>
+        </p:style>
+        <p:txBody>
+          <a:bodyPr rtlCol="0" anchor="ctr"/>
+          <a:lstStyle/>
+          <a:p>
+            <a:pPr algn="ctr"/>
+            <a:r>
+              <a:rPr lang="fr-FR" sz="1200" b="1" dirty="0">
+                <a:solidFill>
+                  <a:srgbClr val="7030A0"/>
+                </a:solidFill>
+              </a:rPr>
+              <a:t>1</a:t>
+            </a:r>
+          </a:p>
+        </p:txBody>
+      </p:sp>
+      <p:sp>
+        <p:nvSpPr>
+          <p:cNvPr id="20" name="Ellipse 19"/>
+          <p:cNvSpPr/>
+          <p:nvPr/>
+        </p:nvSpPr>
+        <p:spPr>
+          <a:xfrm>
+            <a:off x="1136152" y="2001028"/>
+            <a:ext cx="251406" cy="251406"/>
+          </a:xfrm>
+          <a:prstGeom prst="ellipse">
+            <a:avLst/>
+          </a:prstGeom>
+          <a:solidFill>
+            <a:schemeClr val="bg1"/>
+          </a:solidFill>
+          <a:ln w="19050">
+            <a:solidFill>
+              <a:srgbClr val="00B050"/>
+            </a:solidFill>
+          </a:ln>
+        </p:spPr>
+        <p:style>
+          <a:lnRef idx="2">
+            <a:schemeClr val="accent1">
+              <a:shade val="50000"/>
+            </a:schemeClr>
+          </a:lnRef>
+          <a:fillRef idx="1">
+            <a:schemeClr val="accent1"/>
+          </a:fillRef>
+          <a:effectRef idx="0">
+            <a:schemeClr val="accent1"/>
+          </a:effectRef>
+          <a:fontRef idx="minor">
+            <a:schemeClr val="lt1"/>
+          </a:fontRef>
+        </p:style>
+        <p:txBody>
+          <a:bodyPr rtlCol="0" anchor="ctr"/>
+          <a:lstStyle/>
+          <a:p>
+            <a:pPr algn="ctr"/>
+            <a:r>
+              <a:rPr lang="fr-FR" sz="1200" b="1" dirty="0">
+                <a:solidFill>
+                  <a:srgbClr val="00B050"/>
+                </a:solidFill>
+              </a:rPr>
+              <a:t>2</a:t>
+            </a:r>
+          </a:p>
+        </p:txBody>
+      </p:sp>
+      <p:sp>
+        <p:nvSpPr>
+          <p:cNvPr id="21" name="Ellipse 20"/>
+          <p:cNvSpPr/>
+          <p:nvPr/>
+        </p:nvSpPr>
+        <p:spPr>
+          <a:xfrm>
+            <a:off x="1136152" y="1305386"/>
+            <a:ext cx="251406" cy="251406"/>
+          </a:xfrm>
+          <a:prstGeom prst="ellipse">
+            <a:avLst/>
+          </a:prstGeom>
+          <a:solidFill>
+            <a:schemeClr val="bg1"/>
+          </a:solidFill>
+          <a:ln w="19050">
+            <a:solidFill>
+              <a:srgbClr val="C00000"/>
+            </a:solidFill>
+          </a:ln>
+        </p:spPr>
+        <p:style>
+          <a:lnRef idx="2">
+            <a:schemeClr val="accent1">
+              <a:shade val="50000"/>
+            </a:schemeClr>
+          </a:lnRef>
+          <a:fillRef idx="1">
+            <a:schemeClr val="accent1"/>
+          </a:fillRef>
+          <a:effectRef idx="0">
+            <a:schemeClr val="accent1"/>
+          </a:effectRef>
+          <a:fontRef idx="minor">
+            <a:schemeClr val="lt1"/>
+          </a:fontRef>
+        </p:style>
+        <p:txBody>
+          <a:bodyPr rtlCol="0" anchor="ctr"/>
+          <a:lstStyle/>
+          <a:p>
+            <a:pPr algn="ctr"/>
+            <a:r>
+              <a:rPr lang="fr-FR" sz="1200" b="1" dirty="0" smtClean="0">
+                <a:solidFill>
+                  <a:srgbClr val="C00000"/>
+                </a:solidFill>
+              </a:rPr>
+              <a:t>3</a:t>
+            </a:r>
+            <a:endParaRPr lang="fr-FR" sz="1200" b="1" dirty="0">
+              <a:solidFill>
+                <a:srgbClr val="C00000"/>
+              </a:solidFill>
+            </a:endParaRPr>
           </a:p>
         </p:txBody>
       </p:sp>
